--- a/Presentation.pptx
+++ b/Presentation.pptx
@@ -2,20 +2,38 @@
 <file path=ppt/presentation.xml><?xml version="1.0" encoding="utf-8"?>
 <p:presentation xmlns:a="http://schemas.openxmlformats.org/drawingml/2006/main" xmlns:r="http://schemas.openxmlformats.org/officeDocument/2006/relationships" xmlns:p="http://schemas.openxmlformats.org/presentationml/2006/main" autoCompressPictures="0">
   <p:sldMasterIdLst>
-    <p:sldMasterId id="2147483648" r:id="rId1"/>
+    <p:sldMasterId id="2147483667" r:id="rId2"/>
   </p:sldMasterIdLst>
   <p:notesMasterIdLst>
-    <p:notesMasterId r:id="rId10"/>
+    <p:notesMasterId r:id="rId29"/>
   </p:notesMasterIdLst>
   <p:sldIdLst>
-    <p:sldId id="256" r:id="rId2"/>
-    <p:sldId id="257" r:id="rId3"/>
-    <p:sldId id="258" r:id="rId4"/>
-    <p:sldId id="259" r:id="rId5"/>
-    <p:sldId id="260" r:id="rId6"/>
-    <p:sldId id="261" r:id="rId7"/>
-    <p:sldId id="262" r:id="rId8"/>
-    <p:sldId id="263" r:id="rId9"/>
+    <p:sldId id="256" r:id="rId3"/>
+    <p:sldId id="257" r:id="rId4"/>
+    <p:sldId id="258" r:id="rId5"/>
+    <p:sldId id="259" r:id="rId6"/>
+    <p:sldId id="284" r:id="rId7"/>
+    <p:sldId id="260" r:id="rId8"/>
+    <p:sldId id="261" r:id="rId9"/>
+    <p:sldId id="262" r:id="rId10"/>
+    <p:sldId id="263" r:id="rId11"/>
+    <p:sldId id="264" r:id="rId12"/>
+    <p:sldId id="281" r:id="rId13"/>
+    <p:sldId id="282" r:id="rId14"/>
+    <p:sldId id="283" r:id="rId15"/>
+    <p:sldId id="269" r:id="rId16"/>
+    <p:sldId id="270" r:id="rId17"/>
+    <p:sldId id="271" r:id="rId18"/>
+    <p:sldId id="276" r:id="rId19"/>
+    <p:sldId id="277" r:id="rId20"/>
+    <p:sldId id="273" r:id="rId21"/>
+    <p:sldId id="274" r:id="rId22"/>
+    <p:sldId id="275" r:id="rId23"/>
+    <p:sldId id="265" r:id="rId24"/>
+    <p:sldId id="278" r:id="rId25"/>
+    <p:sldId id="279" r:id="rId26"/>
+    <p:sldId id="280" r:id="rId27"/>
+    <p:sldId id="267" r:id="rId28"/>
   </p:sldIdLst>
   <p:sldSz cx="12192000" cy="6858000"/>
   <p:notesSz cx="6858000" cy="9144000"/>
@@ -117,9 +135,6 @@
   <p:extLst>
     <p:ext uri="{521415D9-36F7-43E2-AB2F-B90AF26B5E84}">
       <p14:sectionLst xmlns:p14="http://schemas.microsoft.com/office/powerpoint/2010/main">
-        <p14:section name="Zusammenfassungsabschnitt" id="{E3F311E5-329E-4730-8397-0B5427838A74}">
-          <p14:sldIdLst/>
-        </p14:section>
         <p14:section name="Start" id="{6F867669-F369-48FD-8852-8A26B4C7FBFF}">
           <p14:sldIdLst>
             <p14:sldId id="256"/>
@@ -130,6 +145,7 @@
           <p14:sldIdLst>
             <p14:sldId id="258"/>
             <p14:sldId id="259"/>
+            <p14:sldId id="284"/>
           </p14:sldIdLst>
         </p14:section>
         <p14:section name="Cognex" id="{0BE5C9DB-AD24-4289-A523-5F97956AADFF}">
@@ -141,9 +157,34 @@
           </p14:sldIdLst>
         </p14:section>
         <p14:section name="Beckhoff" id="{68223B9F-1652-45B0-9D9A-9CECFABDE08D}">
-          <p14:sldIdLst/>
+          <p14:sldIdLst>
+            <p14:sldId id="264"/>
+            <p14:sldId id="281"/>
+            <p14:sldId id="282"/>
+            <p14:sldId id="283"/>
+          </p14:sldIdLst>
+        </p14:section>
+        <p14:section name="Beckhoff - Visu" id="{1E8E2EA0-2E17-40D3-90C5-C5C8488A1317}">
+          <p14:sldIdLst>
+            <p14:sldId id="269"/>
+            <p14:sldId id="270"/>
+            <p14:sldId id="271"/>
+            <p14:sldId id="276"/>
+            <p14:sldId id="277"/>
+            <p14:sldId id="273"/>
+            <p14:sldId id="274"/>
+            <p14:sldId id="275"/>
+            <p14:sldId id="265"/>
+            <p14:sldId id="278"/>
+            <p14:sldId id="279"/>
+            <p14:sldId id="280"/>
+            <p14:sldId id="267"/>
+          </p14:sldIdLst>
         </p14:section>
       </p14:sectionLst>
+    </p:ext>
+    <p:ext uri="{EFAFB233-063F-42B5-8137-9DF3F51BA10A}">
+      <p15:sldGuideLst xmlns:p15="http://schemas.microsoft.com/office/powerpoint/2012/main"/>
     </p:ext>
   </p:extLst>
 </p:presentation>
@@ -231,7 +272,7 @@
           <a:p>
             <a:fld id="{9DD82481-112D-431E-A684-50A038725940}" type="datetimeFigureOut">
               <a:rPr lang="fr-FR" smtClean="0"/>
-              <a:t>20/02/2017</a:t>
+              <a:t>24/02/2017</a:t>
             </a:fld>
             <a:endParaRPr lang="fr-FR"/>
           </a:p>
@@ -545,11 +586,56 @@
           <a:p>
             <a:r>
               <a:rPr lang="fr-FR" dirty="0"/>
-              <a:t>*communication entre les deux via TCP / IP</a:t>
-            </a:r>
-          </a:p>
-          <a:p>
-            <a:endParaRPr lang="fr-FR" dirty="0"/>
+              <a:t>*diviser en deux parties</a:t>
+            </a:r>
+          </a:p>
+          <a:p>
+            <a:r>
+              <a:rPr lang="fr-FR" dirty="0"/>
+              <a:t>*partie </a:t>
+            </a:r>
+            <a:r>
+              <a:rPr lang="fr-FR" dirty="0" err="1"/>
+              <a:t>Cognex</a:t>
+            </a:r>
+            <a:r>
+              <a:rPr lang="fr-FR" dirty="0"/>
+              <a:t>:</a:t>
+            </a:r>
+          </a:p>
+          <a:p>
+            <a:r>
+              <a:rPr lang="fr-FR" dirty="0"/>
+              <a:t>    *</a:t>
+            </a:r>
+            <a:r>
+              <a:rPr lang="fr-FR" dirty="0" err="1"/>
+              <a:t>Fonctionalité</a:t>
+            </a:r>
+            <a:r>
+              <a:rPr lang="fr-FR" dirty="0"/>
+              <a:t> | Protocole de communication | Interface utilisateur</a:t>
+            </a:r>
+          </a:p>
+          <a:p>
+            <a:r>
+              <a:rPr lang="fr-FR" dirty="0"/>
+              <a:t>*Partie Beckhoff</a:t>
+            </a:r>
+          </a:p>
+          <a:p>
+            <a:r>
+              <a:rPr lang="fr-FR" dirty="0"/>
+              <a:t>    *</a:t>
+            </a:r>
+            <a:r>
+              <a:rPr lang="fr-FR" dirty="0" err="1"/>
+              <a:t>Fonctionalitees</a:t>
+            </a:r>
+            <a:r>
+              <a:rPr lang="fr-FR" dirty="0"/>
+              <a:t> | Interface utilisateur</a:t>
+            </a:r>
           </a:p>
         </p:txBody>
       </p:sp>
@@ -570,7 +656,7 @@
           <a:p>
             <a:fld id="{C350C6A9-77A0-46C3-A773-3F2FC6DDDF78}" type="slidenum">
               <a:rPr lang="fr-FR" smtClean="0"/>
-              <a:t>3</a:t>
+              <a:t>2</a:t>
             </a:fld>
             <a:endParaRPr lang="fr-FR"/>
           </a:p>
@@ -579,7 +665,91 @@
     </p:spTree>
     <p:extLst>
       <p:ext uri="{BB962C8B-B14F-4D97-AF65-F5344CB8AC3E}">
-        <p14:creationId xmlns:p14="http://schemas.microsoft.com/office/powerpoint/2010/main" val="1160591633"/>
+        <p14:creationId xmlns:p14="http://schemas.microsoft.com/office/powerpoint/2010/main" val="2945521983"/>
+      </p:ext>
+    </p:extLst>
+  </p:cSld>
+  <p:clrMapOvr>
+    <a:masterClrMapping/>
+  </p:clrMapOvr>
+</p:notes>
+</file>
+
+<file path=ppt/notesSlides/notesSlide10.xml><?xml version="1.0" encoding="utf-8"?>
+<p:notes xmlns:a="http://schemas.openxmlformats.org/drawingml/2006/main" xmlns:r="http://schemas.openxmlformats.org/officeDocument/2006/relationships" xmlns:p="http://schemas.openxmlformats.org/presentationml/2006/main">
+  <p:cSld>
+    <p:spTree>
+      <p:nvGrpSpPr>
+        <p:cNvPr id="1" name=""/>
+        <p:cNvGrpSpPr/>
+        <p:nvPr/>
+      </p:nvGrpSpPr>
+      <p:grpSpPr>
+        <a:xfrm>
+          <a:off x="0" y="0"/>
+          <a:ext cx="0" cy="0"/>
+          <a:chOff x="0" y="0"/>
+          <a:chExt cx="0" cy="0"/>
+        </a:xfrm>
+      </p:grpSpPr>
+      <p:sp>
+        <p:nvSpPr>
+          <p:cNvPr id="2" name="Folienbildplatzhalter 1"/>
+          <p:cNvSpPr>
+            <a:spLocks noGrp="1" noRot="1" noChangeAspect="1"/>
+          </p:cNvSpPr>
+          <p:nvPr>
+            <p:ph type="sldImg"/>
+          </p:nvPr>
+        </p:nvSpPr>
+        <p:spPr/>
+      </p:sp>
+      <p:sp>
+        <p:nvSpPr>
+          <p:cNvPr id="3" name="Notizenplatzhalter 2"/>
+          <p:cNvSpPr>
+            <a:spLocks noGrp="1"/>
+          </p:cNvSpPr>
+          <p:nvPr>
+            <p:ph type="body" idx="1"/>
+          </p:nvPr>
+        </p:nvSpPr>
+        <p:spPr/>
+        <p:txBody>
+          <a:bodyPr/>
+          <a:lstStyle/>
+          <a:p>
+            <a:endParaRPr lang="fr-FR" dirty="0"/>
+          </a:p>
+        </p:txBody>
+      </p:sp>
+      <p:sp>
+        <p:nvSpPr>
+          <p:cNvPr id="4" name="Foliennummernplatzhalter 3"/>
+          <p:cNvSpPr>
+            <a:spLocks noGrp="1"/>
+          </p:cNvSpPr>
+          <p:nvPr>
+            <p:ph type="sldNum" sz="quarter" idx="10"/>
+          </p:nvPr>
+        </p:nvSpPr>
+        <p:spPr/>
+        <p:txBody>
+          <a:bodyPr/>
+          <a:lstStyle/>
+          <a:p>
+            <a:fld id="{C350C6A9-77A0-46C3-A773-3F2FC6DDDF78}" type="slidenum">
+              <a:rPr lang="fr-FR" smtClean="0"/>
+              <a:t>21</a:t>
+            </a:fld>
+            <a:endParaRPr lang="fr-FR"/>
+          </a:p>
+        </p:txBody>
+      </p:sp>
+    </p:spTree>
+    <p:extLst>
+      <p:ext uri="{BB962C8B-B14F-4D97-AF65-F5344CB8AC3E}">
+        <p14:creationId xmlns:p14="http://schemas.microsoft.com/office/powerpoint/2010/main" val="592984396"/>
       </p:ext>
     </p:extLst>
   </p:cSld>
@@ -635,138 +805,51 @@
           <a:p>
             <a:r>
               <a:rPr lang="fr-FR" dirty="0"/>
-              <a:t>*déroulement d’un cycle:</a:t>
+              <a:t>*platine</a:t>
             </a:r>
           </a:p>
           <a:p>
             <a:r>
               <a:rPr lang="fr-FR" dirty="0"/>
-              <a:t>	*Camera contrôle si </a:t>
+              <a:t>*IO: </a:t>
             </a:r>
             <a:r>
               <a:rPr lang="fr-FR" dirty="0" err="1"/>
-              <a:t>piece</a:t>
+              <a:t>Tachymetre</a:t>
             </a:r>
             <a:r>
               <a:rPr lang="fr-FR" dirty="0"/>
-              <a:t> est </a:t>
+              <a:t>,</a:t>
+            </a:r>
+          </a:p>
+          <a:p>
+            <a:r>
+              <a:rPr lang="fr-FR" dirty="0"/>
+              <a:t>                     Pression</a:t>
+            </a:r>
+          </a:p>
+          <a:p>
+            <a:r>
+              <a:rPr lang="fr-FR" dirty="0"/>
+              <a:t>                     </a:t>
             </a:r>
             <a:r>
               <a:rPr lang="fr-FR" dirty="0" err="1"/>
-              <a:t>presente</a:t>
+              <a:t>boitie</a:t>
             </a:r>
             <a:r>
               <a:rPr lang="fr-FR" dirty="0"/>
-              <a:t> et vierge</a:t>
+              <a:t> boutons</a:t>
             </a:r>
           </a:p>
           <a:p>
             <a:r>
               <a:rPr lang="fr-FR" dirty="0"/>
-              <a:t>	*V1 charge la </a:t>
-            </a:r>
-            <a:r>
-              <a:rPr lang="fr-FR" dirty="0" err="1"/>
-              <a:t>piece</a:t>
-            </a:r>
+              <a:t>*communication entre les deux via TCP / IP</a:t>
+            </a:r>
+          </a:p>
+          <a:p>
             <a:endParaRPr lang="fr-FR" dirty="0"/>
-          </a:p>
-          <a:p>
-            <a:r>
-              <a:rPr lang="fr-FR" dirty="0"/>
-              <a:t>	*V3 fixe la </a:t>
-            </a:r>
-            <a:r>
-              <a:rPr lang="fr-FR" dirty="0" err="1"/>
-              <a:t>piece</a:t>
-            </a:r>
-            <a:r>
-              <a:rPr lang="fr-FR" dirty="0"/>
-              <a:t> en position</a:t>
-            </a:r>
-          </a:p>
-          <a:p>
-            <a:r>
-              <a:rPr lang="fr-FR" dirty="0"/>
-              <a:t>	*le moteur de la </a:t>
-            </a:r>
-            <a:r>
-              <a:rPr lang="fr-FR" dirty="0" err="1"/>
-              <a:t>frese</a:t>
-            </a:r>
-            <a:r>
-              <a:rPr lang="fr-FR" dirty="0"/>
-              <a:t> est allumé</a:t>
-            </a:r>
-          </a:p>
-          <a:p>
-            <a:r>
-              <a:rPr lang="fr-FR" dirty="0"/>
-              <a:t>	*V2 avance le </a:t>
-            </a:r>
-            <a:r>
-              <a:rPr lang="fr-FR" dirty="0" err="1"/>
-              <a:t>frese</a:t>
-            </a:r>
-            <a:r>
-              <a:rPr lang="fr-FR" dirty="0"/>
-              <a:t> dans la </a:t>
-            </a:r>
-            <a:r>
-              <a:rPr lang="fr-FR" dirty="0" err="1"/>
-              <a:t>piece</a:t>
-            </a:r>
-            <a:r>
-              <a:rPr lang="fr-FR" dirty="0"/>
-              <a:t>.</a:t>
-            </a:r>
-          </a:p>
-          <a:p>
-            <a:r>
-              <a:rPr lang="fr-FR" dirty="0"/>
-              <a:t>	*V2 </a:t>
-            </a:r>
-            <a:r>
-              <a:rPr lang="fr-FR" dirty="0" err="1"/>
-              <a:t>relache</a:t>
-            </a:r>
-            <a:endParaRPr lang="fr-FR" dirty="0"/>
-          </a:p>
-          <a:p>
-            <a:r>
-              <a:rPr lang="fr-FR" dirty="0"/>
-              <a:t>	*Moteur </a:t>
-            </a:r>
-            <a:r>
-              <a:rPr lang="fr-FR" dirty="0" err="1"/>
-              <a:t>eteint</a:t>
-            </a:r>
-            <a:r>
-              <a:rPr lang="fr-FR" dirty="0"/>
-              <a:t>, serrage </a:t>
-            </a:r>
-            <a:r>
-              <a:rPr lang="fr-FR" dirty="0" err="1"/>
-              <a:t>relache</a:t>
-            </a:r>
-            <a:endParaRPr lang="fr-FR" dirty="0"/>
-          </a:p>
-          <a:p>
-            <a:r>
-              <a:rPr lang="fr-FR" dirty="0"/>
-              <a:t>	*V1 </a:t>
-            </a:r>
-            <a:r>
-              <a:rPr lang="fr-FR" dirty="0" err="1"/>
-              <a:t>relache</a:t>
-            </a:r>
-            <a:endParaRPr lang="fr-FR" dirty="0"/>
-          </a:p>
-          <a:p>
-            <a:r>
-              <a:rPr lang="fr-FR" dirty="0"/>
-              <a:t>	*la camera contrôle l’usinage correcte</a:t>
-            </a:r>
           </a:p>
         </p:txBody>
       </p:sp>
@@ -787,7 +870,7 @@
           <a:p>
             <a:fld id="{C350C6A9-77A0-46C3-A773-3F2FC6DDDF78}" type="slidenum">
               <a:rPr lang="fr-FR" smtClean="0"/>
-              <a:t>4</a:t>
+              <a:t>3</a:t>
             </a:fld>
             <a:endParaRPr lang="fr-FR"/>
           </a:p>
@@ -796,7 +879,7 @@
     </p:spTree>
     <p:extLst>
       <p:ext uri="{BB962C8B-B14F-4D97-AF65-F5344CB8AC3E}">
-        <p14:creationId xmlns:p14="http://schemas.microsoft.com/office/powerpoint/2010/main" val="2830027248"/>
+        <p14:creationId xmlns:p14="http://schemas.microsoft.com/office/powerpoint/2010/main" val="1160591633"/>
       </p:ext>
     </p:extLst>
   </p:cSld>
@@ -852,19 +935,13 @@
           <a:p>
             <a:r>
               <a:rPr lang="fr-FR" dirty="0"/>
-              <a:t>*j’ai du mesurer les cotes h d et e</a:t>
+              <a:t>*déroulement d’un cycle:</a:t>
             </a:r>
           </a:p>
           <a:p>
             <a:r>
               <a:rPr lang="fr-FR" dirty="0"/>
-              <a:t>*deux photos que j’ai prise. </a:t>
-            </a:r>
-          </a:p>
-          <a:p>
-            <a:r>
-              <a:rPr lang="fr-FR" dirty="0"/>
-              <a:t>	*</a:t>
+              <a:t>*Camera contrôle si </a:t>
             </a:r>
             <a:r>
               <a:rPr lang="fr-FR" dirty="0" err="1"/>
@@ -872,21 +949,123 @@
             </a:r>
             <a:r>
               <a:rPr lang="fr-FR" dirty="0"/>
-              <a:t> vierge </a:t>
-            </a:r>
-          </a:p>
-          <a:p>
+              <a:t> est </a:t>
+            </a:r>
+            <a:r>
+              <a:rPr lang="fr-FR" dirty="0" err="1"/>
+              <a:t>presente</a:t>
+            </a:r>
             <a:r>
               <a:rPr lang="fr-FR" dirty="0"/>
-              <a:t>	*</a:t>
+              <a:t> et vierge</a:t>
+            </a:r>
+          </a:p>
+          <a:p>
+            <a:r>
+              <a:rPr lang="fr-FR" dirty="0"/>
+              <a:t>*V1 charge la </a:t>
             </a:r>
             <a:r>
               <a:rPr lang="fr-FR" dirty="0" err="1"/>
               <a:t>piece</a:t>
             </a:r>
+            <a:endParaRPr lang="fr-FR" dirty="0"/>
+          </a:p>
+          <a:p>
             <a:r>
               <a:rPr lang="fr-FR" dirty="0"/>
-              <a:t> usiné</a:t>
+              <a:t>*V3 fixe la </a:t>
+            </a:r>
+            <a:r>
+              <a:rPr lang="fr-FR" dirty="0" err="1"/>
+              <a:t>piece</a:t>
+            </a:r>
+            <a:r>
+              <a:rPr lang="fr-FR" dirty="0"/>
+              <a:t> en position</a:t>
+            </a:r>
+          </a:p>
+          <a:p>
+            <a:r>
+              <a:rPr lang="fr-FR" dirty="0"/>
+              <a:t>*le moteur de la </a:t>
+            </a:r>
+            <a:r>
+              <a:rPr lang="fr-FR" dirty="0" err="1"/>
+              <a:t>frese</a:t>
+            </a:r>
+            <a:r>
+              <a:rPr lang="fr-FR" dirty="0"/>
+              <a:t> est allumé</a:t>
+            </a:r>
+          </a:p>
+          <a:p>
+            <a:r>
+              <a:rPr lang="fr-FR" dirty="0"/>
+              <a:t>*V2 avance le </a:t>
+            </a:r>
+            <a:r>
+              <a:rPr lang="fr-FR" dirty="0" err="1"/>
+              <a:t>frese</a:t>
+            </a:r>
+            <a:r>
+              <a:rPr lang="fr-FR" dirty="0"/>
+              <a:t> dans la </a:t>
+            </a:r>
+            <a:r>
+              <a:rPr lang="fr-FR" dirty="0" err="1"/>
+              <a:t>piece</a:t>
+            </a:r>
+            <a:r>
+              <a:rPr lang="fr-FR" dirty="0"/>
+              <a:t>.</a:t>
+            </a:r>
+          </a:p>
+          <a:p>
+            <a:r>
+              <a:rPr lang="fr-FR" dirty="0"/>
+              <a:t>*V2 </a:t>
+            </a:r>
+            <a:r>
+              <a:rPr lang="fr-FR" dirty="0" err="1"/>
+              <a:t>relache</a:t>
+            </a:r>
+            <a:endParaRPr lang="fr-FR" dirty="0"/>
+          </a:p>
+          <a:p>
+            <a:r>
+              <a:rPr lang="fr-FR" dirty="0"/>
+              <a:t>*Moteur </a:t>
+            </a:r>
+            <a:r>
+              <a:rPr lang="fr-FR" dirty="0" err="1"/>
+              <a:t>eteint</a:t>
+            </a:r>
+            <a:r>
+              <a:rPr lang="fr-FR" dirty="0"/>
+              <a:t>, serrage </a:t>
+            </a:r>
+            <a:r>
+              <a:rPr lang="fr-FR" dirty="0" err="1"/>
+              <a:t>relache</a:t>
+            </a:r>
+            <a:endParaRPr lang="fr-FR" dirty="0"/>
+          </a:p>
+          <a:p>
+            <a:r>
+              <a:rPr lang="fr-FR" dirty="0"/>
+              <a:t>*V1 </a:t>
+            </a:r>
+            <a:r>
+              <a:rPr lang="fr-FR" dirty="0" err="1"/>
+              <a:t>relache</a:t>
+            </a:r>
+            <a:endParaRPr lang="fr-FR" dirty="0"/>
+          </a:p>
+          <a:p>
+            <a:r>
+              <a:rPr lang="fr-FR" dirty="0"/>
+              <a:t>*la camera contrôle l’usinage correcte</a:t>
             </a:r>
           </a:p>
         </p:txBody>
@@ -908,7 +1087,7 @@
           <a:p>
             <a:fld id="{C350C6A9-77A0-46C3-A773-3F2FC6DDDF78}" type="slidenum">
               <a:rPr lang="fr-FR" smtClean="0"/>
-              <a:t>5</a:t>
+              <a:t>4</a:t>
             </a:fld>
             <a:endParaRPr lang="fr-FR"/>
           </a:p>
@@ -917,7 +1096,7 @@
     </p:spTree>
     <p:extLst>
       <p:ext uri="{BB962C8B-B14F-4D97-AF65-F5344CB8AC3E}">
-        <p14:creationId xmlns:p14="http://schemas.microsoft.com/office/powerpoint/2010/main" val="3887208589"/>
+        <p14:creationId xmlns:p14="http://schemas.microsoft.com/office/powerpoint/2010/main" val="2830027248"/>
       </p:ext>
     </p:extLst>
   </p:cSld>
@@ -971,7 +1150,44 @@
           <a:bodyPr/>
           <a:lstStyle/>
           <a:p>
-            <a:endParaRPr lang="fr-FR" dirty="0"/>
+            <a:r>
+              <a:rPr lang="fr-FR" dirty="0"/>
+              <a:t>*j’ai du mesurer les cotes h d et e</a:t>
+            </a:r>
+          </a:p>
+          <a:p>
+            <a:r>
+              <a:rPr lang="fr-FR" dirty="0"/>
+              <a:t>*deux photos que j’ai prise. </a:t>
+            </a:r>
+          </a:p>
+          <a:p>
+            <a:r>
+              <a:rPr lang="fr-FR" dirty="0"/>
+              <a:t>	*</a:t>
+            </a:r>
+            <a:r>
+              <a:rPr lang="fr-FR" dirty="0" err="1"/>
+              <a:t>piece</a:t>
+            </a:r>
+            <a:r>
+              <a:rPr lang="fr-FR" dirty="0"/>
+              <a:t> vierge </a:t>
+            </a:r>
+          </a:p>
+          <a:p>
+            <a:r>
+              <a:rPr lang="fr-FR" dirty="0"/>
+              <a:t>	*</a:t>
+            </a:r>
+            <a:r>
+              <a:rPr lang="fr-FR" dirty="0" err="1"/>
+              <a:t>piece</a:t>
+            </a:r>
+            <a:r>
+              <a:rPr lang="fr-FR" dirty="0"/>
+              <a:t> usiné</a:t>
+            </a:r>
           </a:p>
         </p:txBody>
       </p:sp>
@@ -992,7 +1208,7 @@
           <a:p>
             <a:fld id="{C350C6A9-77A0-46C3-A773-3F2FC6DDDF78}" type="slidenum">
               <a:rPr lang="fr-FR" smtClean="0"/>
-              <a:t>7</a:t>
+              <a:t>6</a:t>
             </a:fld>
             <a:endParaRPr lang="fr-FR"/>
           </a:p>
@@ -1001,7 +1217,7 @@
     </p:spTree>
     <p:extLst>
       <p:ext uri="{BB962C8B-B14F-4D97-AF65-F5344CB8AC3E}">
-        <p14:creationId xmlns:p14="http://schemas.microsoft.com/office/powerpoint/2010/main" val="1302833359"/>
+        <p14:creationId xmlns:p14="http://schemas.microsoft.com/office/powerpoint/2010/main" val="3887208589"/>
       </p:ext>
     </p:extLst>
   </p:cSld>
@@ -1085,7 +1301,354 @@
     </p:spTree>
     <p:extLst>
       <p:ext uri="{BB962C8B-B14F-4D97-AF65-F5344CB8AC3E}">
+        <p14:creationId xmlns:p14="http://schemas.microsoft.com/office/powerpoint/2010/main" val="1302833359"/>
+      </p:ext>
+    </p:extLst>
+  </p:cSld>
+  <p:clrMapOvr>
+    <a:masterClrMapping/>
+  </p:clrMapOvr>
+</p:notes>
+</file>
+
+<file path=ppt/notesSlides/notesSlide6.xml><?xml version="1.0" encoding="utf-8"?>
+<p:notes xmlns:a="http://schemas.openxmlformats.org/drawingml/2006/main" xmlns:r="http://schemas.openxmlformats.org/officeDocument/2006/relationships" xmlns:p="http://schemas.openxmlformats.org/presentationml/2006/main">
+  <p:cSld>
+    <p:spTree>
+      <p:nvGrpSpPr>
+        <p:cNvPr id="1" name=""/>
+        <p:cNvGrpSpPr/>
+        <p:nvPr/>
+      </p:nvGrpSpPr>
+      <p:grpSpPr>
+        <a:xfrm>
+          <a:off x="0" y="0"/>
+          <a:ext cx="0" cy="0"/>
+          <a:chOff x="0" y="0"/>
+          <a:chExt cx="0" cy="0"/>
+        </a:xfrm>
+      </p:grpSpPr>
+      <p:sp>
+        <p:nvSpPr>
+          <p:cNvPr id="2" name="Folienbildplatzhalter 1"/>
+          <p:cNvSpPr>
+            <a:spLocks noGrp="1" noRot="1" noChangeAspect="1"/>
+          </p:cNvSpPr>
+          <p:nvPr>
+            <p:ph type="sldImg"/>
+          </p:nvPr>
+        </p:nvSpPr>
+        <p:spPr/>
+      </p:sp>
+      <p:sp>
+        <p:nvSpPr>
+          <p:cNvPr id="3" name="Notizenplatzhalter 2"/>
+          <p:cNvSpPr>
+            <a:spLocks noGrp="1"/>
+          </p:cNvSpPr>
+          <p:nvPr>
+            <p:ph type="body" idx="1"/>
+          </p:nvPr>
+        </p:nvSpPr>
+        <p:spPr/>
+        <p:txBody>
+          <a:bodyPr/>
+          <a:lstStyle/>
+          <a:p>
+            <a:endParaRPr lang="fr-FR" dirty="0"/>
+          </a:p>
+        </p:txBody>
+      </p:sp>
+      <p:sp>
+        <p:nvSpPr>
+          <p:cNvPr id="4" name="Foliennummernplatzhalter 3"/>
+          <p:cNvSpPr>
+            <a:spLocks noGrp="1"/>
+          </p:cNvSpPr>
+          <p:nvPr>
+            <p:ph type="sldNum" sz="quarter" idx="10"/>
+          </p:nvPr>
+        </p:nvSpPr>
+        <p:spPr/>
+        <p:txBody>
+          <a:bodyPr/>
+          <a:lstStyle/>
+          <a:p>
+            <a:fld id="{C350C6A9-77A0-46C3-A773-3F2FC6DDDF78}" type="slidenum">
+              <a:rPr lang="fr-FR" smtClean="0"/>
+              <a:t>9</a:t>
+            </a:fld>
+            <a:endParaRPr lang="fr-FR"/>
+          </a:p>
+        </p:txBody>
+      </p:sp>
+    </p:spTree>
+    <p:extLst>
+      <p:ext uri="{BB962C8B-B14F-4D97-AF65-F5344CB8AC3E}">
         <p14:creationId xmlns:p14="http://schemas.microsoft.com/office/powerpoint/2010/main" val="1857489484"/>
+      </p:ext>
+    </p:extLst>
+  </p:cSld>
+  <p:clrMapOvr>
+    <a:masterClrMapping/>
+  </p:clrMapOvr>
+</p:notes>
+</file>
+
+<file path=ppt/notesSlides/notesSlide7.xml><?xml version="1.0" encoding="utf-8"?>
+<p:notes xmlns:a="http://schemas.openxmlformats.org/drawingml/2006/main" xmlns:r="http://schemas.openxmlformats.org/officeDocument/2006/relationships" xmlns:p="http://schemas.openxmlformats.org/presentationml/2006/main">
+  <p:cSld>
+    <p:spTree>
+      <p:nvGrpSpPr>
+        <p:cNvPr id="1" name=""/>
+        <p:cNvGrpSpPr/>
+        <p:nvPr/>
+      </p:nvGrpSpPr>
+      <p:grpSpPr>
+        <a:xfrm>
+          <a:off x="0" y="0"/>
+          <a:ext cx="0" cy="0"/>
+          <a:chOff x="0" y="0"/>
+          <a:chExt cx="0" cy="0"/>
+        </a:xfrm>
+      </p:grpSpPr>
+      <p:sp>
+        <p:nvSpPr>
+          <p:cNvPr id="2" name="Folienbildplatzhalter 1"/>
+          <p:cNvSpPr>
+            <a:spLocks noGrp="1" noRot="1" noChangeAspect="1"/>
+          </p:cNvSpPr>
+          <p:nvPr>
+            <p:ph type="sldImg"/>
+          </p:nvPr>
+        </p:nvSpPr>
+        <p:spPr/>
+      </p:sp>
+      <p:sp>
+        <p:nvSpPr>
+          <p:cNvPr id="3" name="Notizenplatzhalter 2"/>
+          <p:cNvSpPr>
+            <a:spLocks noGrp="1"/>
+          </p:cNvSpPr>
+          <p:nvPr>
+            <p:ph type="body" idx="1"/>
+          </p:nvPr>
+        </p:nvSpPr>
+        <p:spPr/>
+        <p:txBody>
+          <a:bodyPr/>
+          <a:lstStyle/>
+          <a:p>
+            <a:endParaRPr lang="fr-FR" dirty="0"/>
+          </a:p>
+        </p:txBody>
+      </p:sp>
+      <p:sp>
+        <p:nvSpPr>
+          <p:cNvPr id="4" name="Foliennummernplatzhalter 3"/>
+          <p:cNvSpPr>
+            <a:spLocks noGrp="1"/>
+          </p:cNvSpPr>
+          <p:nvPr>
+            <p:ph type="sldNum" sz="quarter" idx="10"/>
+          </p:nvPr>
+        </p:nvSpPr>
+        <p:spPr/>
+        <p:txBody>
+          <a:bodyPr/>
+          <a:lstStyle/>
+          <a:p>
+            <a:fld id="{C350C6A9-77A0-46C3-A773-3F2FC6DDDF78}" type="slidenum">
+              <a:rPr lang="fr-FR" smtClean="0"/>
+              <a:t>10</a:t>
+            </a:fld>
+            <a:endParaRPr lang="fr-FR"/>
+          </a:p>
+        </p:txBody>
+      </p:sp>
+    </p:spTree>
+    <p:extLst>
+      <p:ext uri="{BB962C8B-B14F-4D97-AF65-F5344CB8AC3E}">
+        <p14:creationId xmlns:p14="http://schemas.microsoft.com/office/powerpoint/2010/main" val="1451545546"/>
+      </p:ext>
+    </p:extLst>
+  </p:cSld>
+  <p:clrMapOvr>
+    <a:masterClrMapping/>
+  </p:clrMapOvr>
+</p:notes>
+</file>
+
+<file path=ppt/notesSlides/notesSlide8.xml><?xml version="1.0" encoding="utf-8"?>
+<p:notes xmlns:a="http://schemas.openxmlformats.org/drawingml/2006/main" xmlns:r="http://schemas.openxmlformats.org/officeDocument/2006/relationships" xmlns:p="http://schemas.openxmlformats.org/presentationml/2006/main">
+  <p:cSld>
+    <p:spTree>
+      <p:nvGrpSpPr>
+        <p:cNvPr id="1" name=""/>
+        <p:cNvGrpSpPr/>
+        <p:nvPr/>
+      </p:nvGrpSpPr>
+      <p:grpSpPr>
+        <a:xfrm>
+          <a:off x="0" y="0"/>
+          <a:ext cx="0" cy="0"/>
+          <a:chOff x="0" y="0"/>
+          <a:chExt cx="0" cy="0"/>
+        </a:xfrm>
+      </p:grpSpPr>
+      <p:sp>
+        <p:nvSpPr>
+          <p:cNvPr id="2" name="Folienbildplatzhalter 1"/>
+          <p:cNvSpPr>
+            <a:spLocks noGrp="1" noRot="1" noChangeAspect="1"/>
+          </p:cNvSpPr>
+          <p:nvPr>
+            <p:ph type="sldImg"/>
+          </p:nvPr>
+        </p:nvSpPr>
+        <p:spPr/>
+      </p:sp>
+      <p:sp>
+        <p:nvSpPr>
+          <p:cNvPr id="3" name="Notizenplatzhalter 2"/>
+          <p:cNvSpPr>
+            <a:spLocks noGrp="1"/>
+          </p:cNvSpPr>
+          <p:nvPr>
+            <p:ph type="body" idx="1"/>
+          </p:nvPr>
+        </p:nvSpPr>
+        <p:spPr/>
+        <p:txBody>
+          <a:bodyPr/>
+          <a:lstStyle/>
+          <a:p>
+            <a:endParaRPr lang="fr-FR" dirty="0"/>
+          </a:p>
+        </p:txBody>
+      </p:sp>
+      <p:sp>
+        <p:nvSpPr>
+          <p:cNvPr id="4" name="Foliennummernplatzhalter 3"/>
+          <p:cNvSpPr>
+            <a:spLocks noGrp="1"/>
+          </p:cNvSpPr>
+          <p:nvPr>
+            <p:ph type="sldNum" sz="quarter" idx="10"/>
+          </p:nvPr>
+        </p:nvSpPr>
+        <p:spPr/>
+        <p:txBody>
+          <a:bodyPr/>
+          <a:lstStyle/>
+          <a:p>
+            <a:fld id="{C350C6A9-77A0-46C3-A773-3F2FC6DDDF78}" type="slidenum">
+              <a:rPr lang="fr-FR" smtClean="0"/>
+              <a:t>19</a:t>
+            </a:fld>
+            <a:endParaRPr lang="fr-FR"/>
+          </a:p>
+        </p:txBody>
+      </p:sp>
+    </p:spTree>
+    <p:extLst>
+      <p:ext uri="{BB962C8B-B14F-4D97-AF65-F5344CB8AC3E}">
+        <p14:creationId xmlns:p14="http://schemas.microsoft.com/office/powerpoint/2010/main" val="3899783904"/>
+      </p:ext>
+    </p:extLst>
+  </p:cSld>
+  <p:clrMapOvr>
+    <a:masterClrMapping/>
+  </p:clrMapOvr>
+</p:notes>
+</file>
+
+<file path=ppt/notesSlides/notesSlide9.xml><?xml version="1.0" encoding="utf-8"?>
+<p:notes xmlns:a="http://schemas.openxmlformats.org/drawingml/2006/main" xmlns:r="http://schemas.openxmlformats.org/officeDocument/2006/relationships" xmlns:p="http://schemas.openxmlformats.org/presentationml/2006/main">
+  <p:cSld>
+    <p:spTree>
+      <p:nvGrpSpPr>
+        <p:cNvPr id="1" name=""/>
+        <p:cNvGrpSpPr/>
+        <p:nvPr/>
+      </p:nvGrpSpPr>
+      <p:grpSpPr>
+        <a:xfrm>
+          <a:off x="0" y="0"/>
+          <a:ext cx="0" cy="0"/>
+          <a:chOff x="0" y="0"/>
+          <a:chExt cx="0" cy="0"/>
+        </a:xfrm>
+      </p:grpSpPr>
+      <p:sp>
+        <p:nvSpPr>
+          <p:cNvPr id="2" name="Folienbildplatzhalter 1"/>
+          <p:cNvSpPr>
+            <a:spLocks noGrp="1" noRot="1" noChangeAspect="1"/>
+          </p:cNvSpPr>
+          <p:nvPr>
+            <p:ph type="sldImg"/>
+          </p:nvPr>
+        </p:nvSpPr>
+        <p:spPr/>
+      </p:sp>
+      <p:sp>
+        <p:nvSpPr>
+          <p:cNvPr id="3" name="Notizenplatzhalter 2"/>
+          <p:cNvSpPr>
+            <a:spLocks noGrp="1"/>
+          </p:cNvSpPr>
+          <p:nvPr>
+            <p:ph type="body" idx="1"/>
+          </p:nvPr>
+        </p:nvSpPr>
+        <p:spPr/>
+        <p:txBody>
+          <a:bodyPr/>
+          <a:lstStyle/>
+          <a:p>
+            <a:r>
+              <a:rPr lang="fr-FR" dirty="0"/>
+              <a:t>Avec une Global </a:t>
+            </a:r>
+            <a:r>
+              <a:rPr lang="fr-FR" dirty="0" err="1"/>
+              <a:t>Text</a:t>
+            </a:r>
+            <a:r>
+              <a:rPr lang="fr-FR" dirty="0"/>
+              <a:t> List</a:t>
+            </a:r>
+          </a:p>
+        </p:txBody>
+      </p:sp>
+      <p:sp>
+        <p:nvSpPr>
+          <p:cNvPr id="4" name="Foliennummernplatzhalter 3"/>
+          <p:cNvSpPr>
+            <a:spLocks noGrp="1"/>
+          </p:cNvSpPr>
+          <p:nvPr>
+            <p:ph type="sldNum" sz="quarter" idx="10"/>
+          </p:nvPr>
+        </p:nvSpPr>
+        <p:spPr/>
+        <p:txBody>
+          <a:bodyPr/>
+          <a:lstStyle/>
+          <a:p>
+            <a:fld id="{C350C6A9-77A0-46C3-A773-3F2FC6DDDF78}" type="slidenum">
+              <a:rPr lang="fr-FR" smtClean="0"/>
+              <a:t>20</a:t>
+            </a:fld>
+            <a:endParaRPr lang="fr-FR"/>
+          </a:p>
+        </p:txBody>
+      </p:sp>
+    </p:spTree>
+    <p:extLst>
+      <p:ext uri="{BB962C8B-B14F-4D97-AF65-F5344CB8AC3E}">
+        <p14:creationId xmlns:p14="http://schemas.microsoft.com/office/powerpoint/2010/main" val="1551912079"/>
       </p:ext>
     </p:extLst>
   </p:cSld>
@@ -1190,7 +1753,7 @@
           <a:effectLst/>
           <a:extLst>
             <a:ext uri="{91240B29-F687-4f45-9708-019B960494DF}">
-              <a14:hiddenLine xmlns:a14="http://schemas.microsoft.com/office/drawing/2010/main" xmlns="" w="9525">
+              <a14:hiddenLine xmlns="" xmlns:a14="http://schemas.microsoft.com/office/drawing/2010/main" w="9525">
                 <a:solidFill>
                   <a:srgbClr val="000000"/>
                 </a:solidFill>
@@ -1381,9 +1944,9 @@
           <a:lstStyle/>
           <a:p>
             <a:fld id="{08B9EBBA-996F-894A-B54A-D6246ED52CEA}" type="datetimeFigureOut">
-              <a:rPr lang="en-US" dirty="0"/>
+              <a:rPr lang="en-US" smtClean="0"/>
               <a:pPr/>
-              <a:t>2/20/2017</a:t>
+              <a:t>2/24/2017</a:t>
             </a:fld>
             <a:endParaRPr lang="en-US" dirty="0"/>
           </a:p>
@@ -1424,7 +1987,7 @@
           <a:lstStyle/>
           <a:p>
             <a:fld id="{D57F1E4F-1CFF-5643-939E-217C01CDF565}" type="slidenum">
-              <a:rPr lang="en-US" dirty="0"/>
+              <a:rPr lang="en-US" smtClean="0"/>
               <a:pPr/>
               <a:t>‹Nr.›</a:t>
             </a:fld>
@@ -1433,10 +1996,27 @@
         </p:txBody>
       </p:sp>
     </p:spTree>
+    <p:extLst>
+      <p:ext uri="{BB962C8B-B14F-4D97-AF65-F5344CB8AC3E}">
+        <p14:creationId xmlns:p14="http://schemas.microsoft.com/office/powerpoint/2010/main" val="2205029962"/>
+      </p:ext>
+    </p:extLst>
   </p:cSld>
   <p:clrMapOvr>
     <a:masterClrMapping/>
   </p:clrMapOvr>
+  <mc:AlternateContent xmlns:mc="http://schemas.openxmlformats.org/markup-compatibility/2006" xmlns:p14="http://schemas.microsoft.com/office/powerpoint/2010/main">
+    <mc:Choice Requires="p14">
+      <p:transition p14:dur="250">
+        <p:fade/>
+      </p:transition>
+    </mc:Choice>
+    <mc:Fallback xmlns="">
+      <p:transition>
+        <p:fade/>
+      </p:transition>
+    </mc:Fallback>
+  </mc:AlternateContent>
 </p:sldLayout>
 </file>
 
@@ -1696,9 +2276,9 @@
           <a:lstStyle/>
           <a:p>
             <a:fld id="{18C79C5D-2A6F-F04D-97DA-BEF2467B64E4}" type="datetimeFigureOut">
-              <a:rPr lang="en-US" dirty="0"/>
+              <a:rPr lang="en-US" smtClean="0"/>
               <a:pPr/>
-              <a:t>2/20/2017</a:t>
+              <a:t>2/24/2017</a:t>
             </a:fld>
             <a:endParaRPr lang="en-US" dirty="0"/>
           </a:p>
@@ -1739,7 +2319,7 @@
           <a:lstStyle/>
           <a:p>
             <a:fld id="{D57F1E4F-1CFF-5643-939E-217C01CDF565}" type="slidenum">
-              <a:rPr lang="en-US" dirty="0"/>
+              <a:rPr lang="en-US" smtClean="0"/>
               <a:pPr/>
               <a:t>‹Nr.›</a:t>
             </a:fld>
@@ -1748,10 +2328,27 @@
         </p:txBody>
       </p:sp>
     </p:spTree>
+    <p:extLst>
+      <p:ext uri="{BB962C8B-B14F-4D97-AF65-F5344CB8AC3E}">
+        <p14:creationId xmlns:p14="http://schemas.microsoft.com/office/powerpoint/2010/main" val="3193675521"/>
+      </p:ext>
+    </p:extLst>
   </p:cSld>
   <p:clrMapOvr>
     <a:masterClrMapping/>
   </p:clrMapOvr>
+  <mc:AlternateContent xmlns:mc="http://schemas.openxmlformats.org/markup-compatibility/2006" xmlns:p14="http://schemas.microsoft.com/office/powerpoint/2010/main">
+    <mc:Choice Requires="p14">
+      <p:transition p14:dur="250">
+        <p:fade/>
+      </p:transition>
+    </mc:Choice>
+    <mc:Fallback xmlns="">
+      <p:transition>
+        <p:fade/>
+      </p:transition>
+    </mc:Fallback>
+  </mc:AlternateContent>
 </p:sldLayout>
 </file>
 
@@ -2181,9 +2778,9 @@
           <a:lstStyle/>
           <a:p>
             <a:fld id="{8DFA1846-DA80-1C48-A609-854EA85C59AD}" type="datetimeFigureOut">
-              <a:rPr lang="en-US" dirty="0"/>
+              <a:rPr lang="en-US" smtClean="0"/>
               <a:pPr/>
-              <a:t>2/20/2017</a:t>
+              <a:t>2/24/2017</a:t>
             </a:fld>
             <a:endParaRPr lang="en-US" dirty="0"/>
           </a:p>
@@ -2224,7 +2821,7 @@
           <a:lstStyle/>
           <a:p>
             <a:fld id="{D57F1E4F-1CFF-5643-939E-217C01CDF565}" type="slidenum">
-              <a:rPr lang="en-US" dirty="0"/>
+              <a:rPr lang="en-US" smtClean="0"/>
               <a:pPr/>
               <a:t>‹Nr.›</a:t>
             </a:fld>
@@ -2233,10 +2830,27 @@
         </p:txBody>
       </p:sp>
     </p:spTree>
+    <p:extLst>
+      <p:ext uri="{BB962C8B-B14F-4D97-AF65-F5344CB8AC3E}">
+        <p14:creationId xmlns:p14="http://schemas.microsoft.com/office/powerpoint/2010/main" val="932713047"/>
+      </p:ext>
+    </p:extLst>
   </p:cSld>
   <p:clrMapOvr>
     <a:masterClrMapping/>
   </p:clrMapOvr>
+  <mc:AlternateContent xmlns:mc="http://schemas.openxmlformats.org/markup-compatibility/2006" xmlns:p14="http://schemas.microsoft.com/office/powerpoint/2010/main">
+    <mc:Choice Requires="p14">
+      <p:transition p14:dur="250">
+        <p:fade/>
+      </p:transition>
+    </mc:Choice>
+    <mc:Fallback xmlns="">
+      <p:transition>
+        <p:fade/>
+      </p:transition>
+    </mc:Fallback>
+  </mc:AlternateContent>
 </p:sldLayout>
 </file>
 
@@ -2547,9 +3161,9 @@
           <a:lstStyle/>
           <a:p>
             <a:fld id="{FBF54567-0DE4-3F47-BF90-CB84690072F9}" type="datetimeFigureOut">
-              <a:rPr lang="en-US" dirty="0"/>
+              <a:rPr lang="en-US" smtClean="0"/>
               <a:pPr/>
-              <a:t>2/20/2017</a:t>
+              <a:t>2/24/2017</a:t>
             </a:fld>
             <a:endParaRPr lang="en-US" dirty="0"/>
           </a:p>
@@ -2590,7 +3204,7 @@
           <a:lstStyle/>
           <a:p>
             <a:fld id="{D57F1E4F-1CFF-5643-939E-217C01CDF565}" type="slidenum">
-              <a:rPr lang="en-US" dirty="0"/>
+              <a:rPr lang="en-US" smtClean="0"/>
               <a:pPr/>
               <a:t>‹Nr.›</a:t>
             </a:fld>
@@ -2599,10 +3213,27 @@
         </p:txBody>
       </p:sp>
     </p:spTree>
+    <p:extLst>
+      <p:ext uri="{BB962C8B-B14F-4D97-AF65-F5344CB8AC3E}">
+        <p14:creationId xmlns:p14="http://schemas.microsoft.com/office/powerpoint/2010/main" val="2312608563"/>
+      </p:ext>
+    </p:extLst>
   </p:cSld>
   <p:clrMapOvr>
     <a:masterClrMapping/>
   </p:clrMapOvr>
+  <mc:AlternateContent xmlns:mc="http://schemas.openxmlformats.org/markup-compatibility/2006" xmlns:p14="http://schemas.microsoft.com/office/powerpoint/2010/main">
+    <mc:Choice Requires="p14">
+      <p:transition p14:dur="250">
+        <p:fade/>
+      </p:transition>
+    </mc:Choice>
+    <mc:Fallback xmlns="">
+      <p:transition>
+        <p:fade/>
+      </p:transition>
+    </mc:Fallback>
+  </mc:AlternateContent>
 </p:sldLayout>
 </file>
 
@@ -2700,7 +3331,7 @@
           <a:ln/>
           <a:extLst>
             <a:ext uri="{91240B29-F687-4f45-9708-019B960494DF}">
-              <a14:hiddenLine xmlns:a14="http://schemas.microsoft.com/office/drawing/2010/main" xmlns="" w="9525">
+              <a14:hiddenLine xmlns="" xmlns:a14="http://schemas.microsoft.com/office/drawing/2010/main" w="9525">
                 <a:solidFill>
                   <a:srgbClr val="000000"/>
                 </a:solidFill>
@@ -2817,9 +3448,9 @@
           <a:lstStyle/>
           <a:p>
             <a:fld id="{C6C52C72-DE31-F449-A4ED-4C594FD91407}" type="datetimeFigureOut">
-              <a:rPr lang="en-US" dirty="0"/>
+              <a:rPr lang="en-US" smtClean="0"/>
               <a:pPr/>
-              <a:t>2/20/2017</a:t>
+              <a:t>2/24/2017</a:t>
             </a:fld>
             <a:endParaRPr lang="en-US" dirty="0"/>
           </a:p>
@@ -2860,7 +3491,7 @@
           <a:lstStyle/>
           <a:p>
             <a:fld id="{D57F1E4F-1CFF-5643-939E-217C01CDF565}" type="slidenum">
-              <a:rPr lang="en-US" dirty="0"/>
+              <a:rPr lang="en-US" smtClean="0"/>
               <a:pPr/>
               <a:t>‹Nr.›</a:t>
             </a:fld>
@@ -2869,10 +3500,27 @@
         </p:txBody>
       </p:sp>
     </p:spTree>
+    <p:extLst>
+      <p:ext uri="{BB962C8B-B14F-4D97-AF65-F5344CB8AC3E}">
+        <p14:creationId xmlns:p14="http://schemas.microsoft.com/office/powerpoint/2010/main" val="3071287367"/>
+      </p:ext>
+    </p:extLst>
   </p:cSld>
   <p:clrMapOvr>
     <a:masterClrMapping/>
   </p:clrMapOvr>
+  <mc:AlternateContent xmlns:mc="http://schemas.openxmlformats.org/markup-compatibility/2006" xmlns:p14="http://schemas.microsoft.com/office/powerpoint/2010/main">
+    <mc:Choice Requires="p14">
+      <p:transition p14:dur="250">
+        <p:fade/>
+      </p:transition>
+    </mc:Choice>
+    <mc:Fallback xmlns="">
+      <p:transition>
+        <p:fade/>
+      </p:transition>
+    </mc:Fallback>
+  </mc:AlternateContent>
 </p:sldLayout>
 </file>
 
@@ -2972,7 +3620,7 @@
           <a:ln/>
           <a:extLst>
             <a:ext uri="{91240B29-F687-4f45-9708-019B960494DF}">
-              <a14:hiddenLine xmlns:a14="http://schemas.microsoft.com/office/drawing/2010/main" xmlns="" w="9525">
+              <a14:hiddenLine xmlns="" xmlns:a14="http://schemas.microsoft.com/office/drawing/2010/main" w="9525">
                 <a:solidFill>
                   <a:srgbClr val="000000"/>
                 </a:solidFill>
@@ -3099,9 +3747,9 @@
           <a:lstStyle/>
           <a:p>
             <a:fld id="{ED62726E-379B-B349-9EED-81ED093FA806}" type="datetimeFigureOut">
-              <a:rPr lang="en-US" dirty="0"/>
+              <a:rPr lang="en-US" smtClean="0"/>
               <a:pPr/>
-              <a:t>2/20/2017</a:t>
+              <a:t>2/24/2017</a:t>
             </a:fld>
             <a:endParaRPr lang="en-US" dirty="0"/>
           </a:p>
@@ -3142,7 +3790,7 @@
           <a:lstStyle/>
           <a:p>
             <a:fld id="{D57F1E4F-1CFF-5643-939E-217C01CDF565}" type="slidenum">
-              <a:rPr lang="en-US" dirty="0"/>
+              <a:rPr lang="en-US" smtClean="0"/>
               <a:pPr/>
               <a:t>‹Nr.›</a:t>
             </a:fld>
@@ -3151,10 +3799,27 @@
         </p:txBody>
       </p:sp>
     </p:spTree>
+    <p:extLst>
+      <p:ext uri="{BB962C8B-B14F-4D97-AF65-F5344CB8AC3E}">
+        <p14:creationId xmlns:p14="http://schemas.microsoft.com/office/powerpoint/2010/main" val="908194295"/>
+      </p:ext>
+    </p:extLst>
   </p:cSld>
   <p:clrMapOvr>
     <a:masterClrMapping/>
   </p:clrMapOvr>
+  <mc:AlternateContent xmlns:mc="http://schemas.openxmlformats.org/markup-compatibility/2006" xmlns:p14="http://schemas.microsoft.com/office/powerpoint/2010/main">
+    <mc:Choice Requires="p14">
+      <p:transition p14:dur="250">
+        <p:fade/>
+      </p:transition>
+    </mc:Choice>
+    <mc:Fallback xmlns="">
+      <p:transition>
+        <p:fade/>
+      </p:transition>
+    </mc:Fallback>
+  </mc:AlternateContent>
 </p:sldLayout>
 </file>
 
@@ -3252,7 +3917,7 @@
           <a:ln/>
           <a:extLst>
             <a:ext uri="{91240B29-F687-4f45-9708-019B960494DF}">
-              <a14:hiddenLine xmlns:a14="http://schemas.microsoft.com/office/drawing/2010/main" xmlns="" w="9525">
+              <a14:hiddenLine xmlns="" xmlns:a14="http://schemas.microsoft.com/office/drawing/2010/main" w="9525">
                 <a:solidFill>
                   <a:srgbClr val="000000"/>
                 </a:solidFill>
@@ -3379,9 +4044,9 @@
           <a:lstStyle/>
           <a:p>
             <a:fld id="{9B3A1323-8D79-1946-B0D7-40001CF92E9D}" type="datetimeFigureOut">
-              <a:rPr lang="en-US" dirty="0"/>
+              <a:rPr lang="en-US" smtClean="0"/>
               <a:pPr/>
-              <a:t>2/20/2017</a:t>
+              <a:t>2/24/2017</a:t>
             </a:fld>
             <a:endParaRPr lang="en-US" dirty="0"/>
           </a:p>
@@ -3422,7 +4087,7 @@
           <a:lstStyle/>
           <a:p>
             <a:fld id="{D57F1E4F-1CFF-5643-939E-217C01CDF565}" type="slidenum">
-              <a:rPr lang="en-US" dirty="0"/>
+              <a:rPr lang="en-US" smtClean="0"/>
               <a:pPr/>
               <a:t>‹Nr.›</a:t>
             </a:fld>
@@ -3431,10 +4096,27 @@
         </p:txBody>
       </p:sp>
     </p:spTree>
+    <p:extLst>
+      <p:ext uri="{BB962C8B-B14F-4D97-AF65-F5344CB8AC3E}">
+        <p14:creationId xmlns:p14="http://schemas.microsoft.com/office/powerpoint/2010/main" val="1311684661"/>
+      </p:ext>
+    </p:extLst>
   </p:cSld>
   <p:clrMapOvr>
     <a:masterClrMapping/>
   </p:clrMapOvr>
+  <mc:AlternateContent xmlns:mc="http://schemas.openxmlformats.org/markup-compatibility/2006" xmlns:p14="http://schemas.microsoft.com/office/powerpoint/2010/main">
+    <mc:Choice Requires="p14">
+      <p:transition p14:dur="250">
+        <p:fade/>
+      </p:transition>
+    </mc:Choice>
+    <mc:Fallback xmlns="">
+      <p:transition>
+        <p:fade/>
+      </p:transition>
+    </mc:Fallback>
+  </mc:AlternateContent>
 </p:sldLayout>
 </file>
 
@@ -3719,9 +4401,9 @@
           <a:lstStyle/>
           <a:p>
             <a:fld id="{8DFA1846-DA80-1C48-A609-854EA85C59AD}" type="datetimeFigureOut">
-              <a:rPr lang="en-US" dirty="0"/>
+              <a:rPr lang="en-US" smtClean="0"/>
               <a:pPr/>
-              <a:t>2/20/2017</a:t>
+              <a:t>2/24/2017</a:t>
             </a:fld>
             <a:endParaRPr lang="en-US" dirty="0"/>
           </a:p>
@@ -3762,7 +4444,7 @@
           <a:lstStyle/>
           <a:p>
             <a:fld id="{D57F1E4F-1CFF-5643-939E-217C01CDF565}" type="slidenum">
-              <a:rPr lang="en-US" dirty="0"/>
+              <a:rPr lang="en-US" smtClean="0"/>
               <a:pPr/>
               <a:t>‹Nr.›</a:t>
             </a:fld>
@@ -3771,10 +4453,27 @@
         </p:txBody>
       </p:sp>
     </p:spTree>
+    <p:extLst>
+      <p:ext uri="{BB962C8B-B14F-4D97-AF65-F5344CB8AC3E}">
+        <p14:creationId xmlns:p14="http://schemas.microsoft.com/office/powerpoint/2010/main" val="3453259107"/>
+      </p:ext>
+    </p:extLst>
   </p:cSld>
   <p:clrMapOvr>
     <a:masterClrMapping/>
   </p:clrMapOvr>
+  <mc:AlternateContent xmlns:mc="http://schemas.openxmlformats.org/markup-compatibility/2006" xmlns:p14="http://schemas.microsoft.com/office/powerpoint/2010/main">
+    <mc:Choice Requires="p14">
+      <p:transition p14:dur="250">
+        <p:fade/>
+      </p:transition>
+    </mc:Choice>
+    <mc:Fallback xmlns="">
+      <p:transition>
+        <p:fade/>
+      </p:transition>
+    </mc:Fallback>
+  </mc:AlternateContent>
 </p:sldLayout>
 </file>
 
@@ -3872,7 +4571,7 @@
           <a:ln/>
           <a:extLst>
             <a:ext uri="{91240B29-F687-4f45-9708-019B960494DF}">
-              <a14:hiddenLine xmlns:a14="http://schemas.microsoft.com/office/drawing/2010/main" xmlns="" w="9525">
+              <a14:hiddenLine xmlns="" xmlns:a14="http://schemas.microsoft.com/office/drawing/2010/main" w="9525">
                 <a:solidFill>
                   <a:srgbClr val="000000"/>
                 </a:solidFill>
@@ -4055,9 +4754,9 @@
           <a:lstStyle/>
           <a:p>
             <a:fld id="{57302355-E14B-8545-A8F8-0FE83CC9D524}" type="datetimeFigureOut">
-              <a:rPr lang="en-US" dirty="0"/>
+              <a:rPr lang="en-US" smtClean="0"/>
               <a:pPr/>
-              <a:t>2/20/2017</a:t>
+              <a:t>2/24/2017</a:t>
             </a:fld>
             <a:endParaRPr lang="en-US" dirty="0"/>
           </a:p>
@@ -4098,7 +4797,7 @@
           <a:lstStyle/>
           <a:p>
             <a:fld id="{D57F1E4F-1CFF-5643-939E-217C01CDF565}" type="slidenum">
-              <a:rPr lang="en-US" dirty="0"/>
+              <a:rPr lang="en-US" smtClean="0"/>
               <a:pPr/>
               <a:t>‹Nr.›</a:t>
             </a:fld>
@@ -4107,10 +4806,27 @@
         </p:txBody>
       </p:sp>
     </p:spTree>
+    <p:extLst>
+      <p:ext uri="{BB962C8B-B14F-4D97-AF65-F5344CB8AC3E}">
+        <p14:creationId xmlns:p14="http://schemas.microsoft.com/office/powerpoint/2010/main" val="4086637634"/>
+      </p:ext>
+    </p:extLst>
   </p:cSld>
   <p:clrMapOvr>
     <a:masterClrMapping/>
   </p:clrMapOvr>
+  <mc:AlternateContent xmlns:mc="http://schemas.openxmlformats.org/markup-compatibility/2006" xmlns:p14="http://schemas.microsoft.com/office/powerpoint/2010/main">
+    <mc:Choice Requires="p14">
+      <p:transition p14:dur="250">
+        <p:fade/>
+      </p:transition>
+    </mc:Choice>
+    <mc:Fallback xmlns="">
+      <p:transition>
+        <p:fade/>
+      </p:transition>
+    </mc:Fallback>
+  </mc:AlternateContent>
 </p:sldLayout>
 </file>
 
@@ -4208,7 +4924,7 @@
           <a:ln/>
           <a:extLst>
             <a:ext uri="{91240B29-F687-4f45-9708-019B960494DF}">
-              <a14:hiddenLine xmlns:a14="http://schemas.microsoft.com/office/drawing/2010/main" xmlns="" w="9525">
+              <a14:hiddenLine xmlns="" xmlns:a14="http://schemas.microsoft.com/office/drawing/2010/main" w="9525">
                 <a:solidFill>
                   <a:srgbClr val="000000"/>
                 </a:solidFill>
@@ -4529,9 +5245,9 @@
           <a:lstStyle/>
           <a:p>
             <a:fld id="{02640F58-564D-2B4F-AE67-E407BA4FCF45}" type="datetimeFigureOut">
-              <a:rPr lang="en-US" dirty="0"/>
+              <a:rPr lang="en-US" smtClean="0"/>
               <a:pPr/>
-              <a:t>2/20/2017</a:t>
+              <a:t>2/24/2017</a:t>
             </a:fld>
             <a:endParaRPr lang="en-US" dirty="0"/>
           </a:p>
@@ -4572,7 +5288,7 @@
           <a:lstStyle/>
           <a:p>
             <a:fld id="{D57F1E4F-1CFF-5643-939E-217C01CDF565}" type="slidenum">
-              <a:rPr lang="en-US" dirty="0"/>
+              <a:rPr lang="en-US" smtClean="0"/>
               <a:pPr/>
               <a:t>‹Nr.›</a:t>
             </a:fld>
@@ -4581,10 +5297,27 @@
         </p:txBody>
       </p:sp>
     </p:spTree>
+    <p:extLst>
+      <p:ext uri="{BB962C8B-B14F-4D97-AF65-F5344CB8AC3E}">
+        <p14:creationId xmlns:p14="http://schemas.microsoft.com/office/powerpoint/2010/main" val="1768157306"/>
+      </p:ext>
+    </p:extLst>
   </p:cSld>
   <p:clrMapOvr>
     <a:masterClrMapping/>
   </p:clrMapOvr>
+  <mc:AlternateContent xmlns:mc="http://schemas.openxmlformats.org/markup-compatibility/2006" xmlns:p14="http://schemas.microsoft.com/office/powerpoint/2010/main">
+    <mc:Choice Requires="p14">
+      <p:transition p14:dur="250">
+        <p:fade/>
+      </p:transition>
+    </mc:Choice>
+    <mc:Fallback xmlns="">
+      <p:transition>
+        <p:fade/>
+      </p:transition>
+    </mc:Fallback>
+  </mc:AlternateContent>
 </p:sldLayout>
 </file>
 
@@ -4682,7 +5415,7 @@
           <a:ln/>
           <a:extLst>
             <a:ext uri="{91240B29-F687-4f45-9708-019B960494DF}">
-              <a14:hiddenLine xmlns:a14="http://schemas.microsoft.com/office/drawing/2010/main" xmlns="" w="9525">
+              <a14:hiddenLine xmlns="" xmlns:a14="http://schemas.microsoft.com/office/drawing/2010/main" w="9525">
                 <a:solidFill>
                   <a:srgbClr val="000000"/>
                 </a:solidFill>
@@ -4747,9 +5480,9 @@
           <a:lstStyle/>
           <a:p>
             <a:fld id="{F13A34C8-038E-2045-AF43-DF7DBB8E0E9E}" type="datetimeFigureOut">
-              <a:rPr lang="en-US" dirty="0"/>
+              <a:rPr lang="en-US" smtClean="0"/>
               <a:pPr/>
-              <a:t>2/20/2017</a:t>
+              <a:t>2/24/2017</a:t>
             </a:fld>
             <a:endParaRPr lang="en-US" dirty="0"/>
           </a:p>
@@ -4790,7 +5523,7 @@
           <a:lstStyle/>
           <a:p>
             <a:fld id="{D57F1E4F-1CFF-5643-939E-217C01CDF565}" type="slidenum">
-              <a:rPr lang="en-US" dirty="0"/>
+              <a:rPr lang="en-US" smtClean="0"/>
               <a:pPr/>
               <a:t>‹Nr.›</a:t>
             </a:fld>
@@ -4799,10 +5532,27 @@
         </p:txBody>
       </p:sp>
     </p:spTree>
+    <p:extLst>
+      <p:ext uri="{BB962C8B-B14F-4D97-AF65-F5344CB8AC3E}">
+        <p14:creationId xmlns:p14="http://schemas.microsoft.com/office/powerpoint/2010/main" val="3769285294"/>
+      </p:ext>
+    </p:extLst>
   </p:cSld>
   <p:clrMapOvr>
     <a:masterClrMapping/>
   </p:clrMapOvr>
+  <mc:AlternateContent xmlns:mc="http://schemas.openxmlformats.org/markup-compatibility/2006" xmlns:p14="http://schemas.microsoft.com/office/powerpoint/2010/main">
+    <mc:Choice Requires="p14">
+      <p:transition p14:dur="250">
+        <p:fade/>
+      </p:transition>
+    </mc:Choice>
+    <mc:Fallback xmlns="">
+      <p:transition>
+        <p:fade/>
+      </p:transition>
+    </mc:Fallback>
+  </mc:AlternateContent>
 </p:sldLayout>
 </file>
 
@@ -4839,9 +5589,9 @@
           <a:lstStyle/>
           <a:p>
             <a:fld id="{8818C68F-D26B-8F47-958C-23B49CF8A634}" type="datetimeFigureOut">
-              <a:rPr lang="en-US" dirty="0"/>
+              <a:rPr lang="en-US" smtClean="0"/>
               <a:pPr/>
-              <a:t>2/20/2017</a:t>
+              <a:t>2/24/2017</a:t>
             </a:fld>
             <a:endParaRPr lang="en-US" dirty="0"/>
           </a:p>
@@ -4882,7 +5632,7 @@
           <a:lstStyle/>
           <a:p>
             <a:fld id="{D57F1E4F-1CFF-5643-939E-217C01CDF565}" type="slidenum">
-              <a:rPr lang="en-US" dirty="0"/>
+              <a:rPr lang="en-US" smtClean="0"/>
               <a:pPr/>
               <a:t>‹Nr.›</a:t>
             </a:fld>
@@ -4891,10 +5641,27 @@
         </p:txBody>
       </p:sp>
     </p:spTree>
+    <p:extLst>
+      <p:ext uri="{BB962C8B-B14F-4D97-AF65-F5344CB8AC3E}">
+        <p14:creationId xmlns:p14="http://schemas.microsoft.com/office/powerpoint/2010/main" val="2264792278"/>
+      </p:ext>
+    </p:extLst>
   </p:cSld>
   <p:clrMapOvr>
     <a:masterClrMapping/>
   </p:clrMapOvr>
+  <mc:AlternateContent xmlns:mc="http://schemas.openxmlformats.org/markup-compatibility/2006" xmlns:p14="http://schemas.microsoft.com/office/powerpoint/2010/main">
+    <mc:Choice Requires="p14">
+      <p:transition p14:dur="250">
+        <p:fade/>
+      </p:transition>
+    </mc:Choice>
+    <mc:Fallback xmlns="">
+      <p:transition>
+        <p:fade/>
+      </p:transition>
+    </mc:Fallback>
+  </mc:AlternateContent>
 </p:sldLayout>
 </file>
 
@@ -5105,7 +5872,7 @@
           <a:ln/>
           <a:extLst>
             <a:ext uri="{91240B29-F687-4f45-9708-019B960494DF}">
-              <a14:hiddenLine xmlns:a14="http://schemas.microsoft.com/office/drawing/2010/main" xmlns="" w="9525">
+              <a14:hiddenLine xmlns="" xmlns:a14="http://schemas.microsoft.com/office/drawing/2010/main" w="9525">
                 <a:solidFill>
                   <a:srgbClr val="000000"/>
                 </a:solidFill>
@@ -5303,9 +6070,9 @@
           <a:lstStyle/>
           <a:p>
             <a:fld id="{D0DF5E60-9974-AC48-9591-99C2BB44B7CF}" type="datetimeFigureOut">
-              <a:rPr lang="en-US" dirty="0"/>
+              <a:rPr lang="en-US" smtClean="0"/>
               <a:pPr/>
-              <a:t>2/20/2017</a:t>
+              <a:t>2/24/2017</a:t>
             </a:fld>
             <a:endParaRPr lang="en-US" dirty="0"/>
           </a:p>
@@ -5346,7 +6113,7 @@
           <a:lstStyle/>
           <a:p>
             <a:fld id="{D57F1E4F-1CFF-5643-939E-217C01CDF565}" type="slidenum">
-              <a:rPr lang="en-US" dirty="0"/>
+              <a:rPr lang="en-US" smtClean="0"/>
               <a:pPr/>
               <a:t>‹Nr.›</a:t>
             </a:fld>
@@ -5355,10 +6122,27 @@
         </p:txBody>
       </p:sp>
     </p:spTree>
+    <p:extLst>
+      <p:ext uri="{BB962C8B-B14F-4D97-AF65-F5344CB8AC3E}">
+        <p14:creationId xmlns:p14="http://schemas.microsoft.com/office/powerpoint/2010/main" val="3619815628"/>
+      </p:ext>
+    </p:extLst>
   </p:cSld>
   <p:clrMapOvr>
     <a:masterClrMapping/>
   </p:clrMapOvr>
+  <mc:AlternateContent xmlns:mc="http://schemas.openxmlformats.org/markup-compatibility/2006" xmlns:p14="http://schemas.microsoft.com/office/powerpoint/2010/main">
+    <mc:Choice Requires="p14">
+      <p:transition p14:dur="250">
+        <p:fade/>
+      </p:transition>
+    </mc:Choice>
+    <mc:Fallback xmlns="">
+      <p:transition>
+        <p:fade/>
+      </p:transition>
+    </mc:Fallback>
+  </mc:AlternateContent>
 </p:sldLayout>
 </file>
 
@@ -5613,9 +6397,9 @@
           <a:lstStyle/>
           <a:p>
             <a:fld id="{18C79C5D-2A6F-F04D-97DA-BEF2467B64E4}" type="datetimeFigureOut">
-              <a:rPr lang="en-US" dirty="0"/>
+              <a:rPr lang="en-US" smtClean="0"/>
               <a:pPr/>
-              <a:t>2/20/2017</a:t>
+              <a:t>2/24/2017</a:t>
             </a:fld>
             <a:endParaRPr lang="en-US" dirty="0"/>
           </a:p>
@@ -5666,7 +6450,7 @@
           <a:lstStyle/>
           <a:p>
             <a:fld id="{D57F1E4F-1CFF-5643-939E-217C01CDF565}" type="slidenum">
-              <a:rPr lang="en-US" dirty="0"/>
+              <a:rPr lang="en-US" smtClean="0"/>
               <a:pPr/>
               <a:t>‹Nr.›</a:t>
             </a:fld>
@@ -5675,10 +6459,27 @@
         </p:txBody>
       </p:sp>
     </p:spTree>
+    <p:extLst>
+      <p:ext uri="{BB962C8B-B14F-4D97-AF65-F5344CB8AC3E}">
+        <p14:creationId xmlns:p14="http://schemas.microsoft.com/office/powerpoint/2010/main" val="1066004883"/>
+      </p:ext>
+    </p:extLst>
   </p:cSld>
   <p:clrMapOvr>
     <a:masterClrMapping/>
   </p:clrMapOvr>
+  <mc:AlternateContent xmlns:mc="http://schemas.openxmlformats.org/markup-compatibility/2006" xmlns:p14="http://schemas.microsoft.com/office/powerpoint/2010/main">
+    <mc:Choice Requires="p14">
+      <p:transition p14:dur="250">
+        <p:fade/>
+      </p:transition>
+    </mc:Choice>
+    <mc:Fallback xmlns="">
+      <p:transition>
+        <p:fade/>
+      </p:transition>
+    </mc:Fallback>
+  </mc:AlternateContent>
 </p:sldLayout>
 </file>
 
@@ -5880,9 +6681,9 @@
           </a:lstStyle>
           <a:p>
             <a:fld id="{09B482E8-6E0E-1B4F-B1FD-C69DB9E858D9}" type="datetimeFigureOut">
-              <a:rPr lang="en-US" dirty="0"/>
+              <a:rPr lang="en-US" smtClean="0"/>
               <a:pPr/>
-              <a:t>2/20/2017</a:t>
+              <a:t>2/24/2017</a:t>
             </a:fld>
             <a:endParaRPr lang="en-US" dirty="0"/>
           </a:p>
@@ -5920,7 +6721,7 @@
           </a:lstStyle>
           <a:p>
             <a:fld id="{D57F1E4F-1CFF-5643-939E-217C01CDF565}" type="slidenum">
-              <a:rPr lang="en-US" dirty="0"/>
+              <a:rPr lang="en-US" smtClean="0"/>
               <a:pPr/>
               <a:t>‹Nr.›</a:t>
             </a:fld>
@@ -5929,24 +6730,41 @@
         </p:txBody>
       </p:sp>
     </p:spTree>
+    <p:extLst>
+      <p:ext uri="{BB962C8B-B14F-4D97-AF65-F5344CB8AC3E}">
+        <p14:creationId xmlns:p14="http://schemas.microsoft.com/office/powerpoint/2010/main" val="2405612297"/>
+      </p:ext>
+    </p:extLst>
   </p:cSld>
   <p:clrMap bg1="dk1" tx1="lt1" bg2="dk2" tx2="lt2" accent1="accent1" accent2="accent2" accent3="accent3" accent4="accent4" accent5="accent5" accent6="accent6" hlink="hlink" folHlink="folHlink"/>
   <p:sldLayoutIdLst>
-    <p:sldLayoutId id="2147483649" r:id="rId1"/>
-    <p:sldLayoutId id="2147483650" r:id="rId2"/>
-    <p:sldLayoutId id="2147483651" r:id="rId3"/>
-    <p:sldLayoutId id="2147483652" r:id="rId4"/>
-    <p:sldLayoutId id="2147483653" r:id="rId5"/>
-    <p:sldLayoutId id="2147483654" r:id="rId6"/>
-    <p:sldLayoutId id="2147483655" r:id="rId7"/>
-    <p:sldLayoutId id="2147483656" r:id="rId8"/>
-    <p:sldLayoutId id="2147483663" r:id="rId9"/>
-    <p:sldLayoutId id="2147483657" r:id="rId10"/>
-    <p:sldLayoutId id="2147483666" r:id="rId11"/>
-    <p:sldLayoutId id="2147483661" r:id="rId12"/>
-    <p:sldLayoutId id="2147483658" r:id="rId13"/>
-    <p:sldLayoutId id="2147483659" r:id="rId14"/>
+    <p:sldLayoutId id="2147483668" r:id="rId1"/>
+    <p:sldLayoutId id="2147483669" r:id="rId2"/>
+    <p:sldLayoutId id="2147483670" r:id="rId3"/>
+    <p:sldLayoutId id="2147483671" r:id="rId4"/>
+    <p:sldLayoutId id="2147483672" r:id="rId5"/>
+    <p:sldLayoutId id="2147483673" r:id="rId6"/>
+    <p:sldLayoutId id="2147483674" r:id="rId7"/>
+    <p:sldLayoutId id="2147483675" r:id="rId8"/>
+    <p:sldLayoutId id="2147483676" r:id="rId9"/>
+    <p:sldLayoutId id="2147483677" r:id="rId10"/>
+    <p:sldLayoutId id="2147483678" r:id="rId11"/>
+    <p:sldLayoutId id="2147483679" r:id="rId12"/>
+    <p:sldLayoutId id="2147483680" r:id="rId13"/>
+    <p:sldLayoutId id="2147483681" r:id="rId14"/>
   </p:sldLayoutIdLst>
+  <mc:AlternateContent xmlns:mc="http://schemas.openxmlformats.org/markup-compatibility/2006" xmlns:p14="http://schemas.microsoft.com/office/powerpoint/2010/main">
+    <mc:Choice Requires="p14">
+      <p:transition p14:dur="250">
+        <p:fade/>
+      </p:transition>
+    </mc:Choice>
+    <mc:Fallback xmlns="">
+      <p:transition>
+        <p:fade/>
+      </p:transition>
+    </mc:Fallback>
+  </mc:AlternateContent>
   <p:hf sldNum="0" hdr="0" ftr="0" dt="0"/>
   <p:txStyles>
     <p:titleStyle>
@@ -6412,6 +7230,4409 @@
   <p:clrMapOvr>
     <a:masterClrMapping/>
   </p:clrMapOvr>
+  <mc:AlternateContent xmlns:mc="http://schemas.openxmlformats.org/markup-compatibility/2006" xmlns:p14="http://schemas.microsoft.com/office/powerpoint/2010/main">
+    <mc:Choice Requires="p14">
+      <p:transition p14:dur="250">
+        <p:fade/>
+      </p:transition>
+    </mc:Choice>
+    <mc:Fallback xmlns="">
+      <p:transition>
+        <p:fade/>
+      </p:transition>
+    </mc:Fallback>
+  </mc:AlternateContent>
+</p:sld>
+</file>
+
+<file path=ppt/slides/slide10.xml><?xml version="1.0" encoding="utf-8"?>
+<p:sld xmlns:a="http://schemas.openxmlformats.org/drawingml/2006/main" xmlns:r="http://schemas.openxmlformats.org/officeDocument/2006/relationships" xmlns:p="http://schemas.openxmlformats.org/presentationml/2006/main">
+  <p:cSld>
+    <p:bg>
+      <p:bgPr>
+        <a:solidFill>
+          <a:schemeClr val="tx1"/>
+        </a:solidFill>
+        <a:effectLst/>
+      </p:bgPr>
+    </p:bg>
+    <p:spTree>
+      <p:nvGrpSpPr>
+        <p:cNvPr id="1" name=""/>
+        <p:cNvGrpSpPr/>
+        <p:nvPr/>
+      </p:nvGrpSpPr>
+      <p:grpSpPr>
+        <a:xfrm>
+          <a:off x="0" y="0"/>
+          <a:ext cx="0" cy="0"/>
+          <a:chOff x="0" y="0"/>
+          <a:chExt cx="0" cy="0"/>
+        </a:xfrm>
+      </p:grpSpPr>
+      <p:sp>
+        <p:nvSpPr>
+          <p:cNvPr id="5" name="Titel 4"/>
+          <p:cNvSpPr>
+            <a:spLocks noGrp="1"/>
+          </p:cNvSpPr>
+          <p:nvPr>
+            <p:ph type="title"/>
+          </p:nvPr>
+        </p:nvSpPr>
+        <p:spPr/>
+        <p:txBody>
+          <a:bodyPr/>
+          <a:lstStyle/>
+          <a:p>
+            <a:r>
+              <a:rPr lang="fr-FR" dirty="0"/>
+              <a:t>Beckhoff - aperçu </a:t>
+            </a:r>
+          </a:p>
+        </p:txBody>
+      </p:sp>
+      <p:pic>
+        <p:nvPicPr>
+          <p:cNvPr id="16" name="Grafik 15"/>
+          <p:cNvPicPr>
+            <a:picLocks noChangeAspect="1"/>
+          </p:cNvPicPr>
+          <p:nvPr/>
+        </p:nvPicPr>
+        <p:blipFill>
+          <a:blip r:embed="rId3"/>
+          <a:stretch>
+            <a:fillRect/>
+          </a:stretch>
+        </p:blipFill>
+        <p:spPr>
+          <a:xfrm>
+            <a:off x="315171" y="2259492"/>
+            <a:ext cx="11326158" cy="4293708"/>
+          </a:xfrm>
+          <a:prstGeom prst="rect">
+            <a:avLst/>
+          </a:prstGeom>
+        </p:spPr>
+      </p:pic>
+    </p:spTree>
+    <p:extLst>
+      <p:ext uri="{BB962C8B-B14F-4D97-AF65-F5344CB8AC3E}">
+        <p14:creationId xmlns:p14="http://schemas.microsoft.com/office/powerpoint/2010/main" val="2373718228"/>
+      </p:ext>
+    </p:extLst>
+  </p:cSld>
+  <p:clrMapOvr>
+    <a:masterClrMapping/>
+  </p:clrMapOvr>
+  <mc:AlternateContent xmlns:mc="http://schemas.openxmlformats.org/markup-compatibility/2006" xmlns:p14="http://schemas.microsoft.com/office/powerpoint/2010/main">
+    <mc:Choice Requires="p14">
+      <p:transition p14:dur="250">
+        <p:fade/>
+      </p:transition>
+    </mc:Choice>
+    <mc:Fallback xmlns="">
+      <p:transition>
+        <p:fade/>
+      </p:transition>
+    </mc:Fallback>
+  </mc:AlternateContent>
+</p:sld>
+</file>
+
+<file path=ppt/slides/slide11.xml><?xml version="1.0" encoding="utf-8"?>
+<p:sld xmlns:a="http://schemas.openxmlformats.org/drawingml/2006/main" xmlns:r="http://schemas.openxmlformats.org/officeDocument/2006/relationships" xmlns:p="http://schemas.openxmlformats.org/presentationml/2006/main">
+  <p:cSld>
+    <p:spTree>
+      <p:nvGrpSpPr>
+        <p:cNvPr id="1" name=""/>
+        <p:cNvGrpSpPr/>
+        <p:nvPr/>
+      </p:nvGrpSpPr>
+      <p:grpSpPr>
+        <a:xfrm>
+          <a:off x="0" y="0"/>
+          <a:ext cx="0" cy="0"/>
+          <a:chOff x="0" y="0"/>
+          <a:chExt cx="0" cy="0"/>
+        </a:xfrm>
+      </p:grpSpPr>
+      <p:sp>
+        <p:nvSpPr>
+          <p:cNvPr id="5" name="Rechteck 4"/>
+          <p:cNvSpPr/>
+          <p:nvPr/>
+        </p:nvSpPr>
+        <p:spPr>
+          <a:xfrm>
+            <a:off x="6111240" y="0"/>
+            <a:ext cx="6080760" cy="6858000"/>
+          </a:xfrm>
+          <a:prstGeom prst="rect">
+            <a:avLst/>
+          </a:prstGeom>
+          <a:solidFill>
+            <a:schemeClr val="tx1"/>
+          </a:solidFill>
+          <a:ln>
+            <a:solidFill>
+              <a:schemeClr val="tx1"/>
+            </a:solidFill>
+          </a:ln>
+        </p:spPr>
+        <p:style>
+          <a:lnRef idx="2">
+            <a:schemeClr val="accent1">
+              <a:shade val="50000"/>
+            </a:schemeClr>
+          </a:lnRef>
+          <a:fillRef idx="1">
+            <a:schemeClr val="accent1"/>
+          </a:fillRef>
+          <a:effectRef idx="0">
+            <a:schemeClr val="accent1"/>
+          </a:effectRef>
+          <a:fontRef idx="minor">
+            <a:schemeClr val="lt1"/>
+          </a:fontRef>
+        </p:style>
+        <p:txBody>
+          <a:bodyPr rtlCol="0" anchor="ctr"/>
+          <a:lstStyle/>
+          <a:p>
+            <a:pPr algn="ctr"/>
+            <a:endParaRPr lang="fr-FR"/>
+          </a:p>
+        </p:txBody>
+      </p:sp>
+      <p:sp>
+        <p:nvSpPr>
+          <p:cNvPr id="2" name="Titel 1"/>
+          <p:cNvSpPr>
+            <a:spLocks noGrp="1"/>
+          </p:cNvSpPr>
+          <p:nvPr>
+            <p:ph type="title"/>
+          </p:nvPr>
+        </p:nvSpPr>
+        <p:spPr/>
+        <p:txBody>
+          <a:bodyPr/>
+          <a:lstStyle/>
+          <a:p>
+            <a:r>
+              <a:rPr lang="fr-FR"/>
+              <a:t>Beckhoff - fbMotor</a:t>
+            </a:r>
+            <a:endParaRPr lang="fr-FR" dirty="0"/>
+          </a:p>
+        </p:txBody>
+      </p:sp>
+      <p:sp>
+        <p:nvSpPr>
+          <p:cNvPr id="3" name="Inhaltsplatzhalter 2"/>
+          <p:cNvSpPr>
+            <a:spLocks noGrp="1"/>
+          </p:cNvSpPr>
+          <p:nvPr>
+            <p:ph idx="1"/>
+          </p:nvPr>
+        </p:nvSpPr>
+        <p:spPr>
+          <a:xfrm>
+            <a:off x="193872" y="2039407"/>
+            <a:ext cx="10554574" cy="3636511"/>
+          </a:xfrm>
+        </p:spPr>
+        <p:txBody>
+          <a:bodyPr/>
+          <a:lstStyle/>
+          <a:p>
+            <a:r>
+              <a:rPr lang="fr-FR" dirty="0"/>
+              <a:t>Moteur régule avec un PID</a:t>
+            </a:r>
+          </a:p>
+          <a:p>
+            <a:r>
+              <a:rPr lang="fr-FR" dirty="0"/>
+              <a:t>Choisir le sens de rotation</a:t>
+            </a:r>
+          </a:p>
+          <a:p>
+            <a:r>
+              <a:rPr lang="fr-FR" dirty="0"/>
+              <a:t>Interface erreur</a:t>
+            </a:r>
+          </a:p>
+        </p:txBody>
+      </p:sp>
+      <p:pic>
+        <p:nvPicPr>
+          <p:cNvPr id="8" name="Grafik 7"/>
+          <p:cNvPicPr>
+            <a:picLocks noChangeAspect="1"/>
+          </p:cNvPicPr>
+          <p:nvPr/>
+        </p:nvPicPr>
+        <p:blipFill>
+          <a:blip r:embed="rId2"/>
+          <a:stretch>
+            <a:fillRect/>
+          </a:stretch>
+        </p:blipFill>
+        <p:spPr>
+          <a:xfrm>
+            <a:off x="6251765" y="151710"/>
+            <a:ext cx="5940233" cy="6393871"/>
+          </a:xfrm>
+          <a:prstGeom prst="rect">
+            <a:avLst/>
+          </a:prstGeom>
+        </p:spPr>
+      </p:pic>
+      <p:pic>
+        <p:nvPicPr>
+          <p:cNvPr id="7" name="Grafik 6"/>
+          <p:cNvPicPr>
+            <a:picLocks noChangeAspect="1"/>
+          </p:cNvPicPr>
+          <p:nvPr/>
+        </p:nvPicPr>
+        <p:blipFill>
+          <a:blip r:embed="rId3"/>
+          <a:stretch>
+            <a:fillRect/>
+          </a:stretch>
+        </p:blipFill>
+        <p:spPr>
+          <a:xfrm>
+            <a:off x="0" y="6416040"/>
+            <a:ext cx="12191999" cy="441960"/>
+          </a:xfrm>
+          <a:prstGeom prst="rect">
+            <a:avLst/>
+          </a:prstGeom>
+        </p:spPr>
+      </p:pic>
+    </p:spTree>
+    <p:extLst>
+      <p:ext uri="{BB962C8B-B14F-4D97-AF65-F5344CB8AC3E}">
+        <p14:creationId xmlns:p14="http://schemas.microsoft.com/office/powerpoint/2010/main" val="1926589792"/>
+      </p:ext>
+    </p:extLst>
+  </p:cSld>
+  <p:clrMapOvr>
+    <a:masterClrMapping/>
+  </p:clrMapOvr>
+  <mc:AlternateContent xmlns:mc="http://schemas.openxmlformats.org/markup-compatibility/2006" xmlns:p14="http://schemas.microsoft.com/office/powerpoint/2010/main">
+    <mc:Choice Requires="p14">
+      <p:transition p14:dur="250">
+        <p:fade/>
+      </p:transition>
+    </mc:Choice>
+    <mc:Fallback xmlns="">
+      <p:transition>
+        <p:fade/>
+      </p:transition>
+    </mc:Fallback>
+  </mc:AlternateContent>
+  <p:timing>
+    <p:tnLst>
+      <p:par>
+        <p:cTn id="1" dur="indefinite" restart="never" nodeType="tmRoot">
+          <p:childTnLst>
+            <p:seq concurrent="1" nextAc="seek">
+              <p:cTn id="2" dur="indefinite" nodeType="mainSeq">
+                <p:childTnLst>
+                  <p:par>
+                    <p:cTn id="3" fill="hold">
+                      <p:stCondLst>
+                        <p:cond delay="indefinite"/>
+                      </p:stCondLst>
+                      <p:childTnLst>
+                        <p:par>
+                          <p:cTn id="4" fill="hold">
+                            <p:stCondLst>
+                              <p:cond delay="0"/>
+                            </p:stCondLst>
+                            <p:childTnLst>
+                              <p:par>
+                                <p:cTn id="5" presetID="10" presetClass="entr" presetSubtype="0" fill="hold" nodeType="clickEffect">
+                                  <p:stCondLst>
+                                    <p:cond delay="0"/>
+                                  </p:stCondLst>
+                                  <p:childTnLst>
+                                    <p:set>
+                                      <p:cBhvr>
+                                        <p:cTn id="6" dur="1" fill="hold">
+                                          <p:stCondLst>
+                                            <p:cond delay="0"/>
+                                          </p:stCondLst>
+                                        </p:cTn>
+                                        <p:tgtEl>
+                                          <p:spTgt spid="7"/>
+                                        </p:tgtEl>
+                                        <p:attrNameLst>
+                                          <p:attrName>style.visibility</p:attrName>
+                                        </p:attrNameLst>
+                                      </p:cBhvr>
+                                      <p:to>
+                                        <p:strVal val="visible"/>
+                                      </p:to>
+                                    </p:set>
+                                    <p:animEffect transition="in" filter="fade">
+                                      <p:cBhvr>
+                                        <p:cTn id="7" dur="250"/>
+                                        <p:tgtEl>
+                                          <p:spTgt spid="7"/>
+                                        </p:tgtEl>
+                                      </p:cBhvr>
+                                    </p:animEffect>
+                                  </p:childTnLst>
+                                </p:cTn>
+                              </p:par>
+                            </p:childTnLst>
+                          </p:cTn>
+                        </p:par>
+                      </p:childTnLst>
+                    </p:cTn>
+                  </p:par>
+                </p:childTnLst>
+              </p:cTn>
+              <p:prevCondLst>
+                <p:cond evt="onPrev" delay="0">
+                  <p:tgtEl>
+                    <p:sldTgt/>
+                  </p:tgtEl>
+                </p:cond>
+              </p:prevCondLst>
+              <p:nextCondLst>
+                <p:cond evt="onNext" delay="0">
+                  <p:tgtEl>
+                    <p:sldTgt/>
+                  </p:tgtEl>
+                </p:cond>
+              </p:nextCondLst>
+            </p:seq>
+          </p:childTnLst>
+        </p:cTn>
+      </p:par>
+    </p:tnLst>
+  </p:timing>
+</p:sld>
+</file>
+
+<file path=ppt/slides/slide12.xml><?xml version="1.0" encoding="utf-8"?>
+<p:sld xmlns:a="http://schemas.openxmlformats.org/drawingml/2006/main" xmlns:r="http://schemas.openxmlformats.org/officeDocument/2006/relationships" xmlns:p="http://schemas.openxmlformats.org/presentationml/2006/main">
+  <p:cSld>
+    <p:spTree>
+      <p:nvGrpSpPr>
+        <p:cNvPr id="1" name=""/>
+        <p:cNvGrpSpPr/>
+        <p:nvPr/>
+      </p:nvGrpSpPr>
+      <p:grpSpPr>
+        <a:xfrm>
+          <a:off x="0" y="0"/>
+          <a:ext cx="0" cy="0"/>
+          <a:chOff x="0" y="0"/>
+          <a:chExt cx="0" cy="0"/>
+        </a:xfrm>
+      </p:grpSpPr>
+      <p:sp>
+        <p:nvSpPr>
+          <p:cNvPr id="5" name="Rechteck 4"/>
+          <p:cNvSpPr/>
+          <p:nvPr/>
+        </p:nvSpPr>
+        <p:spPr>
+          <a:xfrm>
+            <a:off x="5638800" y="0"/>
+            <a:ext cx="6553200" cy="6858000"/>
+          </a:xfrm>
+          <a:prstGeom prst="rect">
+            <a:avLst/>
+          </a:prstGeom>
+          <a:solidFill>
+            <a:schemeClr val="tx1"/>
+          </a:solidFill>
+          <a:ln>
+            <a:solidFill>
+              <a:schemeClr val="tx1"/>
+            </a:solidFill>
+          </a:ln>
+        </p:spPr>
+        <p:style>
+          <a:lnRef idx="2">
+            <a:schemeClr val="accent1">
+              <a:shade val="50000"/>
+            </a:schemeClr>
+          </a:lnRef>
+          <a:fillRef idx="1">
+            <a:schemeClr val="accent1"/>
+          </a:fillRef>
+          <a:effectRef idx="0">
+            <a:schemeClr val="accent1"/>
+          </a:effectRef>
+          <a:fontRef idx="minor">
+            <a:schemeClr val="lt1"/>
+          </a:fontRef>
+        </p:style>
+        <p:txBody>
+          <a:bodyPr rtlCol="0" anchor="ctr"/>
+          <a:lstStyle/>
+          <a:p>
+            <a:pPr algn="ctr"/>
+            <a:endParaRPr lang="fr-FR"/>
+          </a:p>
+        </p:txBody>
+      </p:sp>
+      <p:sp>
+        <p:nvSpPr>
+          <p:cNvPr id="2" name="Titel 1"/>
+          <p:cNvSpPr>
+            <a:spLocks noGrp="1"/>
+          </p:cNvSpPr>
+          <p:nvPr>
+            <p:ph type="title"/>
+          </p:nvPr>
+        </p:nvSpPr>
+        <p:spPr/>
+        <p:txBody>
+          <a:bodyPr/>
+          <a:lstStyle/>
+          <a:p>
+            <a:r>
+              <a:rPr lang="fr-FR" dirty="0"/>
+              <a:t>Beckhoff - </a:t>
+            </a:r>
+            <a:r>
+              <a:rPr lang="fr-FR" dirty="0" err="1"/>
+              <a:t>fbTCP</a:t>
+            </a:r>
+            <a:endParaRPr lang="fr-FR" dirty="0"/>
+          </a:p>
+        </p:txBody>
+      </p:sp>
+      <p:sp>
+        <p:nvSpPr>
+          <p:cNvPr id="3" name="Inhaltsplatzhalter 2"/>
+          <p:cNvSpPr>
+            <a:spLocks noGrp="1"/>
+          </p:cNvSpPr>
+          <p:nvPr>
+            <p:ph idx="1"/>
+          </p:nvPr>
+        </p:nvSpPr>
+        <p:spPr>
+          <a:xfrm>
+            <a:off x="193872" y="2039407"/>
+            <a:ext cx="10554574" cy="3636511"/>
+          </a:xfrm>
+        </p:spPr>
+        <p:txBody>
+          <a:bodyPr/>
+          <a:lstStyle/>
+          <a:p>
+            <a:r>
+              <a:rPr lang="fr-FR" dirty="0"/>
+              <a:t>Composé de quatre parties </a:t>
+            </a:r>
+          </a:p>
+          <a:p>
+            <a:pPr lvl="1"/>
+            <a:r>
+              <a:rPr lang="fr-FR" dirty="0" err="1"/>
+              <a:t>mConnect</a:t>
+            </a:r>
+            <a:r>
+              <a:rPr lang="fr-FR" dirty="0"/>
+              <a:t> </a:t>
+            </a:r>
+          </a:p>
+          <a:p>
+            <a:pPr lvl="1"/>
+            <a:r>
+              <a:rPr lang="fr-FR" dirty="0" err="1"/>
+              <a:t>mSend</a:t>
+            </a:r>
+            <a:endParaRPr lang="fr-FR" dirty="0"/>
+          </a:p>
+          <a:p>
+            <a:pPr lvl="1"/>
+            <a:r>
+              <a:rPr lang="fr-FR" dirty="0" err="1"/>
+              <a:t>mReceive</a:t>
+            </a:r>
+            <a:endParaRPr lang="fr-FR" dirty="0"/>
+          </a:p>
+          <a:p>
+            <a:pPr lvl="1"/>
+            <a:r>
+              <a:rPr lang="fr-FR" dirty="0" err="1"/>
+              <a:t>mCognex</a:t>
+            </a:r>
+            <a:endParaRPr lang="fr-FR" dirty="0"/>
+          </a:p>
+          <a:p>
+            <a:r>
+              <a:rPr lang="fr-FR" dirty="0" err="1"/>
+              <a:t>Cognex</a:t>
+            </a:r>
+            <a:r>
+              <a:rPr lang="fr-FR" dirty="0"/>
+              <a:t> Native mode pré-implémenté</a:t>
+            </a:r>
+          </a:p>
+          <a:p>
+            <a:r>
+              <a:rPr lang="fr-FR" dirty="0"/>
+              <a:t>Interface erreur</a:t>
+            </a:r>
+          </a:p>
+        </p:txBody>
+      </p:sp>
+      <p:pic>
+        <p:nvPicPr>
+          <p:cNvPr id="8" name="Grafik 7"/>
+          <p:cNvPicPr>
+            <a:picLocks noChangeAspect="1"/>
+          </p:cNvPicPr>
+          <p:nvPr/>
+        </p:nvPicPr>
+        <p:blipFill>
+          <a:blip r:embed="rId2"/>
+          <a:stretch>
+            <a:fillRect/>
+          </a:stretch>
+        </p:blipFill>
+        <p:spPr>
+          <a:xfrm>
+            <a:off x="5807164" y="1581971"/>
+            <a:ext cx="6171476" cy="4132525"/>
+          </a:xfrm>
+          <a:prstGeom prst="rect">
+            <a:avLst/>
+          </a:prstGeom>
+        </p:spPr>
+      </p:pic>
+      <p:pic>
+        <p:nvPicPr>
+          <p:cNvPr id="9" name="Grafik 8"/>
+          <p:cNvPicPr>
+            <a:picLocks noChangeAspect="1"/>
+          </p:cNvPicPr>
+          <p:nvPr/>
+        </p:nvPicPr>
+        <p:blipFill>
+          <a:blip r:embed="rId3"/>
+          <a:stretch>
+            <a:fillRect/>
+          </a:stretch>
+        </p:blipFill>
+        <p:spPr>
+          <a:xfrm>
+            <a:off x="8000924" y="334599"/>
+            <a:ext cx="2456237" cy="6093095"/>
+          </a:xfrm>
+          <a:prstGeom prst="rect">
+            <a:avLst/>
+          </a:prstGeom>
+        </p:spPr>
+      </p:pic>
+      <p:pic>
+        <p:nvPicPr>
+          <p:cNvPr id="11" name="Grafik 10"/>
+          <p:cNvPicPr>
+            <a:picLocks noChangeAspect="1"/>
+          </p:cNvPicPr>
+          <p:nvPr/>
+        </p:nvPicPr>
+        <p:blipFill>
+          <a:blip r:embed="rId4"/>
+          <a:stretch>
+            <a:fillRect/>
+          </a:stretch>
+        </p:blipFill>
+        <p:spPr>
+          <a:xfrm>
+            <a:off x="7939228" y="358004"/>
+            <a:ext cx="2876268" cy="4967145"/>
+          </a:xfrm>
+          <a:prstGeom prst="rect">
+            <a:avLst/>
+          </a:prstGeom>
+        </p:spPr>
+      </p:pic>
+      <p:pic>
+        <p:nvPicPr>
+          <p:cNvPr id="12" name="Grafik 11"/>
+          <p:cNvPicPr>
+            <a:picLocks noChangeAspect="1"/>
+          </p:cNvPicPr>
+          <p:nvPr/>
+        </p:nvPicPr>
+        <p:blipFill>
+          <a:blip r:embed="rId5"/>
+          <a:stretch>
+            <a:fillRect/>
+          </a:stretch>
+        </p:blipFill>
+        <p:spPr>
+          <a:xfrm>
+            <a:off x="0" y="6056238"/>
+            <a:ext cx="12192000" cy="821051"/>
+          </a:xfrm>
+          <a:prstGeom prst="rect">
+            <a:avLst/>
+          </a:prstGeom>
+        </p:spPr>
+      </p:pic>
+      <p:pic>
+        <p:nvPicPr>
+          <p:cNvPr id="4" name="Grafik 3"/>
+          <p:cNvPicPr>
+            <a:picLocks noChangeAspect="1"/>
+          </p:cNvPicPr>
+          <p:nvPr/>
+        </p:nvPicPr>
+        <p:blipFill>
+          <a:blip r:embed="rId6"/>
+          <a:stretch>
+            <a:fillRect/>
+          </a:stretch>
+        </p:blipFill>
+        <p:spPr>
+          <a:xfrm>
+            <a:off x="7793456" y="1366857"/>
+            <a:ext cx="2871172" cy="4028577"/>
+          </a:xfrm>
+          <a:prstGeom prst="rect">
+            <a:avLst/>
+          </a:prstGeom>
+        </p:spPr>
+      </p:pic>
+    </p:spTree>
+    <p:extLst>
+      <p:ext uri="{BB962C8B-B14F-4D97-AF65-F5344CB8AC3E}">
+        <p14:creationId xmlns:p14="http://schemas.microsoft.com/office/powerpoint/2010/main" val="3278064169"/>
+      </p:ext>
+    </p:extLst>
+  </p:cSld>
+  <p:clrMapOvr>
+    <a:masterClrMapping/>
+  </p:clrMapOvr>
+  <mc:AlternateContent xmlns:mc="http://schemas.openxmlformats.org/markup-compatibility/2006" xmlns:p14="http://schemas.microsoft.com/office/powerpoint/2010/main">
+    <mc:Choice Requires="p14">
+      <p:transition p14:dur="250">
+        <p:fade/>
+      </p:transition>
+    </mc:Choice>
+    <mc:Fallback xmlns="">
+      <p:transition>
+        <p:fade/>
+      </p:transition>
+    </mc:Fallback>
+  </mc:AlternateContent>
+  <p:timing>
+    <p:tnLst>
+      <p:par>
+        <p:cTn id="1" dur="indefinite" restart="never" nodeType="tmRoot">
+          <p:childTnLst>
+            <p:seq concurrent="1" nextAc="seek">
+              <p:cTn id="2" dur="indefinite" nodeType="mainSeq">
+                <p:childTnLst>
+                  <p:par>
+                    <p:cTn id="3" fill="hold">
+                      <p:stCondLst>
+                        <p:cond delay="indefinite"/>
+                      </p:stCondLst>
+                      <p:childTnLst>
+                        <p:par>
+                          <p:cTn id="4" fill="hold">
+                            <p:stCondLst>
+                              <p:cond delay="0"/>
+                            </p:stCondLst>
+                            <p:childTnLst>
+                              <p:par>
+                                <p:cTn id="5" presetID="10" presetClass="exit" presetSubtype="0" fill="hold" nodeType="clickEffect">
+                                  <p:stCondLst>
+                                    <p:cond delay="0"/>
+                                  </p:stCondLst>
+                                  <p:childTnLst>
+                                    <p:animEffect transition="out" filter="fade">
+                                      <p:cBhvr>
+                                        <p:cTn id="6" dur="250"/>
+                                        <p:tgtEl>
+                                          <p:spTgt spid="8"/>
+                                        </p:tgtEl>
+                                      </p:cBhvr>
+                                    </p:animEffect>
+                                    <p:set>
+                                      <p:cBhvr>
+                                        <p:cTn id="7" dur="1" fill="hold">
+                                          <p:stCondLst>
+                                            <p:cond delay="249"/>
+                                          </p:stCondLst>
+                                        </p:cTn>
+                                        <p:tgtEl>
+                                          <p:spTgt spid="8"/>
+                                        </p:tgtEl>
+                                        <p:attrNameLst>
+                                          <p:attrName>style.visibility</p:attrName>
+                                        </p:attrNameLst>
+                                      </p:cBhvr>
+                                      <p:to>
+                                        <p:strVal val="hidden"/>
+                                      </p:to>
+                                    </p:set>
+                                  </p:childTnLst>
+                                </p:cTn>
+                              </p:par>
+                              <p:par>
+                                <p:cTn id="8" presetID="10" presetClass="entr" presetSubtype="0" fill="hold" nodeType="withEffect">
+                                  <p:stCondLst>
+                                    <p:cond delay="0"/>
+                                  </p:stCondLst>
+                                  <p:childTnLst>
+                                    <p:set>
+                                      <p:cBhvr>
+                                        <p:cTn id="9" dur="1" fill="hold">
+                                          <p:stCondLst>
+                                            <p:cond delay="0"/>
+                                          </p:stCondLst>
+                                        </p:cTn>
+                                        <p:tgtEl>
+                                          <p:spTgt spid="4"/>
+                                        </p:tgtEl>
+                                        <p:attrNameLst>
+                                          <p:attrName>style.visibility</p:attrName>
+                                        </p:attrNameLst>
+                                      </p:cBhvr>
+                                      <p:to>
+                                        <p:strVal val="visible"/>
+                                      </p:to>
+                                    </p:set>
+                                    <p:animEffect transition="in" filter="fade">
+                                      <p:cBhvr>
+                                        <p:cTn id="10" dur="500"/>
+                                        <p:tgtEl>
+                                          <p:spTgt spid="4"/>
+                                        </p:tgtEl>
+                                      </p:cBhvr>
+                                    </p:animEffect>
+                                  </p:childTnLst>
+                                </p:cTn>
+                              </p:par>
+                            </p:childTnLst>
+                          </p:cTn>
+                        </p:par>
+                      </p:childTnLst>
+                    </p:cTn>
+                  </p:par>
+                  <p:par>
+                    <p:cTn id="11" fill="hold">
+                      <p:stCondLst>
+                        <p:cond delay="indefinite"/>
+                      </p:stCondLst>
+                      <p:childTnLst>
+                        <p:par>
+                          <p:cTn id="12" fill="hold">
+                            <p:stCondLst>
+                              <p:cond delay="0"/>
+                            </p:stCondLst>
+                            <p:childTnLst>
+                              <p:par>
+                                <p:cTn id="13" presetID="10" presetClass="exit" presetSubtype="0" fill="hold" nodeType="clickEffect">
+                                  <p:stCondLst>
+                                    <p:cond delay="0"/>
+                                  </p:stCondLst>
+                                  <p:childTnLst>
+                                    <p:animEffect transition="out" filter="fade">
+                                      <p:cBhvr>
+                                        <p:cTn id="14" dur="500"/>
+                                        <p:tgtEl>
+                                          <p:spTgt spid="4"/>
+                                        </p:tgtEl>
+                                      </p:cBhvr>
+                                    </p:animEffect>
+                                    <p:set>
+                                      <p:cBhvr>
+                                        <p:cTn id="15" dur="1" fill="hold">
+                                          <p:stCondLst>
+                                            <p:cond delay="499"/>
+                                          </p:stCondLst>
+                                        </p:cTn>
+                                        <p:tgtEl>
+                                          <p:spTgt spid="4"/>
+                                        </p:tgtEl>
+                                        <p:attrNameLst>
+                                          <p:attrName>style.visibility</p:attrName>
+                                        </p:attrNameLst>
+                                      </p:cBhvr>
+                                      <p:to>
+                                        <p:strVal val="hidden"/>
+                                      </p:to>
+                                    </p:set>
+                                  </p:childTnLst>
+                                </p:cTn>
+                              </p:par>
+                              <p:par>
+                                <p:cTn id="16" presetID="10" presetClass="entr" presetSubtype="0" fill="hold" nodeType="withEffect">
+                                  <p:stCondLst>
+                                    <p:cond delay="0"/>
+                                  </p:stCondLst>
+                                  <p:childTnLst>
+                                    <p:set>
+                                      <p:cBhvr>
+                                        <p:cTn id="17" dur="1" fill="hold">
+                                          <p:stCondLst>
+                                            <p:cond delay="0"/>
+                                          </p:stCondLst>
+                                        </p:cTn>
+                                        <p:tgtEl>
+                                          <p:spTgt spid="9"/>
+                                        </p:tgtEl>
+                                        <p:attrNameLst>
+                                          <p:attrName>style.visibility</p:attrName>
+                                        </p:attrNameLst>
+                                      </p:cBhvr>
+                                      <p:to>
+                                        <p:strVal val="visible"/>
+                                      </p:to>
+                                    </p:set>
+                                    <p:animEffect transition="in" filter="fade">
+                                      <p:cBhvr>
+                                        <p:cTn id="18" dur="250"/>
+                                        <p:tgtEl>
+                                          <p:spTgt spid="9"/>
+                                        </p:tgtEl>
+                                      </p:cBhvr>
+                                    </p:animEffect>
+                                  </p:childTnLst>
+                                </p:cTn>
+                              </p:par>
+                            </p:childTnLst>
+                          </p:cTn>
+                        </p:par>
+                      </p:childTnLst>
+                    </p:cTn>
+                  </p:par>
+                  <p:par>
+                    <p:cTn id="19" fill="hold">
+                      <p:stCondLst>
+                        <p:cond delay="indefinite"/>
+                      </p:stCondLst>
+                      <p:childTnLst>
+                        <p:par>
+                          <p:cTn id="20" fill="hold">
+                            <p:stCondLst>
+                              <p:cond delay="0"/>
+                            </p:stCondLst>
+                            <p:childTnLst>
+                              <p:par>
+                                <p:cTn id="21" presetID="10" presetClass="exit" presetSubtype="0" fill="hold" nodeType="clickEffect">
+                                  <p:stCondLst>
+                                    <p:cond delay="0"/>
+                                  </p:stCondLst>
+                                  <p:childTnLst>
+                                    <p:animEffect transition="out" filter="fade">
+                                      <p:cBhvr>
+                                        <p:cTn id="22" dur="250"/>
+                                        <p:tgtEl>
+                                          <p:spTgt spid="9"/>
+                                        </p:tgtEl>
+                                      </p:cBhvr>
+                                    </p:animEffect>
+                                    <p:set>
+                                      <p:cBhvr>
+                                        <p:cTn id="23" dur="1" fill="hold">
+                                          <p:stCondLst>
+                                            <p:cond delay="249"/>
+                                          </p:stCondLst>
+                                        </p:cTn>
+                                        <p:tgtEl>
+                                          <p:spTgt spid="9"/>
+                                        </p:tgtEl>
+                                        <p:attrNameLst>
+                                          <p:attrName>style.visibility</p:attrName>
+                                        </p:attrNameLst>
+                                      </p:cBhvr>
+                                      <p:to>
+                                        <p:strVal val="hidden"/>
+                                      </p:to>
+                                    </p:set>
+                                  </p:childTnLst>
+                                </p:cTn>
+                              </p:par>
+                              <p:par>
+                                <p:cTn id="24" presetID="10" presetClass="entr" presetSubtype="0" fill="hold" nodeType="withEffect">
+                                  <p:stCondLst>
+                                    <p:cond delay="0"/>
+                                  </p:stCondLst>
+                                  <p:childTnLst>
+                                    <p:set>
+                                      <p:cBhvr>
+                                        <p:cTn id="25" dur="1" fill="hold">
+                                          <p:stCondLst>
+                                            <p:cond delay="0"/>
+                                          </p:stCondLst>
+                                        </p:cTn>
+                                        <p:tgtEl>
+                                          <p:spTgt spid="11"/>
+                                        </p:tgtEl>
+                                        <p:attrNameLst>
+                                          <p:attrName>style.visibility</p:attrName>
+                                        </p:attrNameLst>
+                                      </p:cBhvr>
+                                      <p:to>
+                                        <p:strVal val="visible"/>
+                                      </p:to>
+                                    </p:set>
+                                    <p:animEffect transition="in" filter="fade">
+                                      <p:cBhvr>
+                                        <p:cTn id="26" dur="250"/>
+                                        <p:tgtEl>
+                                          <p:spTgt spid="11"/>
+                                        </p:tgtEl>
+                                      </p:cBhvr>
+                                    </p:animEffect>
+                                  </p:childTnLst>
+                                </p:cTn>
+                              </p:par>
+                              <p:par>
+                                <p:cTn id="27" presetID="10" presetClass="entr" presetSubtype="0" fill="hold" nodeType="withEffect">
+                                  <p:stCondLst>
+                                    <p:cond delay="0"/>
+                                  </p:stCondLst>
+                                  <p:childTnLst>
+                                    <p:set>
+                                      <p:cBhvr>
+                                        <p:cTn id="28" dur="1" fill="hold">
+                                          <p:stCondLst>
+                                            <p:cond delay="0"/>
+                                          </p:stCondLst>
+                                        </p:cTn>
+                                        <p:tgtEl>
+                                          <p:spTgt spid="12"/>
+                                        </p:tgtEl>
+                                        <p:attrNameLst>
+                                          <p:attrName>style.visibility</p:attrName>
+                                        </p:attrNameLst>
+                                      </p:cBhvr>
+                                      <p:to>
+                                        <p:strVal val="visible"/>
+                                      </p:to>
+                                    </p:set>
+                                    <p:animEffect transition="in" filter="fade">
+                                      <p:cBhvr>
+                                        <p:cTn id="29" dur="250"/>
+                                        <p:tgtEl>
+                                          <p:spTgt spid="12"/>
+                                        </p:tgtEl>
+                                      </p:cBhvr>
+                                    </p:animEffect>
+                                  </p:childTnLst>
+                                </p:cTn>
+                              </p:par>
+                            </p:childTnLst>
+                          </p:cTn>
+                        </p:par>
+                      </p:childTnLst>
+                    </p:cTn>
+                  </p:par>
+                </p:childTnLst>
+              </p:cTn>
+              <p:prevCondLst>
+                <p:cond evt="onPrev" delay="0">
+                  <p:tgtEl>
+                    <p:sldTgt/>
+                  </p:tgtEl>
+                </p:cond>
+              </p:prevCondLst>
+              <p:nextCondLst>
+                <p:cond evt="onNext" delay="0">
+                  <p:tgtEl>
+                    <p:sldTgt/>
+                  </p:tgtEl>
+                </p:cond>
+              </p:nextCondLst>
+            </p:seq>
+          </p:childTnLst>
+        </p:cTn>
+      </p:par>
+    </p:tnLst>
+  </p:timing>
+</p:sld>
+</file>
+
+<file path=ppt/slides/slide13.xml><?xml version="1.0" encoding="utf-8"?>
+<p:sld xmlns:a="http://schemas.openxmlformats.org/drawingml/2006/main" xmlns:r="http://schemas.openxmlformats.org/officeDocument/2006/relationships" xmlns:p="http://schemas.openxmlformats.org/presentationml/2006/main">
+  <p:cSld>
+    <p:spTree>
+      <p:nvGrpSpPr>
+        <p:cNvPr id="1" name=""/>
+        <p:cNvGrpSpPr/>
+        <p:nvPr/>
+      </p:nvGrpSpPr>
+      <p:grpSpPr>
+        <a:xfrm>
+          <a:off x="0" y="0"/>
+          <a:ext cx="0" cy="0"/>
+          <a:chOff x="0" y="0"/>
+          <a:chExt cx="0" cy="0"/>
+        </a:xfrm>
+      </p:grpSpPr>
+      <p:sp>
+        <p:nvSpPr>
+          <p:cNvPr id="2" name="Titel 1"/>
+          <p:cNvSpPr>
+            <a:spLocks noGrp="1"/>
+          </p:cNvSpPr>
+          <p:nvPr>
+            <p:ph type="title"/>
+          </p:nvPr>
+        </p:nvSpPr>
+        <p:spPr/>
+        <p:txBody>
+          <a:bodyPr/>
+          <a:lstStyle/>
+          <a:p>
+            <a:r>
+              <a:rPr lang="fr-FR" dirty="0"/>
+              <a:t>Beckhoff - Erreur</a:t>
+            </a:r>
+          </a:p>
+        </p:txBody>
+      </p:sp>
+      <p:sp>
+        <p:nvSpPr>
+          <p:cNvPr id="3" name="Inhaltsplatzhalter 2"/>
+          <p:cNvSpPr>
+            <a:spLocks noGrp="1"/>
+          </p:cNvSpPr>
+          <p:nvPr>
+            <p:ph idx="1"/>
+          </p:nvPr>
+        </p:nvSpPr>
+        <p:spPr>
+          <a:xfrm>
+            <a:off x="986352" y="2633767"/>
+            <a:ext cx="10554574" cy="3636511"/>
+          </a:xfrm>
+        </p:spPr>
+        <p:txBody>
+          <a:bodyPr/>
+          <a:lstStyle/>
+          <a:p>
+            <a:r>
+              <a:rPr lang="fr-FR" dirty="0"/>
+              <a:t>Toutes les erreurs sont gères centralement</a:t>
+            </a:r>
+          </a:p>
+          <a:p>
+            <a:r>
+              <a:rPr lang="fr-FR" dirty="0" err="1"/>
+              <a:t>GlobalErrorList</a:t>
+            </a:r>
+            <a:endParaRPr lang="fr-FR" dirty="0"/>
+          </a:p>
+          <a:p>
+            <a:pPr lvl="1"/>
+            <a:r>
+              <a:rPr lang="fr-FR" dirty="0"/>
+              <a:t>Chaque erreur correspond a une ID</a:t>
+            </a:r>
+          </a:p>
+          <a:p>
+            <a:pPr lvl="1"/>
+            <a:r>
+              <a:rPr lang="fr-FR" dirty="0"/>
+              <a:t>Possibilité d’ajouter les erreurs du Système / Beckhoff</a:t>
+            </a:r>
+          </a:p>
+          <a:p>
+            <a:pPr lvl="1"/>
+            <a:r>
+              <a:rPr lang="fr-FR" dirty="0"/>
+              <a:t>Support multilingue</a:t>
+            </a:r>
+          </a:p>
+        </p:txBody>
+      </p:sp>
+      <p:pic>
+        <p:nvPicPr>
+          <p:cNvPr id="4" name="Grafik 3"/>
+          <p:cNvPicPr>
+            <a:picLocks noChangeAspect="1"/>
+          </p:cNvPicPr>
+          <p:nvPr/>
+        </p:nvPicPr>
+        <p:blipFill>
+          <a:blip r:embed="rId2"/>
+          <a:stretch>
+            <a:fillRect/>
+          </a:stretch>
+        </p:blipFill>
+        <p:spPr>
+          <a:xfrm>
+            <a:off x="-1" y="3170296"/>
+            <a:ext cx="12192000" cy="3687704"/>
+          </a:xfrm>
+          <a:prstGeom prst="rect">
+            <a:avLst/>
+          </a:prstGeom>
+        </p:spPr>
+      </p:pic>
+    </p:spTree>
+    <p:extLst>
+      <p:ext uri="{BB962C8B-B14F-4D97-AF65-F5344CB8AC3E}">
+        <p14:creationId xmlns:p14="http://schemas.microsoft.com/office/powerpoint/2010/main" val="3425176703"/>
+      </p:ext>
+    </p:extLst>
+  </p:cSld>
+  <p:clrMapOvr>
+    <a:masterClrMapping/>
+  </p:clrMapOvr>
+  <mc:AlternateContent xmlns:mc="http://schemas.openxmlformats.org/markup-compatibility/2006" xmlns:p14="http://schemas.microsoft.com/office/powerpoint/2010/main">
+    <mc:Choice Requires="p14">
+      <p:transition p14:dur="250">
+        <p:fade/>
+      </p:transition>
+    </mc:Choice>
+    <mc:Fallback xmlns="">
+      <p:transition>
+        <p:fade/>
+      </p:transition>
+    </mc:Fallback>
+  </mc:AlternateContent>
+  <p:timing>
+    <p:tnLst>
+      <p:par>
+        <p:cTn id="1" dur="indefinite" restart="never" nodeType="tmRoot">
+          <p:childTnLst>
+            <p:seq concurrent="1" nextAc="seek">
+              <p:cTn id="2" dur="indefinite" nodeType="mainSeq">
+                <p:childTnLst>
+                  <p:par>
+                    <p:cTn id="3" fill="hold">
+                      <p:stCondLst>
+                        <p:cond delay="indefinite"/>
+                      </p:stCondLst>
+                      <p:childTnLst>
+                        <p:par>
+                          <p:cTn id="4" fill="hold">
+                            <p:stCondLst>
+                              <p:cond delay="0"/>
+                            </p:stCondLst>
+                            <p:childTnLst>
+                              <p:par>
+                                <p:cTn id="5" presetID="10" presetClass="entr" presetSubtype="0" fill="hold" nodeType="clickEffect">
+                                  <p:stCondLst>
+                                    <p:cond delay="0"/>
+                                  </p:stCondLst>
+                                  <p:childTnLst>
+                                    <p:set>
+                                      <p:cBhvr>
+                                        <p:cTn id="6" dur="1" fill="hold">
+                                          <p:stCondLst>
+                                            <p:cond delay="0"/>
+                                          </p:stCondLst>
+                                        </p:cTn>
+                                        <p:tgtEl>
+                                          <p:spTgt spid="4"/>
+                                        </p:tgtEl>
+                                        <p:attrNameLst>
+                                          <p:attrName>style.visibility</p:attrName>
+                                        </p:attrNameLst>
+                                      </p:cBhvr>
+                                      <p:to>
+                                        <p:strVal val="visible"/>
+                                      </p:to>
+                                    </p:set>
+                                    <p:animEffect transition="in" filter="fade">
+                                      <p:cBhvr>
+                                        <p:cTn id="7" dur="250"/>
+                                        <p:tgtEl>
+                                          <p:spTgt spid="4"/>
+                                        </p:tgtEl>
+                                      </p:cBhvr>
+                                    </p:animEffect>
+                                  </p:childTnLst>
+                                </p:cTn>
+                              </p:par>
+                            </p:childTnLst>
+                          </p:cTn>
+                        </p:par>
+                      </p:childTnLst>
+                    </p:cTn>
+                  </p:par>
+                </p:childTnLst>
+              </p:cTn>
+              <p:prevCondLst>
+                <p:cond evt="onPrev" delay="0">
+                  <p:tgtEl>
+                    <p:sldTgt/>
+                  </p:tgtEl>
+                </p:cond>
+              </p:prevCondLst>
+              <p:nextCondLst>
+                <p:cond evt="onNext" delay="0">
+                  <p:tgtEl>
+                    <p:sldTgt/>
+                  </p:tgtEl>
+                </p:cond>
+              </p:nextCondLst>
+            </p:seq>
+          </p:childTnLst>
+        </p:cTn>
+      </p:par>
+    </p:tnLst>
+  </p:timing>
+</p:sld>
+</file>
+
+<file path=ppt/slides/slide14.xml><?xml version="1.0" encoding="utf-8"?>
+<p:sld xmlns:a="http://schemas.openxmlformats.org/drawingml/2006/main" xmlns:r="http://schemas.openxmlformats.org/officeDocument/2006/relationships" xmlns:p="http://schemas.openxmlformats.org/presentationml/2006/main">
+  <p:cSld>
+    <p:spTree>
+      <p:nvGrpSpPr>
+        <p:cNvPr id="1" name=""/>
+        <p:cNvGrpSpPr/>
+        <p:nvPr/>
+      </p:nvGrpSpPr>
+      <p:grpSpPr>
+        <a:xfrm>
+          <a:off x="0" y="0"/>
+          <a:ext cx="0" cy="0"/>
+          <a:chOff x="0" y="0"/>
+          <a:chExt cx="0" cy="0"/>
+        </a:xfrm>
+      </p:grpSpPr>
+      <p:sp>
+        <p:nvSpPr>
+          <p:cNvPr id="2" name="Titel 1"/>
+          <p:cNvSpPr>
+            <a:spLocks noGrp="1"/>
+          </p:cNvSpPr>
+          <p:nvPr>
+            <p:ph type="title"/>
+          </p:nvPr>
+        </p:nvSpPr>
+        <p:spPr/>
+        <p:txBody>
+          <a:bodyPr/>
+          <a:lstStyle/>
+          <a:p>
+            <a:r>
+              <a:rPr lang="fr-FR" dirty="0"/>
+              <a:t>Beckhoff – Visualisation / </a:t>
+            </a:r>
+            <a:r>
+              <a:rPr lang="fr-FR" dirty="0" err="1"/>
+              <a:t>Features</a:t>
+            </a:r>
+            <a:endParaRPr lang="fr-FR" dirty="0"/>
+          </a:p>
+        </p:txBody>
+      </p:sp>
+      <p:sp>
+        <p:nvSpPr>
+          <p:cNvPr id="7" name="Inhaltsplatzhalter 2"/>
+          <p:cNvSpPr txBox="1">
+            <a:spLocks/>
+          </p:cNvSpPr>
+          <p:nvPr/>
+        </p:nvSpPr>
+        <p:spPr>
+          <a:xfrm>
+            <a:off x="350617" y="2453640"/>
+            <a:ext cx="11031381" cy="3984988"/>
+          </a:xfrm>
+          <a:prstGeom prst="rect">
+            <a:avLst/>
+          </a:prstGeom>
+        </p:spPr>
+        <p:txBody>
+          <a:bodyPr/>
+          <a:lstStyle>
+            <a:lvl1pPr marL="342900" indent="-342900" algn="l" defTabSz="457200" rtl="0" eaLnBrk="1" latinLnBrk="0" hangingPunct="1">
+              <a:spcBef>
+                <a:spcPct val="20000"/>
+              </a:spcBef>
+              <a:spcAft>
+                <a:spcPts val="600"/>
+              </a:spcAft>
+              <a:buClr>
+                <a:schemeClr val="accent1"/>
+              </a:buClr>
+              <a:buFont typeface="Wingdings 2" charset="2"/>
+              <a:buChar char=""/>
+              <a:defRPr sz="1800" kern="1200">
+                <a:solidFill>
+                  <a:schemeClr val="tx1"/>
+                </a:solidFill>
+                <a:latin typeface="+mn-lt"/>
+                <a:ea typeface="+mn-ea"/>
+                <a:cs typeface="+mn-cs"/>
+              </a:defRPr>
+            </a:lvl1pPr>
+            <a:lvl2pPr marL="742950" indent="-285750" algn="l" defTabSz="457200" rtl="0" eaLnBrk="1" latinLnBrk="0" hangingPunct="1">
+              <a:spcBef>
+                <a:spcPct val="20000"/>
+              </a:spcBef>
+              <a:spcAft>
+                <a:spcPts val="600"/>
+              </a:spcAft>
+              <a:buClr>
+                <a:schemeClr val="accent1"/>
+              </a:buClr>
+              <a:buFont typeface="Wingdings 2" charset="2"/>
+              <a:buChar char=""/>
+              <a:defRPr sz="1600" kern="1200">
+                <a:solidFill>
+                  <a:schemeClr val="tx1"/>
+                </a:solidFill>
+                <a:latin typeface="+mn-lt"/>
+                <a:ea typeface="+mn-ea"/>
+                <a:cs typeface="+mn-cs"/>
+              </a:defRPr>
+            </a:lvl2pPr>
+            <a:lvl3pPr marL="1143000" indent="-228600" algn="l" defTabSz="457200" rtl="0" eaLnBrk="1" latinLnBrk="0" hangingPunct="1">
+              <a:spcBef>
+                <a:spcPct val="20000"/>
+              </a:spcBef>
+              <a:spcAft>
+                <a:spcPts val="600"/>
+              </a:spcAft>
+              <a:buClr>
+                <a:schemeClr val="accent1"/>
+              </a:buClr>
+              <a:buFont typeface="Wingdings 2" charset="2"/>
+              <a:buChar char=""/>
+              <a:defRPr sz="1400" kern="1200">
+                <a:solidFill>
+                  <a:schemeClr val="tx1"/>
+                </a:solidFill>
+                <a:latin typeface="+mn-lt"/>
+                <a:ea typeface="+mn-ea"/>
+                <a:cs typeface="+mn-cs"/>
+              </a:defRPr>
+            </a:lvl3pPr>
+            <a:lvl4pPr marL="1600200" indent="-228600" algn="l" defTabSz="457200" rtl="0" eaLnBrk="1" latinLnBrk="0" hangingPunct="1">
+              <a:spcBef>
+                <a:spcPct val="20000"/>
+              </a:spcBef>
+              <a:spcAft>
+                <a:spcPts val="600"/>
+              </a:spcAft>
+              <a:buClr>
+                <a:schemeClr val="accent1"/>
+              </a:buClr>
+              <a:buFont typeface="Wingdings 2" charset="2"/>
+              <a:buChar char=""/>
+              <a:defRPr sz="1200" kern="1200">
+                <a:solidFill>
+                  <a:schemeClr val="tx1"/>
+                </a:solidFill>
+                <a:latin typeface="+mn-lt"/>
+                <a:ea typeface="+mn-ea"/>
+                <a:cs typeface="+mn-cs"/>
+              </a:defRPr>
+            </a:lvl4pPr>
+            <a:lvl5pPr marL="2057400" indent="-228600" algn="l" defTabSz="457200" rtl="0" eaLnBrk="1" latinLnBrk="0" hangingPunct="1">
+              <a:spcBef>
+                <a:spcPct val="20000"/>
+              </a:spcBef>
+              <a:spcAft>
+                <a:spcPts val="600"/>
+              </a:spcAft>
+              <a:buClr>
+                <a:schemeClr val="accent1"/>
+              </a:buClr>
+              <a:buFont typeface="Wingdings 2" charset="2"/>
+              <a:buChar char=""/>
+              <a:defRPr sz="1200" kern="1200">
+                <a:solidFill>
+                  <a:schemeClr val="tx1"/>
+                </a:solidFill>
+                <a:latin typeface="+mn-lt"/>
+                <a:ea typeface="+mn-ea"/>
+                <a:cs typeface="+mn-cs"/>
+              </a:defRPr>
+            </a:lvl5pPr>
+            <a:lvl6pPr marL="2400000" indent="-228600" algn="l" defTabSz="457200" rtl="0" eaLnBrk="1" latinLnBrk="0" hangingPunct="1">
+              <a:spcBef>
+                <a:spcPct val="20000"/>
+              </a:spcBef>
+              <a:spcAft>
+                <a:spcPts val="600"/>
+              </a:spcAft>
+              <a:buClr>
+                <a:schemeClr val="accent1"/>
+              </a:buClr>
+              <a:buFont typeface="Wingdings 2" charset="2"/>
+              <a:buChar char=""/>
+              <a:defRPr sz="1200" kern="1200">
+                <a:solidFill>
+                  <a:schemeClr val="tx1"/>
+                </a:solidFill>
+                <a:latin typeface="+mn-lt"/>
+                <a:ea typeface="+mn-ea"/>
+                <a:cs typeface="+mn-cs"/>
+              </a:defRPr>
+            </a:lvl6pPr>
+            <a:lvl7pPr marL="2800000" indent="-228600" algn="l" defTabSz="457200" rtl="0" eaLnBrk="1" latinLnBrk="0" hangingPunct="1">
+              <a:spcBef>
+                <a:spcPct val="20000"/>
+              </a:spcBef>
+              <a:spcAft>
+                <a:spcPts val="600"/>
+              </a:spcAft>
+              <a:buClr>
+                <a:schemeClr val="accent1"/>
+              </a:buClr>
+              <a:buFont typeface="Wingdings 2" charset="2"/>
+              <a:buChar char=""/>
+              <a:defRPr sz="1200" kern="1200">
+                <a:solidFill>
+                  <a:schemeClr val="tx1"/>
+                </a:solidFill>
+                <a:latin typeface="+mn-lt"/>
+                <a:ea typeface="+mn-ea"/>
+                <a:cs typeface="+mn-cs"/>
+              </a:defRPr>
+            </a:lvl7pPr>
+            <a:lvl8pPr marL="3200000" indent="-228600" algn="l" defTabSz="457200" rtl="0" eaLnBrk="1" latinLnBrk="0" hangingPunct="1">
+              <a:spcBef>
+                <a:spcPct val="20000"/>
+              </a:spcBef>
+              <a:spcAft>
+                <a:spcPts val="600"/>
+              </a:spcAft>
+              <a:buClr>
+                <a:schemeClr val="accent1"/>
+              </a:buClr>
+              <a:buFont typeface="Wingdings 2" charset="2"/>
+              <a:buChar char=""/>
+              <a:defRPr sz="1200" kern="1200">
+                <a:solidFill>
+                  <a:schemeClr val="tx1"/>
+                </a:solidFill>
+                <a:latin typeface="+mn-lt"/>
+                <a:ea typeface="+mn-ea"/>
+                <a:cs typeface="+mn-cs"/>
+              </a:defRPr>
+            </a:lvl8pPr>
+            <a:lvl9pPr marL="3600000" indent="-228600" algn="l" defTabSz="457200" rtl="0" eaLnBrk="1" latinLnBrk="0" hangingPunct="1">
+              <a:spcBef>
+                <a:spcPct val="20000"/>
+              </a:spcBef>
+              <a:spcAft>
+                <a:spcPts val="600"/>
+              </a:spcAft>
+              <a:buClr>
+                <a:schemeClr val="accent1"/>
+              </a:buClr>
+              <a:buFont typeface="Wingdings 2" charset="2"/>
+              <a:buChar char=""/>
+              <a:defRPr sz="1200" kern="1200">
+                <a:solidFill>
+                  <a:schemeClr val="tx1"/>
+                </a:solidFill>
+                <a:latin typeface="+mn-lt"/>
+                <a:ea typeface="+mn-ea"/>
+                <a:cs typeface="+mn-cs"/>
+              </a:defRPr>
+            </a:lvl9pPr>
+          </a:lstStyle>
+          <a:p>
+            <a:r>
+              <a:rPr lang="fr-FR" dirty="0" err="1"/>
+              <a:t>WebVisu</a:t>
+            </a:r>
+            <a:r>
+              <a:rPr lang="fr-FR" dirty="0"/>
+              <a:t> – Accessible avec un Browser ou sur un HMI de Beckhoff</a:t>
+            </a:r>
+          </a:p>
+          <a:p>
+            <a:endParaRPr lang="fr-FR" dirty="0"/>
+          </a:p>
+        </p:txBody>
+      </p:sp>
+    </p:spTree>
+    <p:extLst>
+      <p:ext uri="{BB962C8B-B14F-4D97-AF65-F5344CB8AC3E}">
+        <p14:creationId xmlns:p14="http://schemas.microsoft.com/office/powerpoint/2010/main" val="3074461453"/>
+      </p:ext>
+    </p:extLst>
+  </p:cSld>
+  <p:clrMapOvr>
+    <a:masterClrMapping/>
+  </p:clrMapOvr>
+  <mc:AlternateContent xmlns:mc="http://schemas.openxmlformats.org/markup-compatibility/2006" xmlns:p14="http://schemas.microsoft.com/office/powerpoint/2010/main">
+    <mc:Choice Requires="p14">
+      <p:transition p14:dur="250">
+        <p:fade/>
+      </p:transition>
+    </mc:Choice>
+    <mc:Fallback xmlns="">
+      <p:transition>
+        <p:fade/>
+      </p:transition>
+    </mc:Fallback>
+  </mc:AlternateContent>
+</p:sld>
+</file>
+
+<file path=ppt/slides/slide15.xml><?xml version="1.0" encoding="utf-8"?>
+<p:sld xmlns:a="http://schemas.openxmlformats.org/drawingml/2006/main" xmlns:r="http://schemas.openxmlformats.org/officeDocument/2006/relationships" xmlns:p="http://schemas.openxmlformats.org/presentationml/2006/main">
+  <p:cSld>
+    <p:spTree>
+      <p:nvGrpSpPr>
+        <p:cNvPr id="1" name=""/>
+        <p:cNvGrpSpPr/>
+        <p:nvPr/>
+      </p:nvGrpSpPr>
+      <p:grpSpPr>
+        <a:xfrm>
+          <a:off x="0" y="0"/>
+          <a:ext cx="0" cy="0"/>
+          <a:chOff x="0" y="0"/>
+          <a:chExt cx="0" cy="0"/>
+        </a:xfrm>
+      </p:grpSpPr>
+      <p:pic>
+        <p:nvPicPr>
+          <p:cNvPr id="4" name="Grafik 3"/>
+          <p:cNvPicPr>
+            <a:picLocks noChangeAspect="1"/>
+          </p:cNvPicPr>
+          <p:nvPr/>
+        </p:nvPicPr>
+        <p:blipFill>
+          <a:blip r:embed="rId3"/>
+          <a:stretch>
+            <a:fillRect/>
+          </a:stretch>
+        </p:blipFill>
+        <p:spPr>
+          <a:xfrm>
+            <a:off x="3473467" y="407670"/>
+            <a:ext cx="7587838" cy="3966210"/>
+          </a:xfrm>
+          <a:prstGeom prst="rect">
+            <a:avLst/>
+          </a:prstGeom>
+        </p:spPr>
+      </p:pic>
+      <p:grpSp>
+        <p:nvGrpSpPr>
+          <p:cNvPr id="21" name="Group 1"/>
+          <p:cNvGrpSpPr/>
+          <p:nvPr>
+            <p:custDataLst>
+              <p:custData r:id="rId1"/>
+            </p:custDataLst>
+          </p:nvPr>
+        </p:nvGrpSpPr>
+        <p:grpSpPr>
+          <a:xfrm>
+            <a:off x="3473467" y="4373880"/>
+            <a:ext cx="7587838" cy="358541"/>
+            <a:chOff x="0" y="6472934"/>
+            <a:chExt cx="9142195" cy="395095"/>
+          </a:xfrm>
+        </p:grpSpPr>
+        <p:sp>
+          <p:nvSpPr>
+            <p:cNvPr id="22" name="Rectangle 2"/>
+            <p:cNvSpPr/>
+            <p:nvPr/>
+          </p:nvSpPr>
+          <p:spPr>
+            <a:xfrm>
+              <a:off x="0" y="6472934"/>
+              <a:ext cx="9142195" cy="386081"/>
+            </a:xfrm>
+            <a:prstGeom prst="rect">
+              <a:avLst/>
+            </a:prstGeom>
+            <a:gradFill flip="none" rotWithShape="1">
+              <a:gsLst>
+                <a:gs pos="0">
+                  <a:srgbClr val="000000">
+                    <a:lumMod val="65000"/>
+                    <a:lumOff val="35000"/>
+                    <a:alpha val="90000"/>
+                  </a:srgbClr>
+                </a:gs>
+                <a:gs pos="100000">
+                  <a:srgbClr val="000000">
+                    <a:alpha val="39000"/>
+                  </a:srgbClr>
+                </a:gs>
+              </a:gsLst>
+              <a:lin ang="0" scaled="1"/>
+              <a:tileRect/>
+            </a:gradFill>
+            <a:ln w="3175">
+              <a:solidFill>
+                <a:srgbClr val="000000">
+                  <a:alpha val="58000"/>
+                </a:srgbClr>
+              </a:solidFill>
+            </a:ln>
+          </p:spPr>
+          <p:style>
+            <a:lnRef idx="2">
+              <a:srgbClr val="4F81BD">
+                <a:shade val="50000"/>
+              </a:srgbClr>
+            </a:lnRef>
+            <a:fillRef idx="1">
+              <a:srgbClr val="4F81BD"/>
+            </a:fillRef>
+            <a:effectRef idx="0">
+              <a:srgbClr val="4F81BD"/>
+            </a:effectRef>
+            <a:fontRef idx="minor">
+              <a:srgbClr val="000000"/>
+            </a:fontRef>
+          </p:style>
+          <p:txBody>
+            <a:bodyPr lIns="97531" tIns="48766" rIns="97531" bIns="48766" rtlCol="0" anchor="ctr"/>
+            <a:lstStyle/>
+            <a:p>
+              <a:pPr algn="ctr"/>
+              <a:endParaRPr lang="en-US" dirty="0"/>
+            </a:p>
+          </p:txBody>
+        </p:sp>
+        <p:sp>
+          <p:nvSpPr>
+            <p:cNvPr id="23" name="Oval 3"/>
+            <p:cNvSpPr/>
+            <p:nvPr/>
+          </p:nvSpPr>
+          <p:spPr>
+            <a:xfrm>
+              <a:off x="7862753" y="6636572"/>
+              <a:ext cx="111796" cy="113714"/>
+            </a:xfrm>
+            <a:prstGeom prst="ellipse">
+              <a:avLst/>
+            </a:prstGeom>
+            <a:gradFill flip="none" rotWithShape="1">
+              <a:gsLst>
+                <a:gs pos="91000">
+                  <a:srgbClr val="FFFFFF">
+                    <a:lumMod val="85000"/>
+                  </a:srgbClr>
+                </a:gs>
+                <a:gs pos="36000">
+                  <a:srgbClr val="FFFFFF">
+                    <a:lumMod val="95000"/>
+                  </a:srgbClr>
+                </a:gs>
+                <a:gs pos="100000">
+                  <a:srgbClr val="FFFFFF">
+                    <a:lumMod val="95000"/>
+                  </a:srgbClr>
+                </a:gs>
+              </a:gsLst>
+              <a:lin ang="5400000" scaled="0"/>
+              <a:tileRect/>
+            </a:gradFill>
+            <a:ln w="3175">
+              <a:solidFill>
+                <a:srgbClr val="000000">
+                  <a:lumMod val="50000"/>
+                  <a:lumOff val="50000"/>
+                </a:srgbClr>
+              </a:solidFill>
+            </a:ln>
+            <a:effectLst>
+              <a:outerShdw blurRad="63500" sx="102000" sy="102000" algn="ctr" rotWithShape="0">
+                <a:prstClr val="black">
+                  <a:alpha val="40000"/>
+                </a:prstClr>
+              </a:outerShdw>
+            </a:effectLst>
+          </p:spPr>
+          <p:style>
+            <a:lnRef idx="2">
+              <a:srgbClr val="4F81BD">
+                <a:shade val="50000"/>
+              </a:srgbClr>
+            </a:lnRef>
+            <a:fillRef idx="1">
+              <a:srgbClr val="4F81BD"/>
+            </a:fillRef>
+            <a:effectRef idx="0">
+              <a:srgbClr val="4F81BD"/>
+            </a:effectRef>
+            <a:fontRef idx="minor">
+              <a:srgbClr val="000000"/>
+            </a:fontRef>
+          </p:style>
+          <p:txBody>
+            <a:bodyPr lIns="97531" tIns="48766" rIns="97531" bIns="48766" rtlCol="0" anchor="ctr"/>
+            <a:lstStyle/>
+            <a:p>
+              <a:pPr algn="ctr"/>
+              <a:endParaRPr lang="en-US" dirty="0"/>
+            </a:p>
+          </p:txBody>
+        </p:sp>
+        <p:sp>
+          <p:nvSpPr>
+            <p:cNvPr id="24" name="Oval 4"/>
+            <p:cNvSpPr/>
+            <p:nvPr/>
+          </p:nvSpPr>
+          <p:spPr>
+            <a:xfrm>
+              <a:off x="8055858" y="6636572"/>
+              <a:ext cx="111796" cy="113714"/>
+            </a:xfrm>
+            <a:prstGeom prst="ellipse">
+              <a:avLst/>
+            </a:prstGeom>
+            <a:gradFill flip="none" rotWithShape="1">
+              <a:gsLst>
+                <a:gs pos="91000">
+                  <a:srgbClr val="FFFFFF">
+                    <a:lumMod val="85000"/>
+                  </a:srgbClr>
+                </a:gs>
+                <a:gs pos="36000">
+                  <a:srgbClr val="FFFFFF">
+                    <a:lumMod val="95000"/>
+                  </a:srgbClr>
+                </a:gs>
+                <a:gs pos="100000">
+                  <a:srgbClr val="FFFFFF">
+                    <a:lumMod val="95000"/>
+                  </a:srgbClr>
+                </a:gs>
+              </a:gsLst>
+              <a:lin ang="5400000" scaled="0"/>
+              <a:tileRect/>
+            </a:gradFill>
+            <a:ln w="3175">
+              <a:solidFill>
+                <a:srgbClr val="000000">
+                  <a:lumMod val="50000"/>
+                  <a:lumOff val="50000"/>
+                </a:srgbClr>
+              </a:solidFill>
+            </a:ln>
+            <a:effectLst>
+              <a:outerShdw blurRad="63500" sx="102000" sy="102000" algn="ctr" rotWithShape="0">
+                <a:prstClr val="black">
+                  <a:alpha val="40000"/>
+                </a:prstClr>
+              </a:outerShdw>
+            </a:effectLst>
+          </p:spPr>
+          <p:style>
+            <a:lnRef idx="2">
+              <a:srgbClr val="4F81BD">
+                <a:shade val="50000"/>
+              </a:srgbClr>
+            </a:lnRef>
+            <a:fillRef idx="1">
+              <a:srgbClr val="4F81BD"/>
+            </a:fillRef>
+            <a:effectRef idx="0">
+              <a:srgbClr val="4F81BD"/>
+            </a:effectRef>
+            <a:fontRef idx="minor">
+              <a:srgbClr val="000000"/>
+            </a:fontRef>
+          </p:style>
+          <p:txBody>
+            <a:bodyPr lIns="97531" tIns="48766" rIns="97531" bIns="48766" rtlCol="0" anchor="ctr"/>
+            <a:lstStyle/>
+            <a:p>
+              <a:pPr algn="ctr"/>
+              <a:endParaRPr lang="en-US" dirty="0"/>
+            </a:p>
+          </p:txBody>
+        </p:sp>
+        <p:sp>
+          <p:nvSpPr>
+            <p:cNvPr id="25" name="Rounded Rectangle 5"/>
+            <p:cNvSpPr/>
+            <p:nvPr/>
+          </p:nvSpPr>
+          <p:spPr>
+            <a:xfrm>
+              <a:off x="462665" y="6483091"/>
+              <a:ext cx="587821" cy="365760"/>
+            </a:xfrm>
+            <a:prstGeom prst="roundRect">
+              <a:avLst>
+                <a:gd name="adj" fmla="val 6250"/>
+              </a:avLst>
+            </a:prstGeom>
+            <a:gradFill flip="none" rotWithShape="1">
+              <a:gsLst>
+                <a:gs pos="26000">
+                  <a:srgbClr val="FFFFFF">
+                    <a:alpha val="33000"/>
+                  </a:srgbClr>
+                </a:gs>
+                <a:gs pos="52000">
+                  <a:srgbClr val="FFFFFF">
+                    <a:lumMod val="95000"/>
+                    <a:alpha val="0"/>
+                  </a:srgbClr>
+                </a:gs>
+              </a:gsLst>
+              <a:lin ang="3900000" scaled="0"/>
+              <a:tileRect/>
+            </a:gradFill>
+            <a:ln w="3175">
+              <a:solidFill>
+                <a:srgbClr val="FFFFFF">
+                  <a:alpha val="56000"/>
+                </a:srgbClr>
+              </a:solidFill>
+            </a:ln>
+            <a:effectLst/>
+          </p:spPr>
+          <p:style>
+            <a:lnRef idx="2">
+              <a:srgbClr val="4F81BD">
+                <a:shade val="50000"/>
+              </a:srgbClr>
+            </a:lnRef>
+            <a:fillRef idx="1">
+              <a:srgbClr val="4F81BD"/>
+            </a:fillRef>
+            <a:effectRef idx="0">
+              <a:srgbClr val="4F81BD"/>
+            </a:effectRef>
+            <a:fontRef idx="minor">
+              <a:srgbClr val="000000"/>
+            </a:fontRef>
+          </p:style>
+          <p:txBody>
+            <a:bodyPr lIns="97531" tIns="48766" rIns="97531" bIns="48766" rtlCol="0" anchor="ctr"/>
+            <a:lstStyle/>
+            <a:p>
+              <a:pPr algn="ctr"/>
+              <a:endParaRPr lang="en-US" dirty="0"/>
+            </a:p>
+          </p:txBody>
+        </p:sp>
+        <p:grpSp>
+          <p:nvGrpSpPr>
+            <p:cNvPr id="26" name="Group 6"/>
+            <p:cNvGrpSpPr/>
+            <p:nvPr/>
+          </p:nvGrpSpPr>
+          <p:grpSpPr>
+            <a:xfrm>
+              <a:off x="598219" y="6536431"/>
+              <a:ext cx="322685" cy="271780"/>
+              <a:chOff x="1109662" y="6184106"/>
+              <a:chExt cx="302419" cy="228601"/>
+            </a:xfrm>
+          </p:grpSpPr>
+          <p:sp>
+            <p:nvSpPr>
+              <p:cNvPr id="53" name="Rectangle 33"/>
+              <p:cNvSpPr/>
+              <p:nvPr/>
+            </p:nvSpPr>
+            <p:spPr>
+              <a:xfrm>
+                <a:off x="1109662" y="6184106"/>
+                <a:ext cx="302419" cy="228601"/>
+              </a:xfrm>
+              <a:prstGeom prst="rect">
+                <a:avLst/>
+              </a:prstGeom>
+              <a:gradFill flip="none" rotWithShape="1">
+                <a:gsLst>
+                  <a:gs pos="0">
+                    <a:srgbClr val="FFFFFF">
+                      <a:lumMod val="85000"/>
+                    </a:srgbClr>
+                  </a:gs>
+                  <a:gs pos="63000">
+                    <a:srgbClr val="FFFFFF">
+                      <a:lumMod val="65000"/>
+                    </a:srgbClr>
+                  </a:gs>
+                </a:gsLst>
+                <a:lin ang="5400000" scaled="0"/>
+                <a:tileRect/>
+              </a:gradFill>
+              <a:ln w="3175">
+                <a:solidFill>
+                  <a:srgbClr val="000000">
+                    <a:lumMod val="50000"/>
+                    <a:lumOff val="50000"/>
+                  </a:srgbClr>
+                </a:solidFill>
+              </a:ln>
+              <a:effectLst>
+                <a:outerShdw blurRad="63500" sx="102000" sy="102000" algn="ctr" rotWithShape="0">
+                  <a:prstClr val="black">
+                    <a:alpha val="40000"/>
+                  </a:prstClr>
+                </a:outerShdw>
+              </a:effectLst>
+            </p:spPr>
+            <p:style>
+              <a:lnRef idx="2">
+                <a:srgbClr val="4F81BD">
+                  <a:shade val="50000"/>
+                </a:srgbClr>
+              </a:lnRef>
+              <a:fillRef idx="1">
+                <a:srgbClr val="4F81BD"/>
+              </a:fillRef>
+              <a:effectRef idx="0">
+                <a:srgbClr val="4F81BD"/>
+              </a:effectRef>
+              <a:fontRef idx="minor">
+                <a:srgbClr val="000000"/>
+              </a:fontRef>
+            </p:style>
+            <p:txBody>
+              <a:bodyPr rtlCol="0" anchor="ctr"/>
+              <a:lstStyle/>
+              <a:p>
+                <a:pPr algn="ctr"/>
+                <a:endParaRPr lang="en-US"/>
+              </a:p>
+            </p:txBody>
+          </p:sp>
+          <p:sp>
+            <p:nvSpPr>
+              <p:cNvPr id="54" name="Rectangle 34"/>
+              <p:cNvSpPr/>
+              <p:nvPr/>
+            </p:nvSpPr>
+            <p:spPr>
+              <a:xfrm>
+                <a:off x="1145381" y="6255544"/>
+                <a:ext cx="223838" cy="123825"/>
+              </a:xfrm>
+              <a:prstGeom prst="rect">
+                <a:avLst/>
+              </a:prstGeom>
+              <a:gradFill flip="none" rotWithShape="1">
+                <a:gsLst>
+                  <a:gs pos="91000">
+                    <a:srgbClr val="FFFFFF">
+                      <a:lumMod val="85000"/>
+                    </a:srgbClr>
+                  </a:gs>
+                  <a:gs pos="36000">
+                    <a:srgbClr val="FFFFFF">
+                      <a:lumMod val="95000"/>
+                    </a:srgbClr>
+                  </a:gs>
+                  <a:gs pos="100000">
+                    <a:srgbClr val="FFFFFF">
+                      <a:lumMod val="95000"/>
+                    </a:srgbClr>
+                  </a:gs>
+                </a:gsLst>
+                <a:lin ang="5400000" scaled="0"/>
+                <a:tileRect/>
+              </a:gradFill>
+              <a:ln w="3175">
+                <a:solidFill>
+                  <a:srgbClr val="000000">
+                    <a:lumMod val="50000"/>
+                    <a:lumOff val="50000"/>
+                  </a:srgbClr>
+                </a:solidFill>
+              </a:ln>
+              <a:effectLst>
+                <a:outerShdw blurRad="63500" sx="102000" sy="102000" algn="ctr" rotWithShape="0">
+                  <a:prstClr val="black">
+                    <a:alpha val="40000"/>
+                  </a:prstClr>
+                </a:outerShdw>
+              </a:effectLst>
+            </p:spPr>
+            <p:style>
+              <a:lnRef idx="2">
+                <a:srgbClr val="4F81BD">
+                  <a:shade val="50000"/>
+                </a:srgbClr>
+              </a:lnRef>
+              <a:fillRef idx="1">
+                <a:srgbClr val="4F81BD"/>
+              </a:fillRef>
+              <a:effectRef idx="0">
+                <a:srgbClr val="4F81BD"/>
+              </a:effectRef>
+              <a:fontRef idx="minor">
+                <a:srgbClr val="000000"/>
+              </a:fontRef>
+            </p:style>
+            <p:txBody>
+              <a:bodyPr rtlCol="0" anchor="ctr"/>
+              <a:lstStyle/>
+              <a:p>
+                <a:pPr algn="ctr"/>
+                <a:endParaRPr lang="en-US"/>
+              </a:p>
+            </p:txBody>
+          </p:sp>
+        </p:grpSp>
+        <p:grpSp>
+          <p:nvGrpSpPr>
+            <p:cNvPr id="27" name="Group 7"/>
+            <p:cNvGrpSpPr/>
+            <p:nvPr/>
+          </p:nvGrpSpPr>
+          <p:grpSpPr>
+            <a:xfrm>
+              <a:off x="2491137" y="6533892"/>
+              <a:ext cx="322685" cy="271780"/>
+              <a:chOff x="1109662" y="6184106"/>
+              <a:chExt cx="302419" cy="228601"/>
+            </a:xfrm>
+          </p:grpSpPr>
+          <p:sp>
+            <p:nvSpPr>
+              <p:cNvPr id="51" name="Rectangle 31"/>
+              <p:cNvSpPr/>
+              <p:nvPr/>
+            </p:nvSpPr>
+            <p:spPr>
+              <a:xfrm>
+                <a:off x="1109662" y="6184106"/>
+                <a:ext cx="302419" cy="228601"/>
+              </a:xfrm>
+              <a:prstGeom prst="rect">
+                <a:avLst/>
+              </a:prstGeom>
+              <a:gradFill flip="none" rotWithShape="1">
+                <a:gsLst>
+                  <a:gs pos="0">
+                    <a:srgbClr val="FFFFFF">
+                      <a:lumMod val="85000"/>
+                    </a:srgbClr>
+                  </a:gs>
+                  <a:gs pos="63000">
+                    <a:srgbClr val="FFFFFF">
+                      <a:lumMod val="65000"/>
+                    </a:srgbClr>
+                  </a:gs>
+                </a:gsLst>
+                <a:lin ang="5400000" scaled="0"/>
+                <a:tileRect/>
+              </a:gradFill>
+              <a:ln w="3175">
+                <a:solidFill>
+                  <a:srgbClr val="000000">
+                    <a:lumMod val="50000"/>
+                    <a:lumOff val="50000"/>
+                  </a:srgbClr>
+                </a:solidFill>
+              </a:ln>
+              <a:effectLst>
+                <a:outerShdw blurRad="63500" sx="102000" sy="102000" algn="ctr" rotWithShape="0">
+                  <a:prstClr val="black">
+                    <a:alpha val="40000"/>
+                  </a:prstClr>
+                </a:outerShdw>
+              </a:effectLst>
+            </p:spPr>
+            <p:style>
+              <a:lnRef idx="2">
+                <a:srgbClr val="4F81BD">
+                  <a:shade val="50000"/>
+                </a:srgbClr>
+              </a:lnRef>
+              <a:fillRef idx="1">
+                <a:srgbClr val="4F81BD"/>
+              </a:fillRef>
+              <a:effectRef idx="0">
+                <a:srgbClr val="4F81BD"/>
+              </a:effectRef>
+              <a:fontRef idx="minor">
+                <a:srgbClr val="000000"/>
+              </a:fontRef>
+            </p:style>
+            <p:txBody>
+              <a:bodyPr rtlCol="0" anchor="ctr"/>
+              <a:lstStyle/>
+              <a:p>
+                <a:pPr algn="ctr"/>
+                <a:endParaRPr lang="en-US"/>
+              </a:p>
+            </p:txBody>
+          </p:sp>
+          <p:sp>
+            <p:nvSpPr>
+              <p:cNvPr id="52" name="Rectangle 32"/>
+              <p:cNvSpPr/>
+              <p:nvPr/>
+            </p:nvSpPr>
+            <p:spPr>
+              <a:xfrm>
+                <a:off x="1145381" y="6255544"/>
+                <a:ext cx="223838" cy="123825"/>
+              </a:xfrm>
+              <a:prstGeom prst="rect">
+                <a:avLst/>
+              </a:prstGeom>
+              <a:gradFill flip="none" rotWithShape="1">
+                <a:gsLst>
+                  <a:gs pos="91000">
+                    <a:srgbClr val="FFFFFF">
+                      <a:lumMod val="85000"/>
+                    </a:srgbClr>
+                  </a:gs>
+                  <a:gs pos="36000">
+                    <a:srgbClr val="FFFFFF">
+                      <a:lumMod val="95000"/>
+                    </a:srgbClr>
+                  </a:gs>
+                  <a:gs pos="100000">
+                    <a:srgbClr val="FFFFFF">
+                      <a:lumMod val="95000"/>
+                    </a:srgbClr>
+                  </a:gs>
+                </a:gsLst>
+                <a:lin ang="5400000" scaled="0"/>
+                <a:tileRect/>
+              </a:gradFill>
+              <a:ln w="3175">
+                <a:solidFill>
+                  <a:srgbClr val="000000">
+                    <a:lumMod val="50000"/>
+                    <a:lumOff val="50000"/>
+                  </a:srgbClr>
+                </a:solidFill>
+              </a:ln>
+              <a:effectLst>
+                <a:outerShdw blurRad="63500" sx="102000" sy="102000" algn="ctr" rotWithShape="0">
+                  <a:prstClr val="black">
+                    <a:alpha val="40000"/>
+                  </a:prstClr>
+                </a:outerShdw>
+              </a:effectLst>
+            </p:spPr>
+            <p:style>
+              <a:lnRef idx="2">
+                <a:srgbClr val="4F81BD">
+                  <a:shade val="50000"/>
+                </a:srgbClr>
+              </a:lnRef>
+              <a:fillRef idx="1">
+                <a:srgbClr val="4F81BD"/>
+              </a:fillRef>
+              <a:effectRef idx="0">
+                <a:srgbClr val="4F81BD"/>
+              </a:effectRef>
+              <a:fontRef idx="minor">
+                <a:srgbClr val="000000"/>
+              </a:fontRef>
+            </p:style>
+            <p:txBody>
+              <a:bodyPr rtlCol="0" anchor="ctr"/>
+              <a:lstStyle/>
+              <a:p>
+                <a:pPr algn="ctr"/>
+                <a:endParaRPr lang="en-US"/>
+              </a:p>
+            </p:txBody>
+          </p:sp>
+        </p:grpSp>
+        <p:sp>
+          <p:nvSpPr>
+            <p:cNvPr id="28" name="Rounded Rectangle 8"/>
+            <p:cNvSpPr/>
+            <p:nvPr/>
+          </p:nvSpPr>
+          <p:spPr>
+            <a:xfrm>
+              <a:off x="1723803" y="6483105"/>
+              <a:ext cx="592013" cy="365760"/>
+            </a:xfrm>
+            <a:prstGeom prst="roundRect">
+              <a:avLst>
+                <a:gd name="adj" fmla="val 6250"/>
+              </a:avLst>
+            </a:prstGeom>
+            <a:gradFill flip="none" rotWithShape="1">
+              <a:gsLst>
+                <a:gs pos="32000">
+                  <a:srgbClr val="FFFFFF"/>
+                </a:gs>
+                <a:gs pos="81000">
+                  <a:srgbClr val="FFFFFF">
+                    <a:lumMod val="95000"/>
+                    <a:alpha val="19000"/>
+                  </a:srgbClr>
+                </a:gs>
+              </a:gsLst>
+              <a:lin ang="3900000" scaled="0"/>
+              <a:tileRect/>
+            </a:gradFill>
+            <a:ln w="3175">
+              <a:solidFill>
+                <a:srgbClr val="000000">
+                  <a:alpha val="56000"/>
+                </a:srgbClr>
+              </a:solidFill>
+            </a:ln>
+            <a:effectLst/>
+          </p:spPr>
+          <p:style>
+            <a:lnRef idx="2">
+              <a:srgbClr val="4F81BD">
+                <a:shade val="50000"/>
+              </a:srgbClr>
+            </a:lnRef>
+            <a:fillRef idx="1">
+              <a:srgbClr val="4F81BD"/>
+            </a:fillRef>
+            <a:effectRef idx="0">
+              <a:srgbClr val="4F81BD"/>
+            </a:effectRef>
+            <a:fontRef idx="minor">
+              <a:srgbClr val="000000"/>
+            </a:fontRef>
+          </p:style>
+          <p:txBody>
+            <a:bodyPr lIns="97531" tIns="48766" rIns="97531" bIns="48766" rtlCol="0" anchor="ctr"/>
+            <a:lstStyle/>
+            <a:p>
+              <a:pPr algn="ctr"/>
+              <a:endParaRPr lang="en-US" dirty="0"/>
+            </a:p>
+          </p:txBody>
+        </p:sp>
+        <p:sp>
+          <p:nvSpPr>
+            <p:cNvPr id="29" name="Rounded Rectangle 9"/>
+            <p:cNvSpPr/>
+            <p:nvPr/>
+          </p:nvSpPr>
+          <p:spPr>
+            <a:xfrm>
+              <a:off x="1723804" y="6483090"/>
+              <a:ext cx="553901" cy="365760"/>
+            </a:xfrm>
+            <a:prstGeom prst="roundRect">
+              <a:avLst>
+                <a:gd name="adj" fmla="val 6250"/>
+              </a:avLst>
+            </a:prstGeom>
+            <a:gradFill flip="none" rotWithShape="1">
+              <a:gsLst>
+                <a:gs pos="32000">
+                  <a:srgbClr val="FFFFFF"/>
+                </a:gs>
+                <a:gs pos="81000">
+                  <a:srgbClr val="FFFFFF">
+                    <a:lumMod val="95000"/>
+                    <a:alpha val="19000"/>
+                  </a:srgbClr>
+                </a:gs>
+              </a:gsLst>
+              <a:lin ang="3900000" scaled="0"/>
+              <a:tileRect/>
+            </a:gradFill>
+            <a:ln w="3175">
+              <a:solidFill>
+                <a:srgbClr val="000000">
+                  <a:alpha val="56000"/>
+                </a:srgbClr>
+              </a:solidFill>
+            </a:ln>
+            <a:effectLst/>
+          </p:spPr>
+          <p:style>
+            <a:lnRef idx="2">
+              <a:srgbClr val="4F81BD">
+                <a:shade val="50000"/>
+              </a:srgbClr>
+            </a:lnRef>
+            <a:fillRef idx="1">
+              <a:srgbClr val="4F81BD"/>
+            </a:fillRef>
+            <a:effectRef idx="0">
+              <a:srgbClr val="4F81BD"/>
+            </a:effectRef>
+            <a:fontRef idx="minor">
+              <a:srgbClr val="000000"/>
+            </a:fontRef>
+          </p:style>
+          <p:txBody>
+            <a:bodyPr lIns="97531" tIns="48766" rIns="97531" bIns="48766" rtlCol="0" anchor="ctr"/>
+            <a:lstStyle/>
+            <a:p>
+              <a:pPr algn="ctr"/>
+              <a:endParaRPr lang="en-US" dirty="0"/>
+            </a:p>
+          </p:txBody>
+        </p:sp>
+        <p:sp>
+          <p:nvSpPr>
+            <p:cNvPr id="30" name="Rounded Rectangle 10"/>
+            <p:cNvSpPr/>
+            <p:nvPr/>
+          </p:nvSpPr>
+          <p:spPr>
+            <a:xfrm>
+              <a:off x="1723802" y="6483090"/>
+              <a:ext cx="515788" cy="365760"/>
+            </a:xfrm>
+            <a:prstGeom prst="roundRect">
+              <a:avLst>
+                <a:gd name="adj" fmla="val 6250"/>
+              </a:avLst>
+            </a:prstGeom>
+            <a:gradFill flip="none" rotWithShape="1">
+              <a:gsLst>
+                <a:gs pos="24000">
+                  <a:srgbClr val="FFFFFF">
+                    <a:alpha val="50000"/>
+                  </a:srgbClr>
+                </a:gs>
+                <a:gs pos="60000">
+                  <a:srgbClr val="FFFFFF">
+                    <a:lumMod val="95000"/>
+                    <a:alpha val="24000"/>
+                  </a:srgbClr>
+                </a:gs>
+              </a:gsLst>
+              <a:lin ang="3900000" scaled="0"/>
+              <a:tileRect/>
+            </a:gradFill>
+            <a:ln w="3175">
+              <a:solidFill>
+                <a:srgbClr val="000000">
+                  <a:alpha val="63000"/>
+                </a:srgbClr>
+              </a:solidFill>
+            </a:ln>
+            <a:effectLst/>
+          </p:spPr>
+          <p:style>
+            <a:lnRef idx="2">
+              <a:srgbClr val="4F81BD">
+                <a:shade val="50000"/>
+              </a:srgbClr>
+            </a:lnRef>
+            <a:fillRef idx="1">
+              <a:srgbClr val="4F81BD"/>
+            </a:fillRef>
+            <a:effectRef idx="0">
+              <a:srgbClr val="4F81BD"/>
+            </a:effectRef>
+            <a:fontRef idx="minor">
+              <a:srgbClr val="000000"/>
+            </a:fontRef>
+          </p:style>
+          <p:txBody>
+            <a:bodyPr lIns="97531" tIns="48766" rIns="97531" bIns="48766" rtlCol="0" anchor="ctr"/>
+            <a:lstStyle/>
+            <a:p>
+              <a:pPr algn="ctr"/>
+              <a:endParaRPr lang="en-US" dirty="0"/>
+            </a:p>
+          </p:txBody>
+        </p:sp>
+        <p:grpSp>
+          <p:nvGrpSpPr>
+            <p:cNvPr id="31" name="Group 11"/>
+            <p:cNvGrpSpPr/>
+            <p:nvPr/>
+          </p:nvGrpSpPr>
+          <p:grpSpPr>
+            <a:xfrm>
+              <a:off x="1817816" y="6536431"/>
+              <a:ext cx="322685" cy="271780"/>
+              <a:chOff x="1109662" y="6184106"/>
+              <a:chExt cx="302419" cy="228601"/>
+            </a:xfrm>
+          </p:grpSpPr>
+          <p:sp>
+            <p:nvSpPr>
+              <p:cNvPr id="49" name="Rectangle 29"/>
+              <p:cNvSpPr/>
+              <p:nvPr/>
+            </p:nvSpPr>
+            <p:spPr>
+              <a:xfrm>
+                <a:off x="1109662" y="6184106"/>
+                <a:ext cx="302419" cy="228601"/>
+              </a:xfrm>
+              <a:prstGeom prst="rect">
+                <a:avLst/>
+              </a:prstGeom>
+              <a:gradFill flip="none" rotWithShape="1">
+                <a:gsLst>
+                  <a:gs pos="0">
+                    <a:srgbClr val="FFFFFF">
+                      <a:lumMod val="85000"/>
+                    </a:srgbClr>
+                  </a:gs>
+                  <a:gs pos="63000">
+                    <a:srgbClr val="FFFFFF">
+                      <a:lumMod val="65000"/>
+                    </a:srgbClr>
+                  </a:gs>
+                </a:gsLst>
+                <a:lin ang="5400000" scaled="0"/>
+                <a:tileRect/>
+              </a:gradFill>
+              <a:ln w="3175">
+                <a:solidFill>
+                  <a:srgbClr val="000000">
+                    <a:lumMod val="50000"/>
+                    <a:lumOff val="50000"/>
+                  </a:srgbClr>
+                </a:solidFill>
+              </a:ln>
+              <a:effectLst>
+                <a:outerShdw blurRad="63500" sx="102000" sy="102000" algn="ctr" rotWithShape="0">
+                  <a:prstClr val="black">
+                    <a:alpha val="40000"/>
+                  </a:prstClr>
+                </a:outerShdw>
+              </a:effectLst>
+            </p:spPr>
+            <p:style>
+              <a:lnRef idx="2">
+                <a:srgbClr val="4F81BD">
+                  <a:shade val="50000"/>
+                </a:srgbClr>
+              </a:lnRef>
+              <a:fillRef idx="1">
+                <a:srgbClr val="4F81BD"/>
+              </a:fillRef>
+              <a:effectRef idx="0">
+                <a:srgbClr val="4F81BD"/>
+              </a:effectRef>
+              <a:fontRef idx="minor">
+                <a:srgbClr val="000000"/>
+              </a:fontRef>
+            </p:style>
+            <p:txBody>
+              <a:bodyPr rtlCol="0" anchor="ctr"/>
+              <a:lstStyle/>
+              <a:p>
+                <a:pPr algn="ctr"/>
+                <a:endParaRPr lang="en-US"/>
+              </a:p>
+            </p:txBody>
+          </p:sp>
+          <p:sp>
+            <p:nvSpPr>
+              <p:cNvPr id="50" name="Rectangle 30"/>
+              <p:cNvSpPr/>
+              <p:nvPr/>
+            </p:nvSpPr>
+            <p:spPr>
+              <a:xfrm>
+                <a:off x="1145381" y="6255544"/>
+                <a:ext cx="223838" cy="123825"/>
+              </a:xfrm>
+              <a:prstGeom prst="rect">
+                <a:avLst/>
+              </a:prstGeom>
+              <a:gradFill flip="none" rotWithShape="1">
+                <a:gsLst>
+                  <a:gs pos="91000">
+                    <a:srgbClr val="FFFFFF">
+                      <a:lumMod val="85000"/>
+                    </a:srgbClr>
+                  </a:gs>
+                  <a:gs pos="36000">
+                    <a:srgbClr val="FFFFFF">
+                      <a:lumMod val="95000"/>
+                    </a:srgbClr>
+                  </a:gs>
+                  <a:gs pos="100000">
+                    <a:srgbClr val="FFFFFF">
+                      <a:lumMod val="95000"/>
+                    </a:srgbClr>
+                  </a:gs>
+                </a:gsLst>
+                <a:lin ang="5400000" scaled="0"/>
+                <a:tileRect/>
+              </a:gradFill>
+              <a:ln w="3175">
+                <a:solidFill>
+                  <a:srgbClr val="000000">
+                    <a:lumMod val="50000"/>
+                    <a:lumOff val="50000"/>
+                  </a:srgbClr>
+                </a:solidFill>
+              </a:ln>
+              <a:effectLst>
+                <a:outerShdw blurRad="63500" sx="102000" sy="102000" algn="ctr" rotWithShape="0">
+                  <a:prstClr val="black">
+                    <a:alpha val="40000"/>
+                  </a:prstClr>
+                </a:outerShdw>
+              </a:effectLst>
+            </p:spPr>
+            <p:style>
+              <a:lnRef idx="2">
+                <a:srgbClr val="4F81BD">
+                  <a:shade val="50000"/>
+                </a:srgbClr>
+              </a:lnRef>
+              <a:fillRef idx="1">
+                <a:srgbClr val="4F81BD"/>
+              </a:fillRef>
+              <a:effectRef idx="0">
+                <a:srgbClr val="4F81BD"/>
+              </a:effectRef>
+              <a:fontRef idx="minor">
+                <a:srgbClr val="000000"/>
+              </a:fontRef>
+            </p:style>
+            <p:txBody>
+              <a:bodyPr rtlCol="0" anchor="ctr"/>
+              <a:lstStyle/>
+              <a:p>
+                <a:pPr algn="ctr"/>
+                <a:endParaRPr lang="en-US"/>
+              </a:p>
+            </p:txBody>
+          </p:sp>
+        </p:grpSp>
+        <p:sp>
+          <p:nvSpPr>
+            <p:cNvPr id="32" name="Oval 12"/>
+            <p:cNvSpPr/>
+            <p:nvPr/>
+          </p:nvSpPr>
+          <p:spPr>
+            <a:xfrm>
+              <a:off x="3166509" y="6549234"/>
+              <a:ext cx="223593" cy="227428"/>
+            </a:xfrm>
+            <a:prstGeom prst="ellipse">
+              <a:avLst/>
+            </a:prstGeom>
+            <a:gradFill flip="none" rotWithShape="1">
+              <a:gsLst>
+                <a:gs pos="91000">
+                  <a:srgbClr val="FFFFFF">
+                    <a:lumMod val="85000"/>
+                  </a:srgbClr>
+                </a:gs>
+                <a:gs pos="36000">
+                  <a:srgbClr val="FFFFFF">
+                    <a:lumMod val="95000"/>
+                  </a:srgbClr>
+                </a:gs>
+                <a:gs pos="100000">
+                  <a:srgbClr val="FFFFFF">
+                    <a:lumMod val="95000"/>
+                  </a:srgbClr>
+                </a:gs>
+              </a:gsLst>
+              <a:lin ang="5400000" scaled="0"/>
+              <a:tileRect/>
+            </a:gradFill>
+            <a:ln w="3175">
+              <a:solidFill>
+                <a:srgbClr val="000000">
+                  <a:lumMod val="50000"/>
+                  <a:lumOff val="50000"/>
+                </a:srgbClr>
+              </a:solidFill>
+            </a:ln>
+            <a:effectLst>
+              <a:outerShdw blurRad="63500" sx="102000" sy="102000" algn="ctr" rotWithShape="0">
+                <a:prstClr val="black">
+                  <a:alpha val="40000"/>
+                </a:prstClr>
+              </a:outerShdw>
+            </a:effectLst>
+          </p:spPr>
+          <p:style>
+            <a:lnRef idx="2">
+              <a:srgbClr val="4F81BD">
+                <a:shade val="50000"/>
+              </a:srgbClr>
+            </a:lnRef>
+            <a:fillRef idx="1">
+              <a:srgbClr val="4F81BD"/>
+            </a:fillRef>
+            <a:effectRef idx="0">
+              <a:srgbClr val="4F81BD"/>
+            </a:effectRef>
+            <a:fontRef idx="minor">
+              <a:srgbClr val="000000"/>
+            </a:fontRef>
+          </p:style>
+          <p:txBody>
+            <a:bodyPr lIns="97531" tIns="48766" rIns="97531" bIns="48766" rtlCol="0" anchor="ctr"/>
+            <a:lstStyle/>
+            <a:p>
+              <a:pPr algn="ctr"/>
+              <a:endParaRPr lang="en-US"/>
+            </a:p>
+          </p:txBody>
+        </p:sp>
+        <p:sp>
+          <p:nvSpPr>
+            <p:cNvPr id="33" name="Oval 13"/>
+            <p:cNvSpPr/>
+            <p:nvPr/>
+          </p:nvSpPr>
+          <p:spPr>
+            <a:xfrm>
+              <a:off x="1265973" y="6559394"/>
+              <a:ext cx="223593" cy="227428"/>
+            </a:xfrm>
+            <a:prstGeom prst="ellipse">
+              <a:avLst/>
+            </a:prstGeom>
+            <a:gradFill flip="none" rotWithShape="1">
+              <a:gsLst>
+                <a:gs pos="91000">
+                  <a:srgbClr val="FFFFFF">
+                    <a:lumMod val="85000"/>
+                  </a:srgbClr>
+                </a:gs>
+                <a:gs pos="36000">
+                  <a:srgbClr val="FFFFFF">
+                    <a:lumMod val="95000"/>
+                  </a:srgbClr>
+                </a:gs>
+                <a:gs pos="100000">
+                  <a:srgbClr val="FFFFFF">
+                    <a:lumMod val="95000"/>
+                  </a:srgbClr>
+                </a:gs>
+              </a:gsLst>
+              <a:lin ang="5400000" scaled="0"/>
+              <a:tileRect/>
+            </a:gradFill>
+            <a:ln w="3175">
+              <a:solidFill>
+                <a:srgbClr val="000000">
+                  <a:lumMod val="50000"/>
+                  <a:lumOff val="50000"/>
+                </a:srgbClr>
+              </a:solidFill>
+            </a:ln>
+            <a:effectLst>
+              <a:outerShdw blurRad="63500" sx="102000" sy="102000" algn="ctr" rotWithShape="0">
+                <a:prstClr val="black">
+                  <a:alpha val="40000"/>
+                </a:prstClr>
+              </a:outerShdw>
+            </a:effectLst>
+          </p:spPr>
+          <p:style>
+            <a:lnRef idx="2">
+              <a:srgbClr val="4F81BD">
+                <a:shade val="50000"/>
+              </a:srgbClr>
+            </a:lnRef>
+            <a:fillRef idx="1">
+              <a:srgbClr val="4F81BD"/>
+            </a:fillRef>
+            <a:effectRef idx="0">
+              <a:srgbClr val="4F81BD"/>
+            </a:effectRef>
+            <a:fontRef idx="minor">
+              <a:srgbClr val="000000"/>
+            </a:fontRef>
+          </p:style>
+          <p:txBody>
+            <a:bodyPr lIns="97531" tIns="48766" rIns="97531" bIns="48766" rtlCol="0" anchor="ctr"/>
+            <a:lstStyle/>
+            <a:p>
+              <a:pPr algn="ctr"/>
+              <a:endParaRPr lang="en-US"/>
+            </a:p>
+          </p:txBody>
+        </p:sp>
+        <p:sp>
+          <p:nvSpPr>
+            <p:cNvPr id="34" name="Isosceles Triangle 14"/>
+            <p:cNvSpPr/>
+            <p:nvPr/>
+          </p:nvSpPr>
+          <p:spPr>
+            <a:xfrm>
+              <a:off x="7644400" y="6667460"/>
+              <a:ext cx="98333" cy="58980"/>
+            </a:xfrm>
+            <a:prstGeom prst="triangle">
+              <a:avLst/>
+            </a:prstGeom>
+            <a:solidFill>
+              <a:srgbClr val="FFFFFF"/>
+            </a:solidFill>
+            <a:ln w="6350">
+              <a:noFill/>
+            </a:ln>
+            <a:effectLst>
+              <a:outerShdw blurRad="63500" sx="102000" sy="102000" algn="ctr" rotWithShape="0">
+                <a:prstClr val="black">
+                  <a:alpha val="40000"/>
+                </a:prstClr>
+              </a:outerShdw>
+            </a:effectLst>
+          </p:spPr>
+          <p:style>
+            <a:lnRef idx="2">
+              <a:srgbClr val="4F81BD">
+                <a:shade val="50000"/>
+              </a:srgbClr>
+            </a:lnRef>
+            <a:fillRef idx="1">
+              <a:srgbClr val="4F81BD"/>
+            </a:fillRef>
+            <a:effectRef idx="0">
+              <a:srgbClr val="4F81BD"/>
+            </a:effectRef>
+            <a:fontRef idx="minor">
+              <a:srgbClr val="000000"/>
+            </a:fontRef>
+          </p:style>
+          <p:txBody>
+            <a:bodyPr lIns="97531" tIns="48766" rIns="97531" bIns="48766" rtlCol="0" anchor="ctr"/>
+            <a:lstStyle/>
+            <a:p>
+              <a:pPr algn="ctr"/>
+              <a:endParaRPr lang="en-US" dirty="0"/>
+            </a:p>
+          </p:txBody>
+        </p:sp>
+        <p:sp>
+          <p:nvSpPr>
+            <p:cNvPr id="35" name="Rounded Rectangle 15"/>
+            <p:cNvSpPr/>
+            <p:nvPr/>
+          </p:nvSpPr>
+          <p:spPr>
+            <a:xfrm>
+              <a:off x="3601028" y="6482015"/>
+              <a:ext cx="587821" cy="365760"/>
+            </a:xfrm>
+            <a:prstGeom prst="roundRect">
+              <a:avLst>
+                <a:gd name="adj" fmla="val 6250"/>
+              </a:avLst>
+            </a:prstGeom>
+            <a:noFill/>
+            <a:ln w="3175">
+              <a:solidFill>
+                <a:srgbClr val="FFFFFF">
+                  <a:alpha val="56000"/>
+                </a:srgbClr>
+              </a:solidFill>
+            </a:ln>
+            <a:effectLst/>
+          </p:spPr>
+          <p:style>
+            <a:lnRef idx="2">
+              <a:srgbClr val="4F81BD">
+                <a:shade val="50000"/>
+              </a:srgbClr>
+            </a:lnRef>
+            <a:fillRef idx="1">
+              <a:srgbClr val="4F81BD"/>
+            </a:fillRef>
+            <a:effectRef idx="0">
+              <a:srgbClr val="4F81BD"/>
+            </a:effectRef>
+            <a:fontRef idx="minor">
+              <a:srgbClr val="000000"/>
+            </a:fontRef>
+          </p:style>
+          <p:txBody>
+            <a:bodyPr lIns="97531" tIns="48766" rIns="97531" bIns="48766" rtlCol="0" anchor="ctr"/>
+            <a:lstStyle/>
+            <a:p>
+              <a:pPr algn="ctr"/>
+              <a:endParaRPr lang="en-US" dirty="0"/>
+            </a:p>
+          </p:txBody>
+        </p:sp>
+        <p:sp>
+          <p:nvSpPr>
+            <p:cNvPr id="36" name="Rounded Rectangle 16"/>
+            <p:cNvSpPr/>
+            <p:nvPr/>
+          </p:nvSpPr>
+          <p:spPr>
+            <a:xfrm>
+              <a:off x="3603586" y="6482032"/>
+              <a:ext cx="549249" cy="365760"/>
+            </a:xfrm>
+            <a:prstGeom prst="roundRect">
+              <a:avLst>
+                <a:gd name="adj" fmla="val 6250"/>
+              </a:avLst>
+            </a:prstGeom>
+            <a:noFill/>
+            <a:ln w="3175">
+              <a:solidFill>
+                <a:srgbClr val="FFFFFF">
+                  <a:alpha val="56000"/>
+                </a:srgbClr>
+              </a:solidFill>
+            </a:ln>
+            <a:effectLst/>
+          </p:spPr>
+          <p:style>
+            <a:lnRef idx="2">
+              <a:srgbClr val="4F81BD">
+                <a:shade val="50000"/>
+              </a:srgbClr>
+            </a:lnRef>
+            <a:fillRef idx="1">
+              <a:srgbClr val="4F81BD"/>
+            </a:fillRef>
+            <a:effectRef idx="0">
+              <a:srgbClr val="4F81BD"/>
+            </a:effectRef>
+            <a:fontRef idx="minor">
+              <a:srgbClr val="000000"/>
+            </a:fontRef>
+          </p:style>
+          <p:txBody>
+            <a:bodyPr lIns="97531" tIns="48766" rIns="97531" bIns="48766" rtlCol="0" anchor="ctr"/>
+            <a:lstStyle/>
+            <a:p>
+              <a:pPr algn="ctr"/>
+              <a:endParaRPr lang="en-US" dirty="0"/>
+            </a:p>
+          </p:txBody>
+        </p:sp>
+        <p:sp>
+          <p:nvSpPr>
+            <p:cNvPr id="37" name="Rounded Rectangle 17"/>
+            <p:cNvSpPr/>
+            <p:nvPr/>
+          </p:nvSpPr>
+          <p:spPr>
+            <a:xfrm>
+              <a:off x="3603585" y="6484573"/>
+              <a:ext cx="508594" cy="365760"/>
+            </a:xfrm>
+            <a:prstGeom prst="roundRect">
+              <a:avLst>
+                <a:gd name="adj" fmla="val 6250"/>
+              </a:avLst>
+            </a:prstGeom>
+            <a:gradFill flip="none" rotWithShape="1">
+              <a:gsLst>
+                <a:gs pos="26000">
+                  <a:srgbClr val="FFFFFF">
+                    <a:alpha val="33000"/>
+                  </a:srgbClr>
+                </a:gs>
+                <a:gs pos="52000">
+                  <a:srgbClr val="FFFFFF">
+                    <a:lumMod val="95000"/>
+                    <a:alpha val="0"/>
+                  </a:srgbClr>
+                </a:gs>
+              </a:gsLst>
+              <a:lin ang="3900000" scaled="0"/>
+              <a:tileRect/>
+            </a:gradFill>
+            <a:ln w="3175">
+              <a:solidFill>
+                <a:srgbClr val="FFFFFF">
+                  <a:alpha val="56000"/>
+                </a:srgbClr>
+              </a:solidFill>
+            </a:ln>
+            <a:effectLst/>
+          </p:spPr>
+          <p:style>
+            <a:lnRef idx="2">
+              <a:srgbClr val="4F81BD">
+                <a:shade val="50000"/>
+              </a:srgbClr>
+            </a:lnRef>
+            <a:fillRef idx="1">
+              <a:srgbClr val="4F81BD"/>
+            </a:fillRef>
+            <a:effectRef idx="0">
+              <a:srgbClr val="4F81BD"/>
+            </a:effectRef>
+            <a:fontRef idx="minor">
+              <a:srgbClr val="000000"/>
+            </a:fontRef>
+          </p:style>
+          <p:txBody>
+            <a:bodyPr lIns="97531" tIns="48766" rIns="97531" bIns="48766" rtlCol="0" anchor="ctr"/>
+            <a:lstStyle/>
+            <a:p>
+              <a:pPr algn="ctr"/>
+              <a:endParaRPr lang="en-US" dirty="0"/>
+            </a:p>
+          </p:txBody>
+        </p:sp>
+        <p:grpSp>
+          <p:nvGrpSpPr>
+            <p:cNvPr id="38" name="Group 18"/>
+            <p:cNvGrpSpPr/>
+            <p:nvPr/>
+          </p:nvGrpSpPr>
+          <p:grpSpPr>
+            <a:xfrm>
+              <a:off x="3692948" y="6536430"/>
+              <a:ext cx="322685" cy="271780"/>
+              <a:chOff x="1109662" y="6184106"/>
+              <a:chExt cx="302419" cy="228601"/>
+            </a:xfrm>
+          </p:grpSpPr>
+          <p:sp>
+            <p:nvSpPr>
+              <p:cNvPr id="47" name="Rectangle 27"/>
+              <p:cNvSpPr/>
+              <p:nvPr/>
+            </p:nvSpPr>
+            <p:spPr>
+              <a:xfrm>
+                <a:off x="1109662" y="6184106"/>
+                <a:ext cx="302419" cy="228601"/>
+              </a:xfrm>
+              <a:prstGeom prst="rect">
+                <a:avLst/>
+              </a:prstGeom>
+              <a:gradFill flip="none" rotWithShape="1">
+                <a:gsLst>
+                  <a:gs pos="0">
+                    <a:srgbClr val="FFFFFF">
+                      <a:lumMod val="85000"/>
+                    </a:srgbClr>
+                  </a:gs>
+                  <a:gs pos="63000">
+                    <a:srgbClr val="FFFFFF">
+                      <a:lumMod val="65000"/>
+                    </a:srgbClr>
+                  </a:gs>
+                </a:gsLst>
+                <a:lin ang="5400000" scaled="0"/>
+                <a:tileRect/>
+              </a:gradFill>
+              <a:ln w="3175">
+                <a:solidFill>
+                  <a:srgbClr val="000000">
+                    <a:lumMod val="50000"/>
+                    <a:lumOff val="50000"/>
+                  </a:srgbClr>
+                </a:solidFill>
+              </a:ln>
+              <a:effectLst>
+                <a:outerShdw blurRad="63500" sx="102000" sy="102000" algn="ctr" rotWithShape="0">
+                  <a:prstClr val="black">
+                    <a:alpha val="40000"/>
+                  </a:prstClr>
+                </a:outerShdw>
+              </a:effectLst>
+            </p:spPr>
+            <p:style>
+              <a:lnRef idx="2">
+                <a:srgbClr val="4F81BD">
+                  <a:shade val="50000"/>
+                </a:srgbClr>
+              </a:lnRef>
+              <a:fillRef idx="1">
+                <a:srgbClr val="4F81BD"/>
+              </a:fillRef>
+              <a:effectRef idx="0">
+                <a:srgbClr val="4F81BD"/>
+              </a:effectRef>
+              <a:fontRef idx="minor">
+                <a:srgbClr val="000000"/>
+              </a:fontRef>
+            </p:style>
+            <p:txBody>
+              <a:bodyPr rtlCol="0" anchor="ctr"/>
+              <a:lstStyle/>
+              <a:p>
+                <a:pPr algn="ctr"/>
+                <a:endParaRPr lang="en-US"/>
+              </a:p>
+            </p:txBody>
+          </p:sp>
+          <p:sp>
+            <p:nvSpPr>
+              <p:cNvPr id="48" name="Rectangle 28"/>
+              <p:cNvSpPr/>
+              <p:nvPr/>
+            </p:nvSpPr>
+            <p:spPr>
+              <a:xfrm>
+                <a:off x="1145381" y="6255544"/>
+                <a:ext cx="223838" cy="123825"/>
+              </a:xfrm>
+              <a:prstGeom prst="rect">
+                <a:avLst/>
+              </a:prstGeom>
+              <a:gradFill flip="none" rotWithShape="1">
+                <a:gsLst>
+                  <a:gs pos="91000">
+                    <a:srgbClr val="FFFFFF">
+                      <a:lumMod val="85000"/>
+                    </a:srgbClr>
+                  </a:gs>
+                  <a:gs pos="36000">
+                    <a:srgbClr val="FFFFFF">
+                      <a:lumMod val="95000"/>
+                    </a:srgbClr>
+                  </a:gs>
+                  <a:gs pos="100000">
+                    <a:srgbClr val="FFFFFF">
+                      <a:lumMod val="95000"/>
+                    </a:srgbClr>
+                  </a:gs>
+                </a:gsLst>
+                <a:lin ang="5400000" scaled="0"/>
+                <a:tileRect/>
+              </a:gradFill>
+              <a:ln w="3175">
+                <a:solidFill>
+                  <a:srgbClr val="000000">
+                    <a:lumMod val="50000"/>
+                    <a:lumOff val="50000"/>
+                  </a:srgbClr>
+                </a:solidFill>
+              </a:ln>
+              <a:effectLst>
+                <a:outerShdw blurRad="63500" sx="102000" sy="102000" algn="ctr" rotWithShape="0">
+                  <a:prstClr val="black">
+                    <a:alpha val="40000"/>
+                  </a:prstClr>
+                </a:outerShdw>
+              </a:effectLst>
+            </p:spPr>
+            <p:style>
+              <a:lnRef idx="2">
+                <a:srgbClr val="4F81BD">
+                  <a:shade val="50000"/>
+                </a:srgbClr>
+              </a:lnRef>
+              <a:fillRef idx="1">
+                <a:srgbClr val="4F81BD"/>
+              </a:fillRef>
+              <a:effectRef idx="0">
+                <a:srgbClr val="4F81BD"/>
+              </a:effectRef>
+              <a:fontRef idx="minor">
+                <a:srgbClr val="000000"/>
+              </a:fontRef>
+            </p:style>
+            <p:txBody>
+              <a:bodyPr rtlCol="0" anchor="ctr"/>
+              <a:lstStyle/>
+              <a:p>
+                <a:pPr algn="ctr"/>
+                <a:endParaRPr lang="en-US"/>
+              </a:p>
+            </p:txBody>
+          </p:sp>
+        </p:grpSp>
+        <p:sp>
+          <p:nvSpPr>
+            <p:cNvPr id="39" name="Rectangle 19"/>
+            <p:cNvSpPr/>
+            <p:nvPr/>
+          </p:nvSpPr>
+          <p:spPr>
+            <a:xfrm>
+              <a:off x="9017402" y="6483090"/>
+              <a:ext cx="124793" cy="361482"/>
+            </a:xfrm>
+            <a:prstGeom prst="rect">
+              <a:avLst/>
+            </a:prstGeom>
+            <a:gradFill>
+              <a:gsLst>
+                <a:gs pos="0">
+                  <a:srgbClr val="FFFFFF">
+                    <a:alpha val="84000"/>
+                  </a:srgbClr>
+                </a:gs>
+                <a:gs pos="32000">
+                  <a:srgbClr val="FFFFFF">
+                    <a:alpha val="0"/>
+                  </a:srgbClr>
+                </a:gs>
+                <a:gs pos="100000">
+                  <a:srgbClr val="FFFFFF">
+                    <a:alpha val="40000"/>
+                  </a:srgbClr>
+                </a:gs>
+              </a:gsLst>
+              <a:lin ang="3000000" scaled="0"/>
+            </a:gradFill>
+            <a:ln w="3175">
+              <a:solidFill>
+                <a:srgbClr val="FFFFFF">
+                  <a:alpha val="52000"/>
+                </a:srgbClr>
+              </a:solidFill>
+            </a:ln>
+            <a:effectLst/>
+          </p:spPr>
+          <p:style>
+            <a:lnRef idx="2">
+              <a:srgbClr val="4F81BD">
+                <a:shade val="50000"/>
+              </a:srgbClr>
+            </a:lnRef>
+            <a:fillRef idx="1">
+              <a:srgbClr val="4F81BD"/>
+            </a:fillRef>
+            <a:effectRef idx="0">
+              <a:srgbClr val="4F81BD"/>
+            </a:effectRef>
+            <a:fontRef idx="minor">
+              <a:srgbClr val="000000"/>
+            </a:fontRef>
+          </p:style>
+          <p:txBody>
+            <a:bodyPr lIns="97531" tIns="48766" rIns="97531" bIns="48766" rtlCol="0" anchor="ctr"/>
+            <a:lstStyle/>
+            <a:p>
+              <a:pPr algn="ctr"/>
+              <a:endParaRPr lang="en-US" dirty="0">
+                <a:solidFill>
+                  <a:srgbClr val="FFFFFF"/>
+                </a:solidFill>
+              </a:endParaRPr>
+            </a:p>
+          </p:txBody>
+        </p:sp>
+        <p:sp>
+          <p:nvSpPr>
+            <p:cNvPr id="40" name="Rectangle 20"/>
+            <p:cNvSpPr/>
+            <p:nvPr/>
+          </p:nvSpPr>
+          <p:spPr>
+            <a:xfrm>
+              <a:off x="8208306" y="6492546"/>
+              <a:ext cx="724355" cy="375483"/>
+            </a:xfrm>
+            <a:prstGeom prst="rect">
+              <a:avLst/>
+            </a:prstGeom>
+          </p:spPr>
+          <p:txBody>
+            <a:bodyPr wrap="none" lIns="97531" tIns="48766" rIns="97531" bIns="48766">
+              <a:spAutoFit/>
+            </a:bodyPr>
+            <a:lstStyle/>
+            <a:p>
+              <a:pPr algn="just"/>
+              <a:r>
+                <a:rPr lang="en-US" sz="900" dirty="0">
+                  <a:solidFill>
+                    <a:srgbClr val="FFFFFF"/>
+                  </a:solidFill>
+                  <a:latin typeface="Segoe UI" pitchFamily="34" charset="0"/>
+                  <a:cs typeface="Segoe UI" pitchFamily="34" charset="0"/>
+                </a:rPr>
+                <a:t>3:00PM</a:t>
+              </a:r>
+            </a:p>
+            <a:p>
+              <a:pPr algn="just"/>
+              <a:r>
+                <a:rPr lang="en-US" sz="900">
+                  <a:solidFill>
+                    <a:srgbClr val="FFFFFF"/>
+                  </a:solidFill>
+                  <a:latin typeface="Segoe UI" pitchFamily="34" charset="0"/>
+                  <a:cs typeface="Segoe UI" pitchFamily="34" charset="0"/>
+                </a:rPr>
+                <a:t>3/14/2011</a:t>
+              </a:r>
+              <a:endParaRPr lang="en-US" sz="900" dirty="0">
+                <a:solidFill>
+                  <a:srgbClr val="FFFFFF"/>
+                </a:solidFill>
+                <a:latin typeface="Segoe UI" pitchFamily="34" charset="0"/>
+                <a:cs typeface="Segoe UI" pitchFamily="34" charset="0"/>
+              </a:endParaRPr>
+            </a:p>
+          </p:txBody>
+        </p:sp>
+        <p:sp>
+          <p:nvSpPr>
+            <p:cNvPr id="41" name="Oval 21"/>
+            <p:cNvSpPr/>
+            <p:nvPr/>
+          </p:nvSpPr>
+          <p:spPr>
+            <a:xfrm>
+              <a:off x="50149" y="6492812"/>
+              <a:ext cx="355716" cy="342500"/>
+            </a:xfrm>
+            <a:prstGeom prst="ellipse">
+              <a:avLst/>
+            </a:prstGeom>
+            <a:gradFill flip="none" rotWithShape="1">
+              <a:gsLst>
+                <a:gs pos="0">
+                  <a:srgbClr val="FFFFFF">
+                    <a:lumMod val="95000"/>
+                  </a:srgbClr>
+                </a:gs>
+                <a:gs pos="49000">
+                  <a:srgbClr val="FFFFFF">
+                    <a:lumMod val="75000"/>
+                    <a:alpha val="0"/>
+                  </a:srgbClr>
+                </a:gs>
+                <a:gs pos="100000">
+                  <a:srgbClr val="FFFFFF">
+                    <a:lumMod val="95000"/>
+                    <a:alpha val="88000"/>
+                  </a:srgbClr>
+                </a:gs>
+              </a:gsLst>
+              <a:lin ang="5400000" scaled="0"/>
+              <a:tileRect/>
+            </a:gradFill>
+            <a:ln w="3175">
+              <a:solidFill>
+                <a:srgbClr val="FFFFFF">
+                  <a:alpha val="46000"/>
+                </a:srgbClr>
+              </a:solidFill>
+            </a:ln>
+            <a:effectLst>
+              <a:outerShdw blurRad="63500" sx="102000" sy="102000" algn="ctr" rotWithShape="0">
+                <a:prstClr val="black">
+                  <a:alpha val="40000"/>
+                </a:prstClr>
+              </a:outerShdw>
+            </a:effectLst>
+          </p:spPr>
+          <p:style>
+            <a:lnRef idx="2">
+              <a:srgbClr val="4F81BD">
+                <a:shade val="50000"/>
+              </a:srgbClr>
+            </a:lnRef>
+            <a:fillRef idx="1">
+              <a:srgbClr val="4F81BD"/>
+            </a:fillRef>
+            <a:effectRef idx="0">
+              <a:srgbClr val="4F81BD"/>
+            </a:effectRef>
+            <a:fontRef idx="minor">
+              <a:srgbClr val="000000"/>
+            </a:fontRef>
+          </p:style>
+          <p:txBody>
+            <a:bodyPr lIns="97531" tIns="48766" rIns="97531" bIns="48766" rtlCol="0" anchor="ctr"/>
+            <a:lstStyle/>
+            <a:p>
+              <a:pPr algn="ctr"/>
+              <a:endParaRPr lang="en-US"/>
+            </a:p>
+          </p:txBody>
+        </p:sp>
+        <p:grpSp>
+          <p:nvGrpSpPr>
+            <p:cNvPr id="42" name="Group 22"/>
+            <p:cNvGrpSpPr/>
+            <p:nvPr/>
+          </p:nvGrpSpPr>
+          <p:grpSpPr>
+            <a:xfrm>
+              <a:off x="126959" y="6567743"/>
+              <a:ext cx="208519" cy="222370"/>
+              <a:chOff x="4463988" y="6163995"/>
+              <a:chExt cx="208519" cy="222370"/>
+            </a:xfrm>
+          </p:grpSpPr>
+          <p:sp>
+            <p:nvSpPr>
+              <p:cNvPr id="43" name="Flowchart: Stored Data 23"/>
+              <p:cNvSpPr/>
+              <p:nvPr/>
+            </p:nvSpPr>
+            <p:spPr>
+              <a:xfrm rot="6015054">
+                <a:off x="4478523" y="6167039"/>
+                <a:ext cx="97619" cy="91532"/>
+              </a:xfrm>
+              <a:prstGeom prst="flowChartOnlineStorage">
+                <a:avLst/>
+              </a:prstGeom>
+              <a:solidFill>
+                <a:srgbClr val="FFFFFF"/>
+              </a:solidFill>
+              <a:ln>
+                <a:noFill/>
+              </a:ln>
+            </p:spPr>
+            <p:style>
+              <a:lnRef idx="2">
+                <a:srgbClr val="4F81BD">
+                  <a:shade val="50000"/>
+                </a:srgbClr>
+              </a:lnRef>
+              <a:fillRef idx="1">
+                <a:srgbClr val="4F81BD"/>
+              </a:fillRef>
+              <a:effectRef idx="0">
+                <a:srgbClr val="4F81BD"/>
+              </a:effectRef>
+              <a:fontRef idx="minor">
+                <a:srgbClr val="000000"/>
+              </a:fontRef>
+            </p:style>
+            <p:txBody>
+              <a:bodyPr rtlCol="0" anchor="ctr"/>
+              <a:lstStyle/>
+              <a:p>
+                <a:pPr algn="ctr"/>
+                <a:endParaRPr lang="en-US" u="sng">
+                  <a:solidFill>
+                    <a:prstClr val="white"/>
+                  </a:solidFill>
+                </a:endParaRPr>
+              </a:p>
+            </p:txBody>
+          </p:sp>
+          <p:sp>
+            <p:nvSpPr>
+              <p:cNvPr id="44" name="Flowchart: Stored Data 24"/>
+              <p:cNvSpPr/>
+              <p:nvPr/>
+            </p:nvSpPr>
+            <p:spPr>
+              <a:xfrm rot="6015054">
+                <a:off x="4460944" y="6261711"/>
+                <a:ext cx="97619" cy="91532"/>
+              </a:xfrm>
+              <a:prstGeom prst="flowChartOnlineStorage">
+                <a:avLst/>
+              </a:prstGeom>
+              <a:solidFill>
+                <a:srgbClr val="FFFFFF"/>
+              </a:solidFill>
+              <a:ln>
+                <a:noFill/>
+              </a:ln>
+            </p:spPr>
+            <p:style>
+              <a:lnRef idx="2">
+                <a:srgbClr val="4F81BD">
+                  <a:shade val="50000"/>
+                </a:srgbClr>
+              </a:lnRef>
+              <a:fillRef idx="1">
+                <a:srgbClr val="4F81BD"/>
+              </a:fillRef>
+              <a:effectRef idx="0">
+                <a:srgbClr val="4F81BD"/>
+              </a:effectRef>
+              <a:fontRef idx="minor">
+                <a:srgbClr val="000000"/>
+              </a:fontRef>
+            </p:style>
+            <p:txBody>
+              <a:bodyPr rtlCol="0" anchor="ctr"/>
+              <a:lstStyle/>
+              <a:p>
+                <a:pPr algn="ctr"/>
+                <a:endParaRPr lang="en-US" u="sng">
+                  <a:solidFill>
+                    <a:prstClr val="white"/>
+                  </a:solidFill>
+                </a:endParaRPr>
+              </a:p>
+            </p:txBody>
+          </p:sp>
+          <p:sp>
+            <p:nvSpPr>
+              <p:cNvPr id="45" name="Flowchart: Stored Data 25"/>
+              <p:cNvSpPr/>
+              <p:nvPr/>
+            </p:nvSpPr>
+            <p:spPr>
+              <a:xfrm rot="16763420">
+                <a:off x="4579090" y="6197831"/>
+                <a:ext cx="96257" cy="90577"/>
+              </a:xfrm>
+              <a:prstGeom prst="flowChartOnlineStorage">
+                <a:avLst/>
+              </a:prstGeom>
+              <a:solidFill>
+                <a:srgbClr val="FFFFFF"/>
+              </a:solidFill>
+              <a:ln>
+                <a:noFill/>
+              </a:ln>
+            </p:spPr>
+            <p:style>
+              <a:lnRef idx="2">
+                <a:srgbClr val="4F81BD">
+                  <a:shade val="50000"/>
+                </a:srgbClr>
+              </a:lnRef>
+              <a:fillRef idx="1">
+                <a:srgbClr val="4F81BD"/>
+              </a:fillRef>
+              <a:effectRef idx="0">
+                <a:srgbClr val="4F81BD"/>
+              </a:effectRef>
+              <a:fontRef idx="minor">
+                <a:srgbClr val="000000"/>
+              </a:fontRef>
+            </p:style>
+            <p:txBody>
+              <a:bodyPr rtlCol="0" anchor="ctr"/>
+              <a:lstStyle/>
+              <a:p>
+                <a:pPr algn="ctr"/>
+                <a:endParaRPr lang="en-US" u="sng">
+                  <a:solidFill>
+                    <a:prstClr val="white"/>
+                  </a:solidFill>
+                </a:endParaRPr>
+              </a:p>
+            </p:txBody>
+          </p:sp>
+          <p:sp>
+            <p:nvSpPr>
+              <p:cNvPr id="46" name="Flowchart: Stored Data 26"/>
+              <p:cNvSpPr/>
+              <p:nvPr/>
+            </p:nvSpPr>
+            <p:spPr>
+              <a:xfrm rot="16763420">
+                <a:off x="4561764" y="6292267"/>
+                <a:ext cx="97619" cy="90577"/>
+              </a:xfrm>
+              <a:prstGeom prst="flowChartOnlineStorage">
+                <a:avLst/>
+              </a:prstGeom>
+              <a:solidFill>
+                <a:srgbClr val="FFFFFF"/>
+              </a:solidFill>
+              <a:ln>
+                <a:noFill/>
+              </a:ln>
+            </p:spPr>
+            <p:style>
+              <a:lnRef idx="2">
+                <a:srgbClr val="4F81BD">
+                  <a:shade val="50000"/>
+                </a:srgbClr>
+              </a:lnRef>
+              <a:fillRef idx="1">
+                <a:srgbClr val="4F81BD"/>
+              </a:fillRef>
+              <a:effectRef idx="0">
+                <a:srgbClr val="4F81BD"/>
+              </a:effectRef>
+              <a:fontRef idx="minor">
+                <a:srgbClr val="000000"/>
+              </a:fontRef>
+            </p:style>
+            <p:txBody>
+              <a:bodyPr rtlCol="0" anchor="ctr"/>
+              <a:lstStyle/>
+              <a:p>
+                <a:pPr algn="ctr"/>
+                <a:endParaRPr lang="en-US" u="sng">
+                  <a:solidFill>
+                    <a:prstClr val="white"/>
+                  </a:solidFill>
+                </a:endParaRPr>
+              </a:p>
+            </p:txBody>
+          </p:sp>
+        </p:grpSp>
+      </p:grpSp>
+      <p:grpSp>
+        <p:nvGrpSpPr>
+          <p:cNvPr id="57" name="Gruppieren 56"/>
+          <p:cNvGrpSpPr/>
+          <p:nvPr/>
+        </p:nvGrpSpPr>
+        <p:grpSpPr>
+          <a:xfrm>
+            <a:off x="-1668937" y="944880"/>
+            <a:ext cx="6858000" cy="6858000"/>
+            <a:chOff x="-1668937" y="944880"/>
+            <a:chExt cx="6858000" cy="6858000"/>
+          </a:xfrm>
+        </p:grpSpPr>
+        <p:pic>
+          <p:nvPicPr>
+            <p:cNvPr id="5" name="Grafik 4"/>
+            <p:cNvPicPr>
+              <a:picLocks noChangeAspect="1"/>
+            </p:cNvPicPr>
+            <p:nvPr/>
+          </p:nvPicPr>
+          <p:blipFill>
+            <a:blip r:embed="rId4"/>
+            <a:stretch>
+              <a:fillRect/>
+            </a:stretch>
+          </p:blipFill>
+          <p:spPr>
+            <a:xfrm>
+              <a:off x="-1668937" y="944880"/>
+              <a:ext cx="6858000" cy="6858000"/>
+            </a:xfrm>
+            <a:prstGeom prst="rect">
+              <a:avLst/>
+            </a:prstGeom>
+          </p:spPr>
+        </p:pic>
+        <p:pic>
+          <p:nvPicPr>
+            <p:cNvPr id="56" name="Grafik 55"/>
+            <p:cNvPicPr>
+              <a:picLocks noChangeAspect="1"/>
+            </p:cNvPicPr>
+            <p:nvPr/>
+          </p:nvPicPr>
+          <p:blipFill>
+            <a:blip r:embed="rId5"/>
+            <a:stretch>
+              <a:fillRect/>
+            </a:stretch>
+          </p:blipFill>
+          <p:spPr>
+            <a:xfrm rot="5400000">
+              <a:off x="-196504" y="3194775"/>
+              <a:ext cx="4052481" cy="1989221"/>
+            </a:xfrm>
+            <a:prstGeom prst="rect">
+              <a:avLst/>
+            </a:prstGeom>
+            <a:scene3d>
+              <a:camera prst="perspectiveContrastingLeftFacing" fov="900000">
+                <a:rot lat="20160000" lon="1793383" rev="0"/>
+              </a:camera>
+              <a:lightRig rig="threePt" dir="t"/>
+            </a:scene3d>
+          </p:spPr>
+        </p:pic>
+      </p:grpSp>
+    </p:spTree>
+    <p:extLst>
+      <p:ext uri="{BB962C8B-B14F-4D97-AF65-F5344CB8AC3E}">
+        <p14:creationId xmlns:p14="http://schemas.microsoft.com/office/powerpoint/2010/main" val="941330485"/>
+      </p:ext>
+    </p:extLst>
+  </p:cSld>
+  <p:clrMapOvr>
+    <a:masterClrMapping/>
+  </p:clrMapOvr>
+  <mc:AlternateContent xmlns:mc="http://schemas.openxmlformats.org/markup-compatibility/2006" xmlns:p14="http://schemas.microsoft.com/office/powerpoint/2010/main">
+    <mc:Choice Requires="p14">
+      <p:transition p14:dur="250">
+        <p:fade/>
+      </p:transition>
+    </mc:Choice>
+    <mc:Fallback xmlns="">
+      <p:transition>
+        <p:fade/>
+      </p:transition>
+    </mc:Fallback>
+  </mc:AlternateContent>
+</p:sld>
+</file>
+
+<file path=ppt/slides/slide16.xml><?xml version="1.0" encoding="utf-8"?>
+<p:sld xmlns:a="http://schemas.openxmlformats.org/drawingml/2006/main" xmlns:r="http://schemas.openxmlformats.org/officeDocument/2006/relationships" xmlns:p="http://schemas.openxmlformats.org/presentationml/2006/main" show="0">
+  <p:cSld>
+    <p:spTree>
+      <p:nvGrpSpPr>
+        <p:cNvPr id="1" name=""/>
+        <p:cNvGrpSpPr/>
+        <p:nvPr/>
+      </p:nvGrpSpPr>
+      <p:grpSpPr>
+        <a:xfrm>
+          <a:off x="0" y="0"/>
+          <a:ext cx="0" cy="0"/>
+          <a:chOff x="0" y="0"/>
+          <a:chExt cx="0" cy="0"/>
+        </a:xfrm>
+      </p:grpSpPr>
+      <p:sp>
+        <p:nvSpPr>
+          <p:cNvPr id="2" name="Titel 1"/>
+          <p:cNvSpPr>
+            <a:spLocks noGrp="1"/>
+          </p:cNvSpPr>
+          <p:nvPr>
+            <p:ph type="title"/>
+          </p:nvPr>
+        </p:nvSpPr>
+        <p:spPr/>
+        <p:txBody>
+          <a:bodyPr/>
+          <a:lstStyle/>
+          <a:p>
+            <a:r>
+              <a:rPr lang="fr-FR" dirty="0"/>
+              <a:t>Beckhoff – Visualisation / </a:t>
+            </a:r>
+            <a:r>
+              <a:rPr lang="fr-FR" dirty="0" err="1"/>
+              <a:t>Features</a:t>
+            </a:r>
+            <a:endParaRPr lang="fr-FR" dirty="0"/>
+          </a:p>
+        </p:txBody>
+      </p:sp>
+      <p:sp>
+        <p:nvSpPr>
+          <p:cNvPr id="7" name="Inhaltsplatzhalter 2"/>
+          <p:cNvSpPr txBox="1">
+            <a:spLocks/>
+          </p:cNvSpPr>
+          <p:nvPr/>
+        </p:nvSpPr>
+        <p:spPr>
+          <a:xfrm>
+            <a:off x="350617" y="2453640"/>
+            <a:ext cx="11031381" cy="3984988"/>
+          </a:xfrm>
+          <a:prstGeom prst="rect">
+            <a:avLst/>
+          </a:prstGeom>
+        </p:spPr>
+        <p:txBody>
+          <a:bodyPr/>
+          <a:lstStyle>
+            <a:lvl1pPr marL="342900" indent="-342900" algn="l" defTabSz="457200" rtl="0" eaLnBrk="1" latinLnBrk="0" hangingPunct="1">
+              <a:spcBef>
+                <a:spcPct val="20000"/>
+              </a:spcBef>
+              <a:spcAft>
+                <a:spcPts val="600"/>
+              </a:spcAft>
+              <a:buClr>
+                <a:schemeClr val="accent1"/>
+              </a:buClr>
+              <a:buFont typeface="Wingdings 2" charset="2"/>
+              <a:buChar char=""/>
+              <a:defRPr sz="1800" kern="1200">
+                <a:solidFill>
+                  <a:schemeClr val="tx1"/>
+                </a:solidFill>
+                <a:latin typeface="+mn-lt"/>
+                <a:ea typeface="+mn-ea"/>
+                <a:cs typeface="+mn-cs"/>
+              </a:defRPr>
+            </a:lvl1pPr>
+            <a:lvl2pPr marL="742950" indent="-285750" algn="l" defTabSz="457200" rtl="0" eaLnBrk="1" latinLnBrk="0" hangingPunct="1">
+              <a:spcBef>
+                <a:spcPct val="20000"/>
+              </a:spcBef>
+              <a:spcAft>
+                <a:spcPts val="600"/>
+              </a:spcAft>
+              <a:buClr>
+                <a:schemeClr val="accent1"/>
+              </a:buClr>
+              <a:buFont typeface="Wingdings 2" charset="2"/>
+              <a:buChar char=""/>
+              <a:defRPr sz="1600" kern="1200">
+                <a:solidFill>
+                  <a:schemeClr val="tx1"/>
+                </a:solidFill>
+                <a:latin typeface="+mn-lt"/>
+                <a:ea typeface="+mn-ea"/>
+                <a:cs typeface="+mn-cs"/>
+              </a:defRPr>
+            </a:lvl2pPr>
+            <a:lvl3pPr marL="1143000" indent="-228600" algn="l" defTabSz="457200" rtl="0" eaLnBrk="1" latinLnBrk="0" hangingPunct="1">
+              <a:spcBef>
+                <a:spcPct val="20000"/>
+              </a:spcBef>
+              <a:spcAft>
+                <a:spcPts val="600"/>
+              </a:spcAft>
+              <a:buClr>
+                <a:schemeClr val="accent1"/>
+              </a:buClr>
+              <a:buFont typeface="Wingdings 2" charset="2"/>
+              <a:buChar char=""/>
+              <a:defRPr sz="1400" kern="1200">
+                <a:solidFill>
+                  <a:schemeClr val="tx1"/>
+                </a:solidFill>
+                <a:latin typeface="+mn-lt"/>
+                <a:ea typeface="+mn-ea"/>
+                <a:cs typeface="+mn-cs"/>
+              </a:defRPr>
+            </a:lvl3pPr>
+            <a:lvl4pPr marL="1600200" indent="-228600" algn="l" defTabSz="457200" rtl="0" eaLnBrk="1" latinLnBrk="0" hangingPunct="1">
+              <a:spcBef>
+                <a:spcPct val="20000"/>
+              </a:spcBef>
+              <a:spcAft>
+                <a:spcPts val="600"/>
+              </a:spcAft>
+              <a:buClr>
+                <a:schemeClr val="accent1"/>
+              </a:buClr>
+              <a:buFont typeface="Wingdings 2" charset="2"/>
+              <a:buChar char=""/>
+              <a:defRPr sz="1200" kern="1200">
+                <a:solidFill>
+                  <a:schemeClr val="tx1"/>
+                </a:solidFill>
+                <a:latin typeface="+mn-lt"/>
+                <a:ea typeface="+mn-ea"/>
+                <a:cs typeface="+mn-cs"/>
+              </a:defRPr>
+            </a:lvl4pPr>
+            <a:lvl5pPr marL="2057400" indent="-228600" algn="l" defTabSz="457200" rtl="0" eaLnBrk="1" latinLnBrk="0" hangingPunct="1">
+              <a:spcBef>
+                <a:spcPct val="20000"/>
+              </a:spcBef>
+              <a:spcAft>
+                <a:spcPts val="600"/>
+              </a:spcAft>
+              <a:buClr>
+                <a:schemeClr val="accent1"/>
+              </a:buClr>
+              <a:buFont typeface="Wingdings 2" charset="2"/>
+              <a:buChar char=""/>
+              <a:defRPr sz="1200" kern="1200">
+                <a:solidFill>
+                  <a:schemeClr val="tx1"/>
+                </a:solidFill>
+                <a:latin typeface="+mn-lt"/>
+                <a:ea typeface="+mn-ea"/>
+                <a:cs typeface="+mn-cs"/>
+              </a:defRPr>
+            </a:lvl5pPr>
+            <a:lvl6pPr marL="2400000" indent="-228600" algn="l" defTabSz="457200" rtl="0" eaLnBrk="1" latinLnBrk="0" hangingPunct="1">
+              <a:spcBef>
+                <a:spcPct val="20000"/>
+              </a:spcBef>
+              <a:spcAft>
+                <a:spcPts val="600"/>
+              </a:spcAft>
+              <a:buClr>
+                <a:schemeClr val="accent1"/>
+              </a:buClr>
+              <a:buFont typeface="Wingdings 2" charset="2"/>
+              <a:buChar char=""/>
+              <a:defRPr sz="1200" kern="1200">
+                <a:solidFill>
+                  <a:schemeClr val="tx1"/>
+                </a:solidFill>
+                <a:latin typeface="+mn-lt"/>
+                <a:ea typeface="+mn-ea"/>
+                <a:cs typeface="+mn-cs"/>
+              </a:defRPr>
+            </a:lvl6pPr>
+            <a:lvl7pPr marL="2800000" indent="-228600" algn="l" defTabSz="457200" rtl="0" eaLnBrk="1" latinLnBrk="0" hangingPunct="1">
+              <a:spcBef>
+                <a:spcPct val="20000"/>
+              </a:spcBef>
+              <a:spcAft>
+                <a:spcPts val="600"/>
+              </a:spcAft>
+              <a:buClr>
+                <a:schemeClr val="accent1"/>
+              </a:buClr>
+              <a:buFont typeface="Wingdings 2" charset="2"/>
+              <a:buChar char=""/>
+              <a:defRPr sz="1200" kern="1200">
+                <a:solidFill>
+                  <a:schemeClr val="tx1"/>
+                </a:solidFill>
+                <a:latin typeface="+mn-lt"/>
+                <a:ea typeface="+mn-ea"/>
+                <a:cs typeface="+mn-cs"/>
+              </a:defRPr>
+            </a:lvl7pPr>
+            <a:lvl8pPr marL="3200000" indent="-228600" algn="l" defTabSz="457200" rtl="0" eaLnBrk="1" latinLnBrk="0" hangingPunct="1">
+              <a:spcBef>
+                <a:spcPct val="20000"/>
+              </a:spcBef>
+              <a:spcAft>
+                <a:spcPts val="600"/>
+              </a:spcAft>
+              <a:buClr>
+                <a:schemeClr val="accent1"/>
+              </a:buClr>
+              <a:buFont typeface="Wingdings 2" charset="2"/>
+              <a:buChar char=""/>
+              <a:defRPr sz="1200" kern="1200">
+                <a:solidFill>
+                  <a:schemeClr val="tx1"/>
+                </a:solidFill>
+                <a:latin typeface="+mn-lt"/>
+                <a:ea typeface="+mn-ea"/>
+                <a:cs typeface="+mn-cs"/>
+              </a:defRPr>
+            </a:lvl8pPr>
+            <a:lvl9pPr marL="3600000" indent="-228600" algn="l" defTabSz="457200" rtl="0" eaLnBrk="1" latinLnBrk="0" hangingPunct="1">
+              <a:spcBef>
+                <a:spcPct val="20000"/>
+              </a:spcBef>
+              <a:spcAft>
+                <a:spcPts val="600"/>
+              </a:spcAft>
+              <a:buClr>
+                <a:schemeClr val="accent1"/>
+              </a:buClr>
+              <a:buFont typeface="Wingdings 2" charset="2"/>
+              <a:buChar char=""/>
+              <a:defRPr sz="1200" kern="1200">
+                <a:solidFill>
+                  <a:schemeClr val="tx1"/>
+                </a:solidFill>
+                <a:latin typeface="+mn-lt"/>
+                <a:ea typeface="+mn-ea"/>
+                <a:cs typeface="+mn-cs"/>
+              </a:defRPr>
+            </a:lvl9pPr>
+          </a:lstStyle>
+          <a:p>
+            <a:r>
+              <a:rPr lang="fr-FR" dirty="0" err="1"/>
+              <a:t>WebVisu</a:t>
+            </a:r>
+            <a:r>
+              <a:rPr lang="fr-FR" dirty="0"/>
+              <a:t> – Accessible avec un Browser ou sur un HMI de Beckhoff</a:t>
+            </a:r>
+          </a:p>
+          <a:p>
+            <a:r>
+              <a:rPr lang="fr-FR" dirty="0"/>
+              <a:t>Gestion droit accès – Admin, User, none</a:t>
+            </a:r>
+          </a:p>
+          <a:p>
+            <a:endParaRPr lang="fr-FR" dirty="0"/>
+          </a:p>
+        </p:txBody>
+      </p:sp>
+    </p:spTree>
+    <p:extLst>
+      <p:ext uri="{BB962C8B-B14F-4D97-AF65-F5344CB8AC3E}">
+        <p14:creationId xmlns:p14="http://schemas.microsoft.com/office/powerpoint/2010/main" val="56355118"/>
+      </p:ext>
+    </p:extLst>
+  </p:cSld>
+  <p:clrMapOvr>
+    <a:masterClrMapping/>
+  </p:clrMapOvr>
+  <mc:AlternateContent xmlns:mc="http://schemas.openxmlformats.org/markup-compatibility/2006" xmlns:p14="http://schemas.microsoft.com/office/powerpoint/2010/main">
+    <mc:Choice Requires="p14">
+      <p:transition p14:dur="250">
+        <p:fade/>
+      </p:transition>
+    </mc:Choice>
+    <mc:Fallback xmlns="">
+      <p:transition>
+        <p:fade/>
+      </p:transition>
+    </mc:Fallback>
+  </mc:AlternateContent>
+</p:sld>
+</file>
+
+<file path=ppt/slides/slide17.xml><?xml version="1.0" encoding="utf-8"?>
+<p:sld xmlns:a="http://schemas.openxmlformats.org/drawingml/2006/main" xmlns:r="http://schemas.openxmlformats.org/officeDocument/2006/relationships" xmlns:p="http://schemas.openxmlformats.org/presentationml/2006/main" show="0">
+  <p:cSld>
+    <p:spTree>
+      <p:nvGrpSpPr>
+        <p:cNvPr id="1" name=""/>
+        <p:cNvGrpSpPr/>
+        <p:nvPr/>
+      </p:nvGrpSpPr>
+      <p:grpSpPr>
+        <a:xfrm>
+          <a:off x="0" y="0"/>
+          <a:ext cx="0" cy="0"/>
+          <a:chOff x="0" y="0"/>
+          <a:chExt cx="0" cy="0"/>
+        </a:xfrm>
+      </p:grpSpPr>
+      <p:pic>
+        <p:nvPicPr>
+          <p:cNvPr id="6" name="Inhaltsplatzhalter 3"/>
+          <p:cNvPicPr>
+            <a:picLocks noChangeAspect="1"/>
+          </p:cNvPicPr>
+          <p:nvPr/>
+        </p:nvPicPr>
+        <p:blipFill>
+          <a:blip r:embed="rId2"/>
+          <a:stretch>
+            <a:fillRect/>
+          </a:stretch>
+        </p:blipFill>
+        <p:spPr>
+          <a:xfrm>
+            <a:off x="0" y="835446"/>
+            <a:ext cx="12252259" cy="4711913"/>
+          </a:xfrm>
+          <a:prstGeom prst="rect">
+            <a:avLst/>
+          </a:prstGeom>
+        </p:spPr>
+      </p:pic>
+    </p:spTree>
+    <p:extLst>
+      <p:ext uri="{BB962C8B-B14F-4D97-AF65-F5344CB8AC3E}">
+        <p14:creationId xmlns:p14="http://schemas.microsoft.com/office/powerpoint/2010/main" val="4162910851"/>
+      </p:ext>
+    </p:extLst>
+  </p:cSld>
+  <p:clrMapOvr>
+    <a:masterClrMapping/>
+  </p:clrMapOvr>
+  <mc:AlternateContent xmlns:mc="http://schemas.openxmlformats.org/markup-compatibility/2006" xmlns:p14="http://schemas.microsoft.com/office/powerpoint/2010/main">
+    <mc:Choice Requires="p14">
+      <p:transition p14:dur="250">
+        <p:fade/>
+      </p:transition>
+    </mc:Choice>
+    <mc:Fallback xmlns="">
+      <p:transition>
+        <p:fade/>
+      </p:transition>
+    </mc:Fallback>
+  </mc:AlternateContent>
+</p:sld>
+</file>
+
+<file path=ppt/slides/slide18.xml><?xml version="1.0" encoding="utf-8"?>
+<p:sld xmlns:a="http://schemas.openxmlformats.org/drawingml/2006/main" xmlns:r="http://schemas.openxmlformats.org/officeDocument/2006/relationships" xmlns:p="http://schemas.openxmlformats.org/presentationml/2006/main" show="0">
+  <p:cSld>
+    <p:spTree>
+      <p:nvGrpSpPr>
+        <p:cNvPr id="1" name=""/>
+        <p:cNvGrpSpPr/>
+        <p:nvPr/>
+      </p:nvGrpSpPr>
+      <p:grpSpPr>
+        <a:xfrm>
+          <a:off x="0" y="0"/>
+          <a:ext cx="0" cy="0"/>
+          <a:chOff x="0" y="0"/>
+          <a:chExt cx="0" cy="0"/>
+        </a:xfrm>
+      </p:grpSpPr>
+      <p:pic>
+        <p:nvPicPr>
+          <p:cNvPr id="2" name="Grafik 1"/>
+          <p:cNvPicPr>
+            <a:picLocks noChangeAspect="1"/>
+          </p:cNvPicPr>
+          <p:nvPr/>
+        </p:nvPicPr>
+        <p:blipFill>
+          <a:blip r:embed="rId2"/>
+          <a:stretch>
+            <a:fillRect/>
+          </a:stretch>
+        </p:blipFill>
+        <p:spPr>
+          <a:xfrm>
+            <a:off x="0" y="835446"/>
+            <a:ext cx="12243249" cy="4711913"/>
+          </a:xfrm>
+          <a:prstGeom prst="rect">
+            <a:avLst/>
+          </a:prstGeom>
+        </p:spPr>
+      </p:pic>
+    </p:spTree>
+    <p:extLst>
+      <p:ext uri="{BB962C8B-B14F-4D97-AF65-F5344CB8AC3E}">
+        <p14:creationId xmlns:p14="http://schemas.microsoft.com/office/powerpoint/2010/main" val="4020296144"/>
+      </p:ext>
+    </p:extLst>
+  </p:cSld>
+  <p:clrMapOvr>
+    <a:masterClrMapping/>
+  </p:clrMapOvr>
+  <mc:AlternateContent xmlns:mc="http://schemas.openxmlformats.org/markup-compatibility/2006" xmlns:p14="http://schemas.microsoft.com/office/powerpoint/2010/main">
+    <mc:Choice Requires="p14">
+      <p:transition p14:dur="250">
+        <p:fade/>
+      </p:transition>
+    </mc:Choice>
+    <mc:Fallback xmlns="">
+      <p:transition>
+        <p:fade/>
+      </p:transition>
+    </mc:Fallback>
+  </mc:AlternateContent>
+</p:sld>
+</file>
+
+<file path=ppt/slides/slide19.xml><?xml version="1.0" encoding="utf-8"?>
+<p:sld xmlns:a="http://schemas.openxmlformats.org/drawingml/2006/main" xmlns:r="http://schemas.openxmlformats.org/officeDocument/2006/relationships" xmlns:p="http://schemas.openxmlformats.org/presentationml/2006/main">
+  <p:cSld>
+    <p:spTree>
+      <p:nvGrpSpPr>
+        <p:cNvPr id="1" name=""/>
+        <p:cNvGrpSpPr/>
+        <p:nvPr/>
+      </p:nvGrpSpPr>
+      <p:grpSpPr>
+        <a:xfrm>
+          <a:off x="0" y="0"/>
+          <a:ext cx="0" cy="0"/>
+          <a:chOff x="0" y="0"/>
+          <a:chExt cx="0" cy="0"/>
+        </a:xfrm>
+      </p:grpSpPr>
+      <p:sp>
+        <p:nvSpPr>
+          <p:cNvPr id="2" name="Titel 1"/>
+          <p:cNvSpPr>
+            <a:spLocks noGrp="1"/>
+          </p:cNvSpPr>
+          <p:nvPr>
+            <p:ph type="title"/>
+          </p:nvPr>
+        </p:nvSpPr>
+        <p:spPr/>
+        <p:txBody>
+          <a:bodyPr/>
+          <a:lstStyle/>
+          <a:p>
+            <a:r>
+              <a:rPr lang="fr-FR" dirty="0"/>
+              <a:t>Beckhoff – Visualisation / </a:t>
+            </a:r>
+            <a:r>
+              <a:rPr lang="fr-FR" dirty="0" err="1"/>
+              <a:t>Features</a:t>
+            </a:r>
+            <a:endParaRPr lang="fr-FR" dirty="0"/>
+          </a:p>
+        </p:txBody>
+      </p:sp>
+      <p:sp>
+        <p:nvSpPr>
+          <p:cNvPr id="7" name="Inhaltsplatzhalter 2"/>
+          <p:cNvSpPr txBox="1">
+            <a:spLocks/>
+          </p:cNvSpPr>
+          <p:nvPr/>
+        </p:nvSpPr>
+        <p:spPr>
+          <a:xfrm>
+            <a:off x="350617" y="2453640"/>
+            <a:ext cx="11031381" cy="3984988"/>
+          </a:xfrm>
+          <a:prstGeom prst="rect">
+            <a:avLst/>
+          </a:prstGeom>
+        </p:spPr>
+        <p:txBody>
+          <a:bodyPr/>
+          <a:lstStyle>
+            <a:lvl1pPr marL="342900" indent="-342900" algn="l" defTabSz="457200" rtl="0" eaLnBrk="1" latinLnBrk="0" hangingPunct="1">
+              <a:spcBef>
+                <a:spcPct val="20000"/>
+              </a:spcBef>
+              <a:spcAft>
+                <a:spcPts val="600"/>
+              </a:spcAft>
+              <a:buClr>
+                <a:schemeClr val="accent1"/>
+              </a:buClr>
+              <a:buFont typeface="Wingdings 2" charset="2"/>
+              <a:buChar char=""/>
+              <a:defRPr sz="1800" kern="1200">
+                <a:solidFill>
+                  <a:schemeClr val="tx1"/>
+                </a:solidFill>
+                <a:latin typeface="+mn-lt"/>
+                <a:ea typeface="+mn-ea"/>
+                <a:cs typeface="+mn-cs"/>
+              </a:defRPr>
+            </a:lvl1pPr>
+            <a:lvl2pPr marL="742950" indent="-285750" algn="l" defTabSz="457200" rtl="0" eaLnBrk="1" latinLnBrk="0" hangingPunct="1">
+              <a:spcBef>
+                <a:spcPct val="20000"/>
+              </a:spcBef>
+              <a:spcAft>
+                <a:spcPts val="600"/>
+              </a:spcAft>
+              <a:buClr>
+                <a:schemeClr val="accent1"/>
+              </a:buClr>
+              <a:buFont typeface="Wingdings 2" charset="2"/>
+              <a:buChar char=""/>
+              <a:defRPr sz="1600" kern="1200">
+                <a:solidFill>
+                  <a:schemeClr val="tx1"/>
+                </a:solidFill>
+                <a:latin typeface="+mn-lt"/>
+                <a:ea typeface="+mn-ea"/>
+                <a:cs typeface="+mn-cs"/>
+              </a:defRPr>
+            </a:lvl2pPr>
+            <a:lvl3pPr marL="1143000" indent="-228600" algn="l" defTabSz="457200" rtl="0" eaLnBrk="1" latinLnBrk="0" hangingPunct="1">
+              <a:spcBef>
+                <a:spcPct val="20000"/>
+              </a:spcBef>
+              <a:spcAft>
+                <a:spcPts val="600"/>
+              </a:spcAft>
+              <a:buClr>
+                <a:schemeClr val="accent1"/>
+              </a:buClr>
+              <a:buFont typeface="Wingdings 2" charset="2"/>
+              <a:buChar char=""/>
+              <a:defRPr sz="1400" kern="1200">
+                <a:solidFill>
+                  <a:schemeClr val="tx1"/>
+                </a:solidFill>
+                <a:latin typeface="+mn-lt"/>
+                <a:ea typeface="+mn-ea"/>
+                <a:cs typeface="+mn-cs"/>
+              </a:defRPr>
+            </a:lvl3pPr>
+            <a:lvl4pPr marL="1600200" indent="-228600" algn="l" defTabSz="457200" rtl="0" eaLnBrk="1" latinLnBrk="0" hangingPunct="1">
+              <a:spcBef>
+                <a:spcPct val="20000"/>
+              </a:spcBef>
+              <a:spcAft>
+                <a:spcPts val="600"/>
+              </a:spcAft>
+              <a:buClr>
+                <a:schemeClr val="accent1"/>
+              </a:buClr>
+              <a:buFont typeface="Wingdings 2" charset="2"/>
+              <a:buChar char=""/>
+              <a:defRPr sz="1200" kern="1200">
+                <a:solidFill>
+                  <a:schemeClr val="tx1"/>
+                </a:solidFill>
+                <a:latin typeface="+mn-lt"/>
+                <a:ea typeface="+mn-ea"/>
+                <a:cs typeface="+mn-cs"/>
+              </a:defRPr>
+            </a:lvl4pPr>
+            <a:lvl5pPr marL="2057400" indent="-228600" algn="l" defTabSz="457200" rtl="0" eaLnBrk="1" latinLnBrk="0" hangingPunct="1">
+              <a:spcBef>
+                <a:spcPct val="20000"/>
+              </a:spcBef>
+              <a:spcAft>
+                <a:spcPts val="600"/>
+              </a:spcAft>
+              <a:buClr>
+                <a:schemeClr val="accent1"/>
+              </a:buClr>
+              <a:buFont typeface="Wingdings 2" charset="2"/>
+              <a:buChar char=""/>
+              <a:defRPr sz="1200" kern="1200">
+                <a:solidFill>
+                  <a:schemeClr val="tx1"/>
+                </a:solidFill>
+                <a:latin typeface="+mn-lt"/>
+                <a:ea typeface="+mn-ea"/>
+                <a:cs typeface="+mn-cs"/>
+              </a:defRPr>
+            </a:lvl5pPr>
+            <a:lvl6pPr marL="2400000" indent="-228600" algn="l" defTabSz="457200" rtl="0" eaLnBrk="1" latinLnBrk="0" hangingPunct="1">
+              <a:spcBef>
+                <a:spcPct val="20000"/>
+              </a:spcBef>
+              <a:spcAft>
+                <a:spcPts val="600"/>
+              </a:spcAft>
+              <a:buClr>
+                <a:schemeClr val="accent1"/>
+              </a:buClr>
+              <a:buFont typeface="Wingdings 2" charset="2"/>
+              <a:buChar char=""/>
+              <a:defRPr sz="1200" kern="1200">
+                <a:solidFill>
+                  <a:schemeClr val="tx1"/>
+                </a:solidFill>
+                <a:latin typeface="+mn-lt"/>
+                <a:ea typeface="+mn-ea"/>
+                <a:cs typeface="+mn-cs"/>
+              </a:defRPr>
+            </a:lvl6pPr>
+            <a:lvl7pPr marL="2800000" indent="-228600" algn="l" defTabSz="457200" rtl="0" eaLnBrk="1" latinLnBrk="0" hangingPunct="1">
+              <a:spcBef>
+                <a:spcPct val="20000"/>
+              </a:spcBef>
+              <a:spcAft>
+                <a:spcPts val="600"/>
+              </a:spcAft>
+              <a:buClr>
+                <a:schemeClr val="accent1"/>
+              </a:buClr>
+              <a:buFont typeface="Wingdings 2" charset="2"/>
+              <a:buChar char=""/>
+              <a:defRPr sz="1200" kern="1200">
+                <a:solidFill>
+                  <a:schemeClr val="tx1"/>
+                </a:solidFill>
+                <a:latin typeface="+mn-lt"/>
+                <a:ea typeface="+mn-ea"/>
+                <a:cs typeface="+mn-cs"/>
+              </a:defRPr>
+            </a:lvl7pPr>
+            <a:lvl8pPr marL="3200000" indent="-228600" algn="l" defTabSz="457200" rtl="0" eaLnBrk="1" latinLnBrk="0" hangingPunct="1">
+              <a:spcBef>
+                <a:spcPct val="20000"/>
+              </a:spcBef>
+              <a:spcAft>
+                <a:spcPts val="600"/>
+              </a:spcAft>
+              <a:buClr>
+                <a:schemeClr val="accent1"/>
+              </a:buClr>
+              <a:buFont typeface="Wingdings 2" charset="2"/>
+              <a:buChar char=""/>
+              <a:defRPr sz="1200" kern="1200">
+                <a:solidFill>
+                  <a:schemeClr val="tx1"/>
+                </a:solidFill>
+                <a:latin typeface="+mn-lt"/>
+                <a:ea typeface="+mn-ea"/>
+                <a:cs typeface="+mn-cs"/>
+              </a:defRPr>
+            </a:lvl8pPr>
+            <a:lvl9pPr marL="3600000" indent="-228600" algn="l" defTabSz="457200" rtl="0" eaLnBrk="1" latinLnBrk="0" hangingPunct="1">
+              <a:spcBef>
+                <a:spcPct val="20000"/>
+              </a:spcBef>
+              <a:spcAft>
+                <a:spcPts val="600"/>
+              </a:spcAft>
+              <a:buClr>
+                <a:schemeClr val="accent1"/>
+              </a:buClr>
+              <a:buFont typeface="Wingdings 2" charset="2"/>
+              <a:buChar char=""/>
+              <a:defRPr sz="1200" kern="1200">
+                <a:solidFill>
+                  <a:schemeClr val="tx1"/>
+                </a:solidFill>
+                <a:latin typeface="+mn-lt"/>
+                <a:ea typeface="+mn-ea"/>
+                <a:cs typeface="+mn-cs"/>
+              </a:defRPr>
+            </a:lvl9pPr>
+          </a:lstStyle>
+          <a:p>
+            <a:r>
+              <a:rPr lang="fr-FR" dirty="0" err="1">
+                <a:hlinkClick r:id="rId3"/>
+              </a:rPr>
+              <a:t>WebVisu</a:t>
+            </a:r>
+            <a:r>
+              <a:rPr lang="fr-FR" dirty="0"/>
+              <a:t> – Accessible avec un Browser ou sur un HMI de Beckhoff</a:t>
+            </a:r>
+          </a:p>
+          <a:p>
+            <a:r>
+              <a:rPr lang="fr-FR" dirty="0"/>
+              <a:t>Gestion droit accès – Admin, </a:t>
+            </a:r>
+            <a:r>
+              <a:rPr lang="fr-FR" dirty="0" err="1"/>
+              <a:t>Operator</a:t>
+            </a:r>
+            <a:r>
+              <a:rPr lang="fr-FR" dirty="0"/>
+              <a:t>, none</a:t>
+            </a:r>
+          </a:p>
+          <a:p>
+            <a:r>
+              <a:rPr lang="fr-FR" dirty="0"/>
+              <a:t>Multi-</a:t>
+            </a:r>
+            <a:r>
+              <a:rPr lang="fr-FR" dirty="0" err="1"/>
+              <a:t>Language</a:t>
+            </a:r>
+            <a:r>
+              <a:rPr lang="fr-FR" dirty="0"/>
+              <a:t> – Allemand, Anglais, Français</a:t>
+            </a:r>
+          </a:p>
+          <a:p>
+            <a:r>
+              <a:rPr lang="fr-FR" dirty="0"/>
+              <a:t>Minimal design – montre juste les infos nécessaire</a:t>
+            </a:r>
+          </a:p>
+          <a:p>
+            <a:r>
+              <a:rPr lang="fr-FR" dirty="0"/>
+              <a:t>…</a:t>
+            </a:r>
+          </a:p>
+          <a:p>
+            <a:pPr lvl="1"/>
+            <a:endParaRPr lang="fr-FR" dirty="0"/>
+          </a:p>
+          <a:p>
+            <a:endParaRPr lang="fr-FR" dirty="0"/>
+          </a:p>
+        </p:txBody>
+      </p:sp>
+    </p:spTree>
+    <p:extLst>
+      <p:ext uri="{BB962C8B-B14F-4D97-AF65-F5344CB8AC3E}">
+        <p14:creationId xmlns:p14="http://schemas.microsoft.com/office/powerpoint/2010/main" val="3992165171"/>
+      </p:ext>
+    </p:extLst>
+  </p:cSld>
+  <p:clrMapOvr>
+    <a:masterClrMapping/>
+  </p:clrMapOvr>
+  <mc:AlternateContent xmlns:mc="http://schemas.openxmlformats.org/markup-compatibility/2006" xmlns:p14="http://schemas.microsoft.com/office/powerpoint/2010/main">
+    <mc:Choice Requires="p14">
+      <p:transition p14:dur="250">
+        <p:fade/>
+      </p:transition>
+    </mc:Choice>
+    <mc:Fallback xmlns="">
+      <p:transition>
+        <p:fade/>
+      </p:transition>
+    </mc:Fallback>
+  </mc:AlternateContent>
 </p:sld>
 </file>
 
@@ -6571,6 +11792,752 @@
   <p:clrMapOvr>
     <a:masterClrMapping/>
   </p:clrMapOvr>
+  <mc:AlternateContent xmlns:mc="http://schemas.openxmlformats.org/markup-compatibility/2006" xmlns:p14="http://schemas.microsoft.com/office/powerpoint/2010/main">
+    <mc:Choice Requires="p14">
+      <p:transition p14:dur="250">
+        <p:fade/>
+      </p:transition>
+    </mc:Choice>
+    <mc:Fallback xmlns="">
+      <p:transition>
+        <p:fade/>
+      </p:transition>
+    </mc:Fallback>
+  </mc:AlternateContent>
+</p:sld>
+</file>
+
+<file path=ppt/slides/slide20.xml><?xml version="1.0" encoding="utf-8"?>
+<p:sld xmlns:a="http://schemas.openxmlformats.org/drawingml/2006/main" xmlns:r="http://schemas.openxmlformats.org/officeDocument/2006/relationships" xmlns:p="http://schemas.openxmlformats.org/presentationml/2006/main" show="0">
+  <p:cSld>
+    <p:spTree>
+      <p:nvGrpSpPr>
+        <p:cNvPr id="1" name=""/>
+        <p:cNvGrpSpPr/>
+        <p:nvPr/>
+      </p:nvGrpSpPr>
+      <p:grpSpPr>
+        <a:xfrm>
+          <a:off x="0" y="0"/>
+          <a:ext cx="0" cy="0"/>
+          <a:chOff x="0" y="0"/>
+          <a:chExt cx="0" cy="0"/>
+        </a:xfrm>
+      </p:grpSpPr>
+      <p:pic>
+        <p:nvPicPr>
+          <p:cNvPr id="5" name="Grafik 4"/>
+          <p:cNvPicPr>
+            <a:picLocks noChangeAspect="1"/>
+          </p:cNvPicPr>
+          <p:nvPr/>
+        </p:nvPicPr>
+        <p:blipFill>
+          <a:blip r:embed="rId3"/>
+          <a:stretch>
+            <a:fillRect/>
+          </a:stretch>
+        </p:blipFill>
+        <p:spPr>
+          <a:xfrm>
+            <a:off x="0" y="15603"/>
+            <a:ext cx="12192000" cy="6826794"/>
+          </a:xfrm>
+          <a:prstGeom prst="rect">
+            <a:avLst/>
+          </a:prstGeom>
+        </p:spPr>
+      </p:pic>
+    </p:spTree>
+    <p:extLst>
+      <p:ext uri="{BB962C8B-B14F-4D97-AF65-F5344CB8AC3E}">
+        <p14:creationId xmlns:p14="http://schemas.microsoft.com/office/powerpoint/2010/main" val="1575163367"/>
+      </p:ext>
+    </p:extLst>
+  </p:cSld>
+  <p:clrMapOvr>
+    <a:masterClrMapping/>
+  </p:clrMapOvr>
+  <mc:AlternateContent xmlns:mc="http://schemas.openxmlformats.org/markup-compatibility/2006" xmlns:p14="http://schemas.microsoft.com/office/powerpoint/2010/main">
+    <mc:Choice Requires="p14">
+      <p:transition p14:dur="250">
+        <p:fade/>
+      </p:transition>
+    </mc:Choice>
+    <mc:Fallback xmlns="">
+      <p:transition>
+        <p:fade/>
+      </p:transition>
+    </mc:Fallback>
+  </mc:AlternateContent>
+</p:sld>
+</file>
+
+<file path=ppt/slides/slide21.xml><?xml version="1.0" encoding="utf-8"?>
+<p:sld xmlns:a="http://schemas.openxmlformats.org/drawingml/2006/main" xmlns:r="http://schemas.openxmlformats.org/officeDocument/2006/relationships" xmlns:p="http://schemas.openxmlformats.org/presentationml/2006/main" show="0">
+  <p:cSld>
+    <p:spTree>
+      <p:nvGrpSpPr>
+        <p:cNvPr id="1" name=""/>
+        <p:cNvGrpSpPr/>
+        <p:nvPr/>
+      </p:nvGrpSpPr>
+      <p:grpSpPr>
+        <a:xfrm>
+          <a:off x="0" y="0"/>
+          <a:ext cx="0" cy="0"/>
+          <a:chOff x="0" y="0"/>
+          <a:chExt cx="0" cy="0"/>
+        </a:xfrm>
+      </p:grpSpPr>
+      <p:sp>
+        <p:nvSpPr>
+          <p:cNvPr id="2" name="Titel 1"/>
+          <p:cNvSpPr>
+            <a:spLocks noGrp="1"/>
+          </p:cNvSpPr>
+          <p:nvPr>
+            <p:ph type="title"/>
+          </p:nvPr>
+        </p:nvSpPr>
+        <p:spPr/>
+        <p:txBody>
+          <a:bodyPr/>
+          <a:lstStyle/>
+          <a:p>
+            <a:r>
+              <a:rPr lang="fr-FR" dirty="0"/>
+              <a:t>Beckhoff – Visualisation / </a:t>
+            </a:r>
+            <a:r>
+              <a:rPr lang="fr-FR" dirty="0" err="1"/>
+              <a:t>Features</a:t>
+            </a:r>
+            <a:endParaRPr lang="fr-FR" dirty="0"/>
+          </a:p>
+        </p:txBody>
+      </p:sp>
+      <p:sp>
+        <p:nvSpPr>
+          <p:cNvPr id="7" name="Inhaltsplatzhalter 2"/>
+          <p:cNvSpPr txBox="1">
+            <a:spLocks/>
+          </p:cNvSpPr>
+          <p:nvPr/>
+        </p:nvSpPr>
+        <p:spPr>
+          <a:xfrm>
+            <a:off x="350617" y="2453640"/>
+            <a:ext cx="11031381" cy="3984988"/>
+          </a:xfrm>
+          <a:prstGeom prst="rect">
+            <a:avLst/>
+          </a:prstGeom>
+        </p:spPr>
+        <p:txBody>
+          <a:bodyPr/>
+          <a:lstStyle>
+            <a:lvl1pPr marL="342900" indent="-342900" algn="l" defTabSz="457200" rtl="0" eaLnBrk="1" latinLnBrk="0" hangingPunct="1">
+              <a:spcBef>
+                <a:spcPct val="20000"/>
+              </a:spcBef>
+              <a:spcAft>
+                <a:spcPts val="600"/>
+              </a:spcAft>
+              <a:buClr>
+                <a:schemeClr val="accent1"/>
+              </a:buClr>
+              <a:buFont typeface="Wingdings 2" charset="2"/>
+              <a:buChar char=""/>
+              <a:defRPr sz="1800" kern="1200">
+                <a:solidFill>
+                  <a:schemeClr val="tx1"/>
+                </a:solidFill>
+                <a:latin typeface="+mn-lt"/>
+                <a:ea typeface="+mn-ea"/>
+                <a:cs typeface="+mn-cs"/>
+              </a:defRPr>
+            </a:lvl1pPr>
+            <a:lvl2pPr marL="742950" indent="-285750" algn="l" defTabSz="457200" rtl="0" eaLnBrk="1" latinLnBrk="0" hangingPunct="1">
+              <a:spcBef>
+                <a:spcPct val="20000"/>
+              </a:spcBef>
+              <a:spcAft>
+                <a:spcPts val="600"/>
+              </a:spcAft>
+              <a:buClr>
+                <a:schemeClr val="accent1"/>
+              </a:buClr>
+              <a:buFont typeface="Wingdings 2" charset="2"/>
+              <a:buChar char=""/>
+              <a:defRPr sz="1600" kern="1200">
+                <a:solidFill>
+                  <a:schemeClr val="tx1"/>
+                </a:solidFill>
+                <a:latin typeface="+mn-lt"/>
+                <a:ea typeface="+mn-ea"/>
+                <a:cs typeface="+mn-cs"/>
+              </a:defRPr>
+            </a:lvl2pPr>
+            <a:lvl3pPr marL="1143000" indent="-228600" algn="l" defTabSz="457200" rtl="0" eaLnBrk="1" latinLnBrk="0" hangingPunct="1">
+              <a:spcBef>
+                <a:spcPct val="20000"/>
+              </a:spcBef>
+              <a:spcAft>
+                <a:spcPts val="600"/>
+              </a:spcAft>
+              <a:buClr>
+                <a:schemeClr val="accent1"/>
+              </a:buClr>
+              <a:buFont typeface="Wingdings 2" charset="2"/>
+              <a:buChar char=""/>
+              <a:defRPr sz="1400" kern="1200">
+                <a:solidFill>
+                  <a:schemeClr val="tx1"/>
+                </a:solidFill>
+                <a:latin typeface="+mn-lt"/>
+                <a:ea typeface="+mn-ea"/>
+                <a:cs typeface="+mn-cs"/>
+              </a:defRPr>
+            </a:lvl3pPr>
+            <a:lvl4pPr marL="1600200" indent="-228600" algn="l" defTabSz="457200" rtl="0" eaLnBrk="1" latinLnBrk="0" hangingPunct="1">
+              <a:spcBef>
+                <a:spcPct val="20000"/>
+              </a:spcBef>
+              <a:spcAft>
+                <a:spcPts val="600"/>
+              </a:spcAft>
+              <a:buClr>
+                <a:schemeClr val="accent1"/>
+              </a:buClr>
+              <a:buFont typeface="Wingdings 2" charset="2"/>
+              <a:buChar char=""/>
+              <a:defRPr sz="1200" kern="1200">
+                <a:solidFill>
+                  <a:schemeClr val="tx1"/>
+                </a:solidFill>
+                <a:latin typeface="+mn-lt"/>
+                <a:ea typeface="+mn-ea"/>
+                <a:cs typeface="+mn-cs"/>
+              </a:defRPr>
+            </a:lvl4pPr>
+            <a:lvl5pPr marL="2057400" indent="-228600" algn="l" defTabSz="457200" rtl="0" eaLnBrk="1" latinLnBrk="0" hangingPunct="1">
+              <a:spcBef>
+                <a:spcPct val="20000"/>
+              </a:spcBef>
+              <a:spcAft>
+                <a:spcPts val="600"/>
+              </a:spcAft>
+              <a:buClr>
+                <a:schemeClr val="accent1"/>
+              </a:buClr>
+              <a:buFont typeface="Wingdings 2" charset="2"/>
+              <a:buChar char=""/>
+              <a:defRPr sz="1200" kern="1200">
+                <a:solidFill>
+                  <a:schemeClr val="tx1"/>
+                </a:solidFill>
+                <a:latin typeface="+mn-lt"/>
+                <a:ea typeface="+mn-ea"/>
+                <a:cs typeface="+mn-cs"/>
+              </a:defRPr>
+            </a:lvl5pPr>
+            <a:lvl6pPr marL="2400000" indent="-228600" algn="l" defTabSz="457200" rtl="0" eaLnBrk="1" latinLnBrk="0" hangingPunct="1">
+              <a:spcBef>
+                <a:spcPct val="20000"/>
+              </a:spcBef>
+              <a:spcAft>
+                <a:spcPts val="600"/>
+              </a:spcAft>
+              <a:buClr>
+                <a:schemeClr val="accent1"/>
+              </a:buClr>
+              <a:buFont typeface="Wingdings 2" charset="2"/>
+              <a:buChar char=""/>
+              <a:defRPr sz="1200" kern="1200">
+                <a:solidFill>
+                  <a:schemeClr val="tx1"/>
+                </a:solidFill>
+                <a:latin typeface="+mn-lt"/>
+                <a:ea typeface="+mn-ea"/>
+                <a:cs typeface="+mn-cs"/>
+              </a:defRPr>
+            </a:lvl6pPr>
+            <a:lvl7pPr marL="2800000" indent="-228600" algn="l" defTabSz="457200" rtl="0" eaLnBrk="1" latinLnBrk="0" hangingPunct="1">
+              <a:spcBef>
+                <a:spcPct val="20000"/>
+              </a:spcBef>
+              <a:spcAft>
+                <a:spcPts val="600"/>
+              </a:spcAft>
+              <a:buClr>
+                <a:schemeClr val="accent1"/>
+              </a:buClr>
+              <a:buFont typeface="Wingdings 2" charset="2"/>
+              <a:buChar char=""/>
+              <a:defRPr sz="1200" kern="1200">
+                <a:solidFill>
+                  <a:schemeClr val="tx1"/>
+                </a:solidFill>
+                <a:latin typeface="+mn-lt"/>
+                <a:ea typeface="+mn-ea"/>
+                <a:cs typeface="+mn-cs"/>
+              </a:defRPr>
+            </a:lvl7pPr>
+            <a:lvl8pPr marL="3200000" indent="-228600" algn="l" defTabSz="457200" rtl="0" eaLnBrk="1" latinLnBrk="0" hangingPunct="1">
+              <a:spcBef>
+                <a:spcPct val="20000"/>
+              </a:spcBef>
+              <a:spcAft>
+                <a:spcPts val="600"/>
+              </a:spcAft>
+              <a:buClr>
+                <a:schemeClr val="accent1"/>
+              </a:buClr>
+              <a:buFont typeface="Wingdings 2" charset="2"/>
+              <a:buChar char=""/>
+              <a:defRPr sz="1200" kern="1200">
+                <a:solidFill>
+                  <a:schemeClr val="tx1"/>
+                </a:solidFill>
+                <a:latin typeface="+mn-lt"/>
+                <a:ea typeface="+mn-ea"/>
+                <a:cs typeface="+mn-cs"/>
+              </a:defRPr>
+            </a:lvl8pPr>
+            <a:lvl9pPr marL="3600000" indent="-228600" algn="l" defTabSz="457200" rtl="0" eaLnBrk="1" latinLnBrk="0" hangingPunct="1">
+              <a:spcBef>
+                <a:spcPct val="20000"/>
+              </a:spcBef>
+              <a:spcAft>
+                <a:spcPts val="600"/>
+              </a:spcAft>
+              <a:buClr>
+                <a:schemeClr val="accent1"/>
+              </a:buClr>
+              <a:buFont typeface="Wingdings 2" charset="2"/>
+              <a:buChar char=""/>
+              <a:defRPr sz="1200" kern="1200">
+                <a:solidFill>
+                  <a:schemeClr val="tx1"/>
+                </a:solidFill>
+                <a:latin typeface="+mn-lt"/>
+                <a:ea typeface="+mn-ea"/>
+                <a:cs typeface="+mn-cs"/>
+              </a:defRPr>
+            </a:lvl9pPr>
+          </a:lstStyle>
+          <a:p>
+            <a:r>
+              <a:rPr lang="fr-FR" dirty="0" err="1"/>
+              <a:t>WebVisu</a:t>
+            </a:r>
+            <a:r>
+              <a:rPr lang="fr-FR" dirty="0"/>
+              <a:t> – Accessible avec un Browser ou sur un HMI de Beckhoff</a:t>
+            </a:r>
+          </a:p>
+          <a:p>
+            <a:r>
+              <a:rPr lang="fr-FR" dirty="0"/>
+              <a:t>Gestion droit accès – Admin, User, none</a:t>
+            </a:r>
+          </a:p>
+          <a:p>
+            <a:r>
+              <a:rPr lang="fr-FR" dirty="0"/>
+              <a:t>Multi-</a:t>
+            </a:r>
+            <a:r>
+              <a:rPr lang="fr-FR" dirty="0" err="1"/>
+              <a:t>Language</a:t>
+            </a:r>
+            <a:r>
+              <a:rPr lang="fr-FR" dirty="0"/>
+              <a:t> – Allemand, Anglais, Français</a:t>
+            </a:r>
+          </a:p>
+          <a:p>
+            <a:r>
+              <a:rPr lang="fr-FR" dirty="0"/>
+              <a:t>…</a:t>
+            </a:r>
+          </a:p>
+          <a:p>
+            <a:pPr lvl="1"/>
+            <a:endParaRPr lang="fr-FR" dirty="0"/>
+          </a:p>
+          <a:p>
+            <a:endParaRPr lang="fr-FR" dirty="0"/>
+          </a:p>
+        </p:txBody>
+      </p:sp>
+    </p:spTree>
+    <p:extLst>
+      <p:ext uri="{BB962C8B-B14F-4D97-AF65-F5344CB8AC3E}">
+        <p14:creationId xmlns:p14="http://schemas.microsoft.com/office/powerpoint/2010/main" val="2777728828"/>
+      </p:ext>
+    </p:extLst>
+  </p:cSld>
+  <p:clrMapOvr>
+    <a:masterClrMapping/>
+  </p:clrMapOvr>
+  <mc:AlternateContent xmlns:mc="http://schemas.openxmlformats.org/markup-compatibility/2006" xmlns:p14="http://schemas.microsoft.com/office/powerpoint/2010/main">
+    <mc:Choice Requires="p14">
+      <p:transition p14:dur="250">
+        <p:fade/>
+      </p:transition>
+    </mc:Choice>
+    <mc:Fallback xmlns="">
+      <p:transition>
+        <p:fade/>
+      </p:transition>
+    </mc:Fallback>
+  </mc:AlternateContent>
+</p:sld>
+</file>
+
+<file path=ppt/slides/slide22.xml><?xml version="1.0" encoding="utf-8"?>
+<p:sld xmlns:a="http://schemas.openxmlformats.org/drawingml/2006/main" xmlns:r="http://schemas.openxmlformats.org/officeDocument/2006/relationships" xmlns:p="http://schemas.openxmlformats.org/presentationml/2006/main" show="0">
+  <p:cSld>
+    <p:spTree>
+      <p:nvGrpSpPr>
+        <p:cNvPr id="1" name=""/>
+        <p:cNvGrpSpPr/>
+        <p:nvPr/>
+      </p:nvGrpSpPr>
+      <p:grpSpPr>
+        <a:xfrm>
+          <a:off x="0" y="0"/>
+          <a:ext cx="0" cy="0"/>
+          <a:chOff x="0" y="0"/>
+          <a:chExt cx="0" cy="0"/>
+        </a:xfrm>
+      </p:grpSpPr>
+      <p:pic>
+        <p:nvPicPr>
+          <p:cNvPr id="6" name="Inhaltsplatzhalter 3"/>
+          <p:cNvPicPr>
+            <a:picLocks noChangeAspect="1"/>
+          </p:cNvPicPr>
+          <p:nvPr/>
+        </p:nvPicPr>
+        <p:blipFill>
+          <a:blip r:embed="rId2"/>
+          <a:stretch>
+            <a:fillRect/>
+          </a:stretch>
+        </p:blipFill>
+        <p:spPr>
+          <a:xfrm>
+            <a:off x="0" y="835446"/>
+            <a:ext cx="12252259" cy="4711913"/>
+          </a:xfrm>
+          <a:prstGeom prst="rect">
+            <a:avLst/>
+          </a:prstGeom>
+        </p:spPr>
+      </p:pic>
+    </p:spTree>
+    <p:extLst>
+      <p:ext uri="{BB962C8B-B14F-4D97-AF65-F5344CB8AC3E}">
+        <p14:creationId xmlns:p14="http://schemas.microsoft.com/office/powerpoint/2010/main" val="168253290"/>
+      </p:ext>
+    </p:extLst>
+  </p:cSld>
+  <p:clrMapOvr>
+    <a:masterClrMapping/>
+  </p:clrMapOvr>
+  <mc:AlternateContent xmlns:mc="http://schemas.openxmlformats.org/markup-compatibility/2006" xmlns:p14="http://schemas.microsoft.com/office/powerpoint/2010/main">
+    <mc:Choice Requires="p14">
+      <p:transition p14:dur="250">
+        <p:fade/>
+      </p:transition>
+    </mc:Choice>
+    <mc:Fallback xmlns="">
+      <p:transition>
+        <p:fade/>
+      </p:transition>
+    </mc:Fallback>
+  </mc:AlternateContent>
+</p:sld>
+</file>
+
+<file path=ppt/slides/slide23.xml><?xml version="1.0" encoding="utf-8"?>
+<p:sld xmlns:a="http://schemas.openxmlformats.org/drawingml/2006/main" xmlns:r="http://schemas.openxmlformats.org/officeDocument/2006/relationships" xmlns:p="http://schemas.openxmlformats.org/presentationml/2006/main" show="0">
+  <p:cSld>
+    <p:spTree>
+      <p:nvGrpSpPr>
+        <p:cNvPr id="1" name=""/>
+        <p:cNvGrpSpPr/>
+        <p:nvPr/>
+      </p:nvGrpSpPr>
+      <p:grpSpPr>
+        <a:xfrm>
+          <a:off x="0" y="0"/>
+          <a:ext cx="0" cy="0"/>
+          <a:chOff x="0" y="0"/>
+          <a:chExt cx="0" cy="0"/>
+        </a:xfrm>
+      </p:grpSpPr>
+      <p:pic>
+        <p:nvPicPr>
+          <p:cNvPr id="2" name="Grafik 1"/>
+          <p:cNvPicPr>
+            <a:picLocks noChangeAspect="1"/>
+          </p:cNvPicPr>
+          <p:nvPr/>
+        </p:nvPicPr>
+        <p:blipFill>
+          <a:blip r:embed="rId2"/>
+          <a:stretch>
+            <a:fillRect/>
+          </a:stretch>
+        </p:blipFill>
+        <p:spPr>
+          <a:xfrm>
+            <a:off x="0" y="835446"/>
+            <a:ext cx="12176234" cy="4589994"/>
+          </a:xfrm>
+          <a:prstGeom prst="rect">
+            <a:avLst/>
+          </a:prstGeom>
+        </p:spPr>
+      </p:pic>
+    </p:spTree>
+    <p:extLst>
+      <p:ext uri="{BB962C8B-B14F-4D97-AF65-F5344CB8AC3E}">
+        <p14:creationId xmlns:p14="http://schemas.microsoft.com/office/powerpoint/2010/main" val="3184527372"/>
+      </p:ext>
+    </p:extLst>
+  </p:cSld>
+  <p:clrMapOvr>
+    <a:masterClrMapping/>
+  </p:clrMapOvr>
+  <mc:AlternateContent xmlns:mc="http://schemas.openxmlformats.org/markup-compatibility/2006" xmlns:p14="http://schemas.microsoft.com/office/powerpoint/2010/main">
+    <mc:Choice Requires="p14">
+      <p:transition p14:dur="250">
+        <p:fade/>
+      </p:transition>
+    </mc:Choice>
+    <mc:Fallback xmlns="">
+      <p:transition>
+        <p:fade/>
+      </p:transition>
+    </mc:Fallback>
+  </mc:AlternateContent>
+</p:sld>
+</file>
+
+<file path=ppt/slides/slide24.xml><?xml version="1.0" encoding="utf-8"?>
+<p:sld xmlns:a="http://schemas.openxmlformats.org/drawingml/2006/main" xmlns:r="http://schemas.openxmlformats.org/officeDocument/2006/relationships" xmlns:p="http://schemas.openxmlformats.org/presentationml/2006/main" show="0">
+  <p:cSld>
+    <p:spTree>
+      <p:nvGrpSpPr>
+        <p:cNvPr id="1" name=""/>
+        <p:cNvGrpSpPr/>
+        <p:nvPr/>
+      </p:nvGrpSpPr>
+      <p:grpSpPr>
+        <a:xfrm>
+          <a:off x="0" y="0"/>
+          <a:ext cx="0" cy="0"/>
+          <a:chOff x="0" y="0"/>
+          <a:chExt cx="0" cy="0"/>
+        </a:xfrm>
+      </p:grpSpPr>
+      <p:pic>
+        <p:nvPicPr>
+          <p:cNvPr id="6" name="Inhaltsplatzhalter 3"/>
+          <p:cNvPicPr>
+            <a:picLocks noChangeAspect="1"/>
+          </p:cNvPicPr>
+          <p:nvPr/>
+        </p:nvPicPr>
+        <p:blipFill>
+          <a:blip r:embed="rId2"/>
+          <a:stretch>
+            <a:fillRect/>
+          </a:stretch>
+        </p:blipFill>
+        <p:spPr>
+          <a:xfrm>
+            <a:off x="0" y="835446"/>
+            <a:ext cx="12252259" cy="4711913"/>
+          </a:xfrm>
+          <a:prstGeom prst="rect">
+            <a:avLst/>
+          </a:prstGeom>
+        </p:spPr>
+      </p:pic>
+    </p:spTree>
+    <p:extLst>
+      <p:ext uri="{BB962C8B-B14F-4D97-AF65-F5344CB8AC3E}">
+        <p14:creationId xmlns:p14="http://schemas.microsoft.com/office/powerpoint/2010/main" val="2257750793"/>
+      </p:ext>
+    </p:extLst>
+  </p:cSld>
+  <p:clrMapOvr>
+    <a:masterClrMapping/>
+  </p:clrMapOvr>
+  <mc:AlternateContent xmlns:mc="http://schemas.openxmlformats.org/markup-compatibility/2006" xmlns:p14="http://schemas.microsoft.com/office/powerpoint/2010/main">
+    <mc:Choice Requires="p14">
+      <p:transition p14:dur="250">
+        <p:fade/>
+      </p:transition>
+    </mc:Choice>
+    <mc:Fallback xmlns="">
+      <p:transition>
+        <p:fade/>
+      </p:transition>
+    </mc:Fallback>
+  </mc:AlternateContent>
+</p:sld>
+</file>
+
+<file path=ppt/slides/slide25.xml><?xml version="1.0" encoding="utf-8"?>
+<p:sld xmlns:a="http://schemas.openxmlformats.org/drawingml/2006/main" xmlns:r="http://schemas.openxmlformats.org/officeDocument/2006/relationships" xmlns:p="http://schemas.openxmlformats.org/presentationml/2006/main" show="0">
+  <p:cSld>
+    <p:spTree>
+      <p:nvGrpSpPr>
+        <p:cNvPr id="1" name=""/>
+        <p:cNvGrpSpPr/>
+        <p:nvPr/>
+      </p:nvGrpSpPr>
+      <p:grpSpPr>
+        <a:xfrm>
+          <a:off x="0" y="0"/>
+          <a:ext cx="0" cy="0"/>
+          <a:chOff x="0" y="0"/>
+          <a:chExt cx="0" cy="0"/>
+        </a:xfrm>
+      </p:grpSpPr>
+      <p:pic>
+        <p:nvPicPr>
+          <p:cNvPr id="2" name="Grafik 1"/>
+          <p:cNvPicPr>
+            <a:picLocks noChangeAspect="1"/>
+          </p:cNvPicPr>
+          <p:nvPr/>
+        </p:nvPicPr>
+        <p:blipFill>
+          <a:blip r:embed="rId2"/>
+          <a:stretch>
+            <a:fillRect/>
+          </a:stretch>
+        </p:blipFill>
+        <p:spPr>
+          <a:xfrm>
+            <a:off x="243840" y="0"/>
+            <a:ext cx="11719560" cy="6843630"/>
+          </a:xfrm>
+          <a:prstGeom prst="rect">
+            <a:avLst/>
+          </a:prstGeom>
+        </p:spPr>
+      </p:pic>
+    </p:spTree>
+    <p:extLst>
+      <p:ext uri="{BB962C8B-B14F-4D97-AF65-F5344CB8AC3E}">
+        <p14:creationId xmlns:p14="http://schemas.microsoft.com/office/powerpoint/2010/main" val="2861146138"/>
+      </p:ext>
+    </p:extLst>
+  </p:cSld>
+  <p:clrMapOvr>
+    <a:masterClrMapping/>
+  </p:clrMapOvr>
+  <mc:AlternateContent xmlns:mc="http://schemas.openxmlformats.org/markup-compatibility/2006" xmlns:p14="http://schemas.microsoft.com/office/powerpoint/2010/main">
+    <mc:Choice Requires="p14">
+      <p:transition p14:dur="250">
+        <p:fade/>
+      </p:transition>
+    </mc:Choice>
+    <mc:Fallback xmlns="">
+      <p:transition>
+        <p:fade/>
+      </p:transition>
+    </mc:Fallback>
+  </mc:AlternateContent>
+</p:sld>
+</file>
+
+<file path=ppt/slides/slide26.xml><?xml version="1.0" encoding="utf-8"?>
+<p:sld xmlns:a="http://schemas.openxmlformats.org/drawingml/2006/main" xmlns:r="http://schemas.openxmlformats.org/officeDocument/2006/relationships" xmlns:p="http://schemas.openxmlformats.org/presentationml/2006/main">
+  <p:cSld>
+    <p:spTree>
+      <p:nvGrpSpPr>
+        <p:cNvPr id="1" name=""/>
+        <p:cNvGrpSpPr/>
+        <p:nvPr/>
+      </p:nvGrpSpPr>
+      <p:grpSpPr>
+        <a:xfrm>
+          <a:off x="0" y="0"/>
+          <a:ext cx="0" cy="0"/>
+          <a:chOff x="0" y="0"/>
+          <a:chExt cx="0" cy="0"/>
+        </a:xfrm>
+      </p:grpSpPr>
+      <p:sp>
+        <p:nvSpPr>
+          <p:cNvPr id="2" name="Titel 1"/>
+          <p:cNvSpPr>
+            <a:spLocks noGrp="1"/>
+          </p:cNvSpPr>
+          <p:nvPr>
+            <p:ph type="title"/>
+          </p:nvPr>
+        </p:nvSpPr>
+        <p:spPr/>
+        <p:txBody>
+          <a:bodyPr/>
+          <a:lstStyle/>
+          <a:p>
+            <a:endParaRPr lang="fr-FR"/>
+          </a:p>
+        </p:txBody>
+      </p:sp>
+      <p:sp>
+        <p:nvSpPr>
+          <p:cNvPr id="3" name="Inhaltsplatzhalter 2"/>
+          <p:cNvSpPr>
+            <a:spLocks noGrp="1"/>
+          </p:cNvSpPr>
+          <p:nvPr>
+            <p:ph idx="1"/>
+          </p:nvPr>
+        </p:nvSpPr>
+        <p:spPr/>
+        <p:txBody>
+          <a:bodyPr/>
+          <a:lstStyle/>
+          <a:p>
+            <a:endParaRPr lang="fr-FR"/>
+          </a:p>
+        </p:txBody>
+      </p:sp>
+    </p:spTree>
+    <p:extLst>
+      <p:ext uri="{BB962C8B-B14F-4D97-AF65-F5344CB8AC3E}">
+        <p14:creationId xmlns:p14="http://schemas.microsoft.com/office/powerpoint/2010/main" val="835622679"/>
+      </p:ext>
+    </p:extLst>
+  </p:cSld>
+  <p:clrMapOvr>
+    <a:masterClrMapping/>
+  </p:clrMapOvr>
+  <mc:AlternateContent xmlns:mc="http://schemas.openxmlformats.org/markup-compatibility/2006" xmlns:p14="http://schemas.microsoft.com/office/powerpoint/2010/main">
+    <mc:Choice Requires="p14">
+      <p:transition p14:dur="250">
+        <p:fade/>
+      </p:transition>
+    </mc:Choice>
+    <mc:Fallback xmlns="">
+      <p:transition>
+        <p:fade/>
+      </p:transition>
+    </mc:Fallback>
+  </mc:AlternateContent>
 </p:sld>
 </file>
 
@@ -6688,6 +12655,18 @@
   <p:clrMapOvr>
     <a:masterClrMapping/>
   </p:clrMapOvr>
+  <mc:AlternateContent xmlns:mc="http://schemas.openxmlformats.org/markup-compatibility/2006" xmlns:p14="http://schemas.microsoft.com/office/powerpoint/2010/main">
+    <mc:Choice Requires="p14">
+      <p:transition p14:dur="250">
+        <p:fade/>
+      </p:transition>
+    </mc:Choice>
+    <mc:Fallback xmlns="">
+      <p:transition>
+        <p:fade/>
+      </p:transition>
+    </mc:Fallback>
+  </mc:AlternateContent>
 </p:sld>
 </file>
 
@@ -6771,7 +12750,7 @@
           <a:p>
             <a:r>
               <a:rPr lang="fr-FR" dirty="0"/>
-              <a:t> Camera </a:t>
+              <a:t>Camera </a:t>
             </a:r>
             <a:r>
               <a:rPr lang="fr-FR" dirty="0" err="1"/>
@@ -6900,10 +12879,112 @@
   <p:clrMapOvr>
     <a:masterClrMapping/>
   </p:clrMapOvr>
+  <mc:AlternateContent xmlns:mc="http://schemas.openxmlformats.org/markup-compatibility/2006" xmlns:p14="http://schemas.microsoft.com/office/powerpoint/2010/main">
+    <mc:Choice Requires="p14">
+      <p:transition p14:dur="250">
+        <p:fade/>
+      </p:transition>
+    </mc:Choice>
+    <mc:Fallback xmlns="">
+      <p:transition>
+        <p:fade/>
+      </p:transition>
+    </mc:Fallback>
+  </mc:AlternateContent>
 </p:sld>
 </file>
 
 <file path=ppt/slides/slide5.xml><?xml version="1.0" encoding="utf-8"?>
+<p:sld xmlns:a="http://schemas.openxmlformats.org/drawingml/2006/main" xmlns:r="http://schemas.openxmlformats.org/officeDocument/2006/relationships" xmlns:p="http://schemas.openxmlformats.org/presentationml/2006/main">
+  <p:cSld>
+    <p:spTree>
+      <p:nvGrpSpPr>
+        <p:cNvPr id="1" name=""/>
+        <p:cNvGrpSpPr/>
+        <p:nvPr/>
+      </p:nvGrpSpPr>
+      <p:grpSpPr>
+        <a:xfrm>
+          <a:off x="0" y="0"/>
+          <a:ext cx="0" cy="0"/>
+          <a:chOff x="0" y="0"/>
+          <a:chExt cx="0" cy="0"/>
+        </a:xfrm>
+      </p:grpSpPr>
+      <p:sp>
+        <p:nvSpPr>
+          <p:cNvPr id="2" name="Titel 1"/>
+          <p:cNvSpPr>
+            <a:spLocks noGrp="1"/>
+          </p:cNvSpPr>
+          <p:nvPr>
+            <p:ph type="title"/>
+          </p:nvPr>
+        </p:nvSpPr>
+        <p:spPr/>
+        <p:txBody>
+          <a:bodyPr/>
+          <a:lstStyle/>
+          <a:p>
+            <a:r>
+              <a:rPr lang="fr-FR" dirty="0"/>
+              <a:t>Partie Programme</a:t>
+            </a:r>
+          </a:p>
+        </p:txBody>
+      </p:sp>
+      <p:sp>
+        <p:nvSpPr>
+          <p:cNvPr id="3" name="Textplatzhalter 2"/>
+          <p:cNvSpPr>
+            <a:spLocks noGrp="1"/>
+          </p:cNvSpPr>
+          <p:nvPr>
+            <p:ph type="body" idx="1"/>
+          </p:nvPr>
+        </p:nvSpPr>
+        <p:spPr/>
+        <p:txBody>
+          <a:bodyPr/>
+          <a:lstStyle/>
+          <a:p>
+            <a:r>
+              <a:rPr lang="fr-FR" dirty="0" err="1"/>
+              <a:t>Cognex</a:t>
+            </a:r>
+            <a:r>
+              <a:rPr lang="fr-FR" dirty="0"/>
+              <a:t> et Beckhoff</a:t>
+            </a:r>
+          </a:p>
+        </p:txBody>
+      </p:sp>
+    </p:spTree>
+    <p:extLst>
+      <p:ext uri="{BB962C8B-B14F-4D97-AF65-F5344CB8AC3E}">
+        <p14:creationId xmlns:p14="http://schemas.microsoft.com/office/powerpoint/2010/main" val="848061268"/>
+      </p:ext>
+    </p:extLst>
+  </p:cSld>
+  <p:clrMapOvr>
+    <a:masterClrMapping/>
+  </p:clrMapOvr>
+  <mc:AlternateContent xmlns:mc="http://schemas.openxmlformats.org/markup-compatibility/2006" xmlns:p14="http://schemas.microsoft.com/office/powerpoint/2010/main">
+    <mc:Choice Requires="p14">
+      <p:transition p14:dur="250">
+        <p:fade/>
+      </p:transition>
+    </mc:Choice>
+    <mc:Fallback xmlns="">
+      <p:transition>
+        <p:fade/>
+      </p:transition>
+    </mc:Fallback>
+  </mc:AlternateContent>
+</p:sld>
+</file>
+
+<file path=ppt/slides/slide6.xml><?xml version="1.0" encoding="utf-8"?>
 <p:sld xmlns:a="http://schemas.openxmlformats.org/drawingml/2006/main" xmlns:r="http://schemas.openxmlformats.org/officeDocument/2006/relationships" xmlns:p="http://schemas.openxmlformats.org/presentationml/2006/main">
   <p:cSld>
     <p:spTree>
@@ -7032,10 +13113,22 @@
   <p:clrMapOvr>
     <a:masterClrMapping/>
   </p:clrMapOvr>
+  <mc:AlternateContent xmlns:mc="http://schemas.openxmlformats.org/markup-compatibility/2006" xmlns:p14="http://schemas.microsoft.com/office/powerpoint/2010/main">
+    <mc:Choice Requires="p14">
+      <p:transition p14:dur="250">
+        <p:fade/>
+      </p:transition>
+    </mc:Choice>
+    <mc:Fallback xmlns="">
+      <p:transition>
+        <p:fade/>
+      </p:transition>
+    </mc:Fallback>
+  </mc:AlternateContent>
 </p:sld>
 </file>
 
-<file path=ppt/slides/slide6.xml><?xml version="1.0" encoding="utf-8"?>
+<file path=ppt/slides/slide7.xml><?xml version="1.0" encoding="utf-8"?>
 <p:sld xmlns:a="http://schemas.openxmlformats.org/drawingml/2006/main" xmlns:r="http://schemas.openxmlformats.org/officeDocument/2006/relationships" xmlns:p="http://schemas.openxmlformats.org/presentationml/2006/main">
   <p:cSld>
     <p:spTree>
@@ -7054,6 +13147,54 @@
       </p:grpSpPr>
       <p:sp>
         <p:nvSpPr>
+          <p:cNvPr id="7" name="Rechteck 6"/>
+          <p:cNvSpPr/>
+          <p:nvPr/>
+        </p:nvSpPr>
+        <p:spPr>
+          <a:xfrm>
+            <a:off x="6156960" y="1889761"/>
+            <a:ext cx="6035040" cy="4968240"/>
+          </a:xfrm>
+          <a:prstGeom prst="rect">
+            <a:avLst/>
+          </a:prstGeom>
+          <a:solidFill>
+            <a:schemeClr val="tx1"/>
+          </a:solidFill>
+          <a:ln>
+            <a:solidFill>
+              <a:schemeClr val="tx1"/>
+            </a:solidFill>
+          </a:ln>
+        </p:spPr>
+        <p:style>
+          <a:lnRef idx="2">
+            <a:schemeClr val="accent1">
+              <a:shade val="50000"/>
+            </a:schemeClr>
+          </a:lnRef>
+          <a:fillRef idx="1">
+            <a:schemeClr val="accent1"/>
+          </a:fillRef>
+          <a:effectRef idx="0">
+            <a:schemeClr val="accent1"/>
+          </a:effectRef>
+          <a:fontRef idx="minor">
+            <a:schemeClr val="lt1"/>
+          </a:fontRef>
+        </p:style>
+        <p:txBody>
+          <a:bodyPr rtlCol="0" anchor="ctr"/>
+          <a:lstStyle/>
+          <a:p>
+            <a:pPr algn="ctr"/>
+            <a:endParaRPr lang="fr-FR"/>
+          </a:p>
+        </p:txBody>
+      </p:sp>
+      <p:sp>
+        <p:nvSpPr>
           <p:cNvPr id="2" name="Titel 1"/>
           <p:cNvSpPr>
             <a:spLocks noGrp="1"/>
@@ -7085,7 +13226,7 @@
             <a:spLocks noGrp="1"/>
           </p:cNvSpPr>
           <p:nvPr>
-            <p:ph idx="1"/>
+            <p:ph sz="half" idx="1"/>
           </p:nvPr>
         </p:nvSpPr>
         <p:spPr/>
@@ -7095,17 +13236,80 @@
           <a:p>
             <a:r>
               <a:rPr lang="fr-FR" dirty="0"/>
+              <a:t>via TCP / IP</a:t>
+            </a:r>
+          </a:p>
+          <a:p>
+            <a:r>
+              <a:rPr lang="fr-FR" dirty="0"/>
               <a:t>Communication avec des String</a:t>
             </a:r>
           </a:p>
           <a:p>
             <a:r>
               <a:rPr lang="fr-FR" dirty="0"/>
-              <a:t>via TCP / IP</a:t>
+              <a:t>\r\n comme fin de trame</a:t>
             </a:r>
           </a:p>
         </p:txBody>
       </p:sp>
+      <p:graphicFrame>
+        <p:nvGraphicFramePr>
+          <p:cNvPr id="6" name="Objekt 5"/>
+          <p:cNvGraphicFramePr>
+            <a:graphicFrameLocks noChangeAspect="1"/>
+          </p:cNvGraphicFramePr>
+          <p:nvPr>
+            <p:extLst>
+              <p:ext uri="{D42A27DB-BD31-4B8C-83A1-F6EECF244321}">
+                <p14:modId xmlns:p14="http://schemas.microsoft.com/office/powerpoint/2010/main" val="1621390536"/>
+              </p:ext>
+            </p:extLst>
+          </p:nvPr>
+        </p:nvGraphicFramePr>
+        <p:xfrm>
+          <a:off x="6690361" y="2217540"/>
+          <a:ext cx="5179318" cy="4289940"/>
+        </p:xfrm>
+        <a:graphic>
+          <a:graphicData uri="http://schemas.openxmlformats.org/presentationml/2006/ole">
+            <mc:AlternateContent xmlns:mc="http://schemas.openxmlformats.org/markup-compatibility/2006">
+              <mc:Choice xmlns:v="urn:schemas-microsoft-com:vml" Requires="v">
+                <p:oleObj spid="_x0000_s1026" name="Visio" r:id="rId3" imgW="2828790" imgH="2343138" progId="Visio.Drawing.15">
+                  <p:embed/>
+                </p:oleObj>
+              </mc:Choice>
+              <mc:Fallback>
+                <p:oleObj name="Visio" r:id="rId3" imgW="2828790" imgH="2343138" progId="Visio.Drawing.15">
+                  <p:embed/>
+                  <p:pic>
+                    <p:nvPicPr>
+                      <p:cNvPr id="6" name="Objekt 5"/>
+                      <p:cNvPicPr/>
+                      <p:nvPr/>
+                    </p:nvPicPr>
+                    <p:blipFill>
+                      <a:blip r:embed="rId4"/>
+                      <a:stretch>
+                        <a:fillRect/>
+                      </a:stretch>
+                    </p:blipFill>
+                    <p:spPr>
+                      <a:xfrm>
+                        <a:off x="6690361" y="2217540"/>
+                        <a:ext cx="5179318" cy="4289940"/>
+                      </a:xfrm>
+                      <a:prstGeom prst="rect">
+                        <a:avLst/>
+                      </a:prstGeom>
+                    </p:spPr>
+                  </p:pic>
+                </p:oleObj>
+              </mc:Fallback>
+            </mc:AlternateContent>
+          </a:graphicData>
+        </a:graphic>
+      </p:graphicFrame>
     </p:spTree>
     <p:extLst>
       <p:ext uri="{BB962C8B-B14F-4D97-AF65-F5344CB8AC3E}">
@@ -7116,10 +13320,22 @@
   <p:clrMapOvr>
     <a:masterClrMapping/>
   </p:clrMapOvr>
+  <mc:AlternateContent xmlns:mc="http://schemas.openxmlformats.org/markup-compatibility/2006" xmlns:p14="http://schemas.microsoft.com/office/powerpoint/2010/main">
+    <mc:Choice Requires="p14">
+      <p:transition p14:dur="250">
+        <p:fade/>
+      </p:transition>
+    </mc:Choice>
+    <mc:Fallback xmlns="">
+      <p:transition>
+        <p:fade/>
+      </p:transition>
+    </mc:Fallback>
+  </mc:AlternateContent>
 </p:sld>
 </file>
 
-<file path=ppt/slides/slide7.xml><?xml version="1.0" encoding="utf-8"?>
+<file path=ppt/slides/slide8.xml><?xml version="1.0" encoding="utf-8"?>
 <p:sld xmlns:a="http://schemas.openxmlformats.org/drawingml/2006/main" xmlns:r="http://schemas.openxmlformats.org/officeDocument/2006/relationships" xmlns:p="http://schemas.openxmlformats.org/presentationml/2006/main">
   <p:cSld>
     <p:spTree>
@@ -7171,7 +13387,7 @@
         </p:nvSpPr>
         <p:spPr>
           <a:xfrm>
-            <a:off x="286449" y="393487"/>
+            <a:off x="286449" y="393485"/>
             <a:ext cx="4640393" cy="6157438"/>
           </a:xfrm>
           <a:prstGeom prst="rect">
@@ -7435,7 +13651,7 @@
         </p:blipFill>
         <p:spPr>
           <a:xfrm>
-            <a:off x="4926843" y="393486"/>
+            <a:off x="4926842" y="393485"/>
             <a:ext cx="7058394" cy="5788647"/>
           </a:xfrm>
           <a:prstGeom prst="rect">
@@ -7453,10 +13669,105 @@
   <p:clrMapOvr>
     <a:masterClrMapping/>
   </p:clrMapOvr>
+  <mc:AlternateContent xmlns:mc="http://schemas.openxmlformats.org/markup-compatibility/2006" xmlns:p14="http://schemas.microsoft.com/office/powerpoint/2010/main">
+    <mc:Choice Requires="p14">
+      <p:transition p14:dur="250">
+        <p:fade/>
+      </p:transition>
+    </mc:Choice>
+    <mc:Fallback xmlns="">
+      <p:transition>
+        <p:fade/>
+      </p:transition>
+    </mc:Fallback>
+  </mc:AlternateContent>
+  <p:timing>
+    <p:tnLst>
+      <p:par>
+        <p:cTn id="1" dur="indefinite" restart="never" nodeType="tmRoot">
+          <p:childTnLst>
+            <p:seq concurrent="1" nextAc="seek">
+              <p:cTn id="2" dur="indefinite" nodeType="mainSeq">
+                <p:childTnLst>
+                  <p:par>
+                    <p:cTn id="3" fill="hold">
+                      <p:stCondLst>
+                        <p:cond delay="indefinite"/>
+                      </p:stCondLst>
+                      <p:childTnLst>
+                        <p:par>
+                          <p:cTn id="4" fill="hold">
+                            <p:stCondLst>
+                              <p:cond delay="0"/>
+                            </p:stCondLst>
+                            <p:childTnLst>
+                              <p:par>
+                                <p:cTn id="5" presetID="10" presetClass="entr" presetSubtype="0" fill="hold" nodeType="clickEffect">
+                                  <p:stCondLst>
+                                    <p:cond delay="0"/>
+                                  </p:stCondLst>
+                                  <p:childTnLst>
+                                    <p:set>
+                                      <p:cBhvr>
+                                        <p:cTn id="6" dur="1" fill="hold">
+                                          <p:stCondLst>
+                                            <p:cond delay="0"/>
+                                          </p:stCondLst>
+                                        </p:cTn>
+                                        <p:tgtEl>
+                                          <p:spTgt spid="13"/>
+                                        </p:tgtEl>
+                                        <p:attrNameLst>
+                                          <p:attrName>style.visibility</p:attrName>
+                                        </p:attrNameLst>
+                                      </p:cBhvr>
+                                      <p:to>
+                                        <p:strVal val="visible"/>
+                                      </p:to>
+                                    </p:set>
+                                    <p:animEffect transition="in" filter="fade">
+                                      <p:cBhvr>
+                                        <p:cTn id="7" dur="250"/>
+                                        <p:tgtEl>
+                                          <p:spTgt spid="13"/>
+                                        </p:tgtEl>
+                                      </p:cBhvr>
+                                    </p:animEffect>
+                                  </p:childTnLst>
+                                </p:cTn>
+                              </p:par>
+                            </p:childTnLst>
+                          </p:cTn>
+                        </p:par>
+                      </p:childTnLst>
+                    </p:cTn>
+                  </p:par>
+                </p:childTnLst>
+              </p:cTn>
+              <p:prevCondLst>
+                <p:cond evt="onPrev" delay="0">
+                  <p:tgtEl>
+                    <p:sldTgt/>
+                  </p:tgtEl>
+                </p:cond>
+              </p:prevCondLst>
+              <p:nextCondLst>
+                <p:cond evt="onNext" delay="0">
+                  <p:tgtEl>
+                    <p:sldTgt/>
+                  </p:tgtEl>
+                </p:cond>
+              </p:nextCondLst>
+            </p:seq>
+          </p:childTnLst>
+        </p:cTn>
+      </p:par>
+    </p:tnLst>
+  </p:timing>
 </p:sld>
 </file>
 
-<file path=ppt/slides/slide8.xml><?xml version="1.0" encoding="utf-8"?>
+<file path=ppt/slides/slide9.xml><?xml version="1.0" encoding="utf-8"?>
 <p:sld xmlns:a="http://schemas.openxmlformats.org/drawingml/2006/main" xmlns:r="http://schemas.openxmlformats.org/officeDocument/2006/relationships" xmlns:p="http://schemas.openxmlformats.org/presentationml/2006/main">
   <p:cSld>
     <p:spTree>
@@ -7835,7 +14146,7 @@
         </p:blipFill>
         <p:spPr>
           <a:xfrm>
-            <a:off x="4968978" y="492253"/>
+            <a:off x="4926839" y="540951"/>
             <a:ext cx="6974119" cy="5855259"/>
           </a:xfrm>
           <a:prstGeom prst="rect">
@@ -7890,13 +14201,146 @@
   <p:clrMapOvr>
     <a:masterClrMapping/>
   </p:clrMapOvr>
+  <mc:AlternateContent xmlns:mc="http://schemas.openxmlformats.org/markup-compatibility/2006" xmlns:p14="http://schemas.microsoft.com/office/powerpoint/2010/main">
+    <mc:Choice Requires="p14">
+      <p:transition p14:dur="250">
+        <p:fade/>
+      </p:transition>
+    </mc:Choice>
+    <mc:Fallback xmlns="">
+      <p:transition>
+        <p:fade/>
+      </p:transition>
+    </mc:Fallback>
+  </mc:AlternateContent>
+  <p:timing>
+    <p:tnLst>
+      <p:par>
+        <p:cTn id="1" dur="indefinite" restart="never" nodeType="tmRoot">
+          <p:childTnLst>
+            <p:seq concurrent="1" nextAc="seek">
+              <p:cTn id="2" dur="indefinite" nodeType="mainSeq">
+                <p:childTnLst>
+                  <p:par>
+                    <p:cTn id="3" fill="hold">
+                      <p:stCondLst>
+                        <p:cond delay="indefinite"/>
+                      </p:stCondLst>
+                      <p:childTnLst>
+                        <p:par>
+                          <p:cTn id="4" fill="hold">
+                            <p:stCondLst>
+                              <p:cond delay="0"/>
+                            </p:stCondLst>
+                            <p:childTnLst>
+                              <p:par>
+                                <p:cTn id="5" presetID="10" presetClass="entr" presetSubtype="0" fill="hold" nodeType="clickEffect">
+                                  <p:stCondLst>
+                                    <p:cond delay="0"/>
+                                  </p:stCondLst>
+                                  <p:childTnLst>
+                                    <p:set>
+                                      <p:cBhvr>
+                                        <p:cTn id="6" dur="1" fill="hold">
+                                          <p:stCondLst>
+                                            <p:cond delay="0"/>
+                                          </p:stCondLst>
+                                        </p:cTn>
+                                        <p:tgtEl>
+                                          <p:spTgt spid="7"/>
+                                        </p:tgtEl>
+                                        <p:attrNameLst>
+                                          <p:attrName>style.visibility</p:attrName>
+                                        </p:attrNameLst>
+                                      </p:cBhvr>
+                                      <p:to>
+                                        <p:strVal val="visible"/>
+                                      </p:to>
+                                    </p:set>
+                                    <p:animEffect transition="in" filter="fade">
+                                      <p:cBhvr>
+                                        <p:cTn id="7" dur="250"/>
+                                        <p:tgtEl>
+                                          <p:spTgt spid="7"/>
+                                        </p:tgtEl>
+                                      </p:cBhvr>
+                                    </p:animEffect>
+                                  </p:childTnLst>
+                                </p:cTn>
+                              </p:par>
+                              <p:par>
+                                <p:cTn id="8" presetID="10" presetClass="entr" presetSubtype="0" fill="hold" grpId="0" nodeType="withEffect">
+                                  <p:stCondLst>
+                                    <p:cond delay="0"/>
+                                  </p:stCondLst>
+                                  <p:childTnLst>
+                                    <p:set>
+                                      <p:cBhvr>
+                                        <p:cTn id="9" dur="1" fill="hold">
+                                          <p:stCondLst>
+                                            <p:cond delay="0"/>
+                                          </p:stCondLst>
+                                        </p:cTn>
+                                        <p:tgtEl>
+                                          <p:spTgt spid="9"/>
+                                        </p:tgtEl>
+                                        <p:attrNameLst>
+                                          <p:attrName>style.visibility</p:attrName>
+                                        </p:attrNameLst>
+                                      </p:cBhvr>
+                                      <p:to>
+                                        <p:strVal val="visible"/>
+                                      </p:to>
+                                    </p:set>
+                                    <p:animEffect transition="in" filter="fade">
+                                      <p:cBhvr>
+                                        <p:cTn id="10" dur="250"/>
+                                        <p:tgtEl>
+                                          <p:spTgt spid="9"/>
+                                        </p:tgtEl>
+                                      </p:cBhvr>
+                                    </p:animEffect>
+                                  </p:childTnLst>
+                                </p:cTn>
+                              </p:par>
+                            </p:childTnLst>
+                          </p:cTn>
+                        </p:par>
+                      </p:childTnLst>
+                    </p:cTn>
+                  </p:par>
+                </p:childTnLst>
+              </p:cTn>
+              <p:prevCondLst>
+                <p:cond evt="onPrev" delay="0">
+                  <p:tgtEl>
+                    <p:sldTgt/>
+                  </p:tgtEl>
+                </p:cond>
+              </p:prevCondLst>
+              <p:nextCondLst>
+                <p:cond evt="onNext" delay="0">
+                  <p:tgtEl>
+                    <p:sldTgt/>
+                  </p:tgtEl>
+                </p:cond>
+              </p:nextCondLst>
+            </p:seq>
+          </p:childTnLst>
+        </p:cTn>
+      </p:par>
+    </p:tnLst>
+    <p:bldLst>
+      <p:bldP spid="9" grpId="0" animBg="1"/>
+    </p:bldLst>
+  </p:timing>
 </p:sld>
 </file>
 
 <file path=ppt/theme/theme1.xml><?xml version="1.0" encoding="utf-8"?>
 <a:theme xmlns:a="http://schemas.openxmlformats.org/drawingml/2006/main" name="Zitierfähig">
   <a:themeElements>
-    <a:clrScheme name="Quotable">
+    <a:clrScheme name="Zitierfähig">
       <a:dk1>
         <a:sysClr val="windowText" lastClr="000000"/>
       </a:dk1>
@@ -7934,7 +14378,7 @@
         <a:srgbClr val="A5A5A5"/>
       </a:folHlink>
     </a:clrScheme>
-    <a:fontScheme name="Quotable">
+    <a:fontScheme name="Zitierfähig">
       <a:majorFont>
         <a:latin typeface="Century Gothic" panose="020B0502020202020204"/>
         <a:ea typeface=""/>
@@ -8006,7 +14450,7 @@
         <a:font script="Geor" typeface="Sylfaen"/>
       </a:minorFont>
     </a:fontScheme>
-    <a:fmtScheme name="Quotable">
+    <a:fmtScheme name="Zitierfähig">
       <a:fillStyleLst>
         <a:solidFill>
           <a:schemeClr val="phClr"/>
@@ -8423,4 +14867,18 @@
     </a:ext>
   </a:extLst>
 </a:theme>
+</file>
+
+<file path=customXml/item1.xml><?xml version="1.0" encoding="utf-8"?>
+<Control xmlns="http://schemas.microsoft.com/VisualStudio/2011/storyboarding/control">
+  <Id Name="System.Storyboarding.Backgrounds.DesktopTaskbar" Revision="1" Stencil="System.Storyboarding.Backgrounds" StencilVersion="0.1"/>
+</Control>
+</file>
+
+<file path=customXml/itemProps1.xml><?xml version="1.0" encoding="utf-8"?>
+<ds:datastoreItem xmlns:ds="http://schemas.openxmlformats.org/officeDocument/2006/customXml" ds:itemID="{86DE61D5-250D-4964-8F10-F42615883CC3}">
+  <ds:schemaRefs>
+    <ds:schemaRef ds:uri="http://schemas.microsoft.com/VisualStudio/2011/storyboarding/control"/>
+  </ds:schemaRefs>
+</ds:datastoreItem>
 </file>